--- a/Executive Summary Best Practices (1).pptx
+++ b/Executive Summary Best Practices (1).pptx
@@ -257,7 +257,7 @@
       </p15:sldGuideLst>
     </p:ext>
     <p:ext uri="http://customooxmlschemas.google.com/">
-      <go:slidesCustomData xmlns:go="http://customooxmlschemas.google.com/" xmlns:ahyp="http://schemas.microsoft.com/office/drawing/2018/hyperlinkcolor" xmlns:p15="http://schemas.microsoft.com/office/powerpoint/2012/main" xmlns:p14="http://schemas.microsoft.com/office/powerpoint/2010/main" xmlns:com="http://schemas.openxmlformats.org/drawingml/2006/compatibility" xmlns:pvml="urn:schemas-microsoft-com:office:powerpoint" xmlns:v="urn:schemas-microsoft-com:vml" xmlns:o="urn:schemas-microsoft-com:office:office" xmlns:dgm="http://schemas.openxmlformats.org/drawingml/2006/diagram" xmlns:c="http://schemas.openxmlformats.org/drawingml/2006/chart" xmlns:mv="urn:schemas-microsoft-com:mac:vml" xmlns:mc="http://schemas.openxmlformats.org/markup-compatibility/2006" xmlns="" r:id="rId7" roundtripDataSignature="AMtx7mgQcZsfPmTGvyyFPu7izN7AyRV0ig=="/>
+      <go:slidesCustomData xmlns="" xmlns:mc="http://schemas.openxmlformats.org/markup-compatibility/2006" xmlns:mv="urn:schemas-microsoft-com:mac:vml" xmlns:c="http://schemas.openxmlformats.org/drawingml/2006/chart" xmlns:dgm="http://schemas.openxmlformats.org/drawingml/2006/diagram" xmlns:o="urn:schemas-microsoft-com:office:office" xmlns:v="urn:schemas-microsoft-com:vml" xmlns:pvml="urn:schemas-microsoft-com:office:powerpoint" xmlns:com="http://schemas.openxmlformats.org/drawingml/2006/compatibility" xmlns:p14="http://schemas.microsoft.com/office/powerpoint/2010/main" xmlns:p15="http://schemas.microsoft.com/office/powerpoint/2012/main" xmlns:ahyp="http://schemas.microsoft.com/office/drawing/2018/hyperlinkcolor" xmlns:go="http://customooxmlschemas.google.com/" r:id="rId7" roundtripDataSignature="AMtx7mgQcZsfPmTGvyyFPu7izN7AyRV0ig=="/>
     </p:ext>
   </p:extLst>
 </p:presentation>
@@ -266,7 +266,7 @@
 <file path=ppt/revisionInfo.xml><?xml version="1.0" encoding="utf-8"?>
 <p1510:revInfo xmlns:a="http://schemas.openxmlformats.org/drawingml/2006/main" xmlns:r="http://schemas.openxmlformats.org/officeDocument/2006/relationships" xmlns:p1510="http://schemas.microsoft.com/office/powerpoint/2015/10/main">
   <p1510:revLst>
-    <p1510:client id="{B98D262B-19B1-44A5-AE39-893A7D9FD57B}" v="20" dt="2025-05-10T19:46:53.145"/>
+    <p1510:client id="{B98D262B-19B1-44A5-AE39-893A7D9FD57B}" v="36" dt="2025-05-11T20:02:14.941"/>
   </p1510:revLst>
 </p1510:revInfo>
 </file>
@@ -276,12 +276,12 @@
   <pc:docChgLst>
     <pc:chgData name="Rashi Ratan" userId="e271e389-31ad-4828-b45f-d613c537452f" providerId="ADAL" clId="{B98D262B-19B1-44A5-AE39-893A7D9FD57B}"/>
     <pc:docChg chg="undo redo custSel modSld">
-      <pc:chgData name="Rashi Ratan" userId="e271e389-31ad-4828-b45f-d613c537452f" providerId="ADAL" clId="{B98D262B-19B1-44A5-AE39-893A7D9FD57B}" dt="2025-05-10T19:47:04.123" v="97" actId="403"/>
+      <pc:chgData name="Rashi Ratan" userId="e271e389-31ad-4828-b45f-d613c537452f" providerId="ADAL" clId="{B98D262B-19B1-44A5-AE39-893A7D9FD57B}" dt="2025-05-11T20:02:14.939" v="114" actId="20577"/>
       <pc:docMkLst>
         <pc:docMk/>
       </pc:docMkLst>
       <pc:sldChg chg="addSp delSp modSp mod">
-        <pc:chgData name="Rashi Ratan" userId="e271e389-31ad-4828-b45f-d613c537452f" providerId="ADAL" clId="{B98D262B-19B1-44A5-AE39-893A7D9FD57B}" dt="2025-05-10T19:47:04.123" v="97" actId="403"/>
+        <pc:chgData name="Rashi Ratan" userId="e271e389-31ad-4828-b45f-d613c537452f" providerId="ADAL" clId="{B98D262B-19B1-44A5-AE39-893A7D9FD57B}" dt="2025-05-11T20:02:14.939" v="114" actId="20577"/>
         <pc:sldMkLst>
           <pc:docMk/>
           <pc:sldMk cId="0" sldId="256"/>
@@ -311,7 +311,7 @@
           </ac:spMkLst>
         </pc:spChg>
         <pc:graphicFrameChg chg="add mod">
-          <ac:chgData name="Rashi Ratan" userId="e271e389-31ad-4828-b45f-d613c537452f" providerId="ADAL" clId="{B98D262B-19B1-44A5-AE39-893A7D9FD57B}" dt="2025-05-10T19:46:53.145" v="92" actId="12269"/>
+          <ac:chgData name="Rashi Ratan" userId="e271e389-31ad-4828-b45f-d613c537452f" providerId="ADAL" clId="{B98D262B-19B1-44A5-AE39-893A7D9FD57B}" dt="2025-05-11T20:02:14.939" v="114" actId="20577"/>
           <ac:graphicFrameMkLst>
             <pc:docMk/>
             <pc:sldMk cId="0" sldId="256"/>
@@ -1153,14 +1153,14 @@
         <a:lstStyle/>
         <a:p>
           <a:r>
-            <a:rPr lang="en-US" b="0" i="0"/>
+            <a:rPr lang="en-US" b="1" i="0" dirty="0"/>
             <a:t>Situation</a:t>
           </a:r>
-          <a:endParaRPr lang="en-US"/>
+          <a:endParaRPr lang="en-US" b="1" dirty="0"/>
         </a:p>
       </dgm:t>
     </dgm:pt>
-    <dgm:pt modelId="{D1472369-A36A-4643-9815-D16BDBC3E7AB}" type="parTrans" cxnId="{985DCFB0-BABE-4F97-A081-897950E66890}">
+    <dgm:pt modelId="{1044C491-D41D-44BF-86D9-CAD787ADE502}" type="sibTrans" cxnId="{985DCFB0-BABE-4F97-A081-897950E66890}">
       <dgm:prSet/>
       <dgm:spPr/>
       <dgm:t>
@@ -1171,7 +1171,7 @@
         </a:p>
       </dgm:t>
     </dgm:pt>
-    <dgm:pt modelId="{1044C491-D41D-44BF-86D9-CAD787ADE502}" type="sibTrans" cxnId="{985DCFB0-BABE-4F97-A081-897950E66890}">
+    <dgm:pt modelId="{D1472369-A36A-4643-9815-D16BDBC3E7AB}" type="parTrans" cxnId="{985DCFB0-BABE-4F97-A081-897950E66890}">
       <dgm:prSet/>
       <dgm:spPr/>
       <dgm:t>
@@ -1190,9 +1190,28 @@
         <a:lstStyle/>
         <a:p>
           <a:r>
-            <a:rPr lang="en-US" b="0" i="0"/>
-            <a:t>We have completed exploratory analysis and model development to assess customer churn risk, using PowerCo’s historical customer usage, pricing, and contract data.</a:t>
+            <a:rPr lang="en-US" b="0" i="0" dirty="0"/>
+            <a:t>We have completed exploratory analysis and model development to assess customer churn risk, using </a:t>
           </a:r>
+          <a:r>
+            <a:rPr lang="en-US" b="0" i="0" dirty="0" err="1"/>
+            <a:t>PowerCo’s</a:t>
+          </a:r>
+          <a:r>
+            <a:rPr lang="en-US" b="0" i="0" dirty="0"/>
+            <a:t> historical customer usage, pricing, and contract data.</a:t>
+          </a:r>
+          <a:endParaRPr lang="en-US" dirty="0"/>
+        </a:p>
+      </dgm:t>
+    </dgm:pt>
+    <dgm:pt modelId="{DC182A59-2C77-4DDF-8B12-E48C00336562}" type="sibTrans" cxnId="{2C887EAD-0FC8-4793-9C2C-37BD9EDF2D1E}">
+      <dgm:prSet/>
+      <dgm:spPr/>
+      <dgm:t>
+        <a:bodyPr/>
+        <a:lstStyle/>
+        <a:p>
           <a:endParaRPr lang="en-US"/>
         </a:p>
       </dgm:t>
@@ -1208,7 +1227,24 @@
         </a:p>
       </dgm:t>
     </dgm:pt>
-    <dgm:pt modelId="{DC182A59-2C77-4DDF-8B12-E48C00336562}" type="sibTrans" cxnId="{2C887EAD-0FC8-4793-9C2C-37BD9EDF2D1E}">
+    <dgm:pt modelId="{5A77592B-EDED-4FBD-A0EE-845094CED869}">
+      <dgm:prSet/>
+      <dgm:spPr/>
+      <dgm:t>
+        <a:bodyPr/>
+        <a:lstStyle/>
+        <a:p>
+          <a:pPr>
+            <a:buNone/>
+          </a:pPr>
+          <a:r>
+            <a:rPr lang="en-US" b="1" dirty="0"/>
+            <a:t> Answer</a:t>
+          </a:r>
+        </a:p>
+      </dgm:t>
+    </dgm:pt>
+    <dgm:pt modelId="{06BBDDC0-E1F1-4DC2-BBEF-0167B9CC6408}" type="parTrans" cxnId="{BD2B25A1-22BB-4AEF-A608-3F6DD2390005}">
       <dgm:prSet/>
       <dgm:spPr/>
       <dgm:t>
@@ -1219,22 +1255,7 @@
         </a:p>
       </dgm:t>
     </dgm:pt>
-    <dgm:pt modelId="{EEA2C84B-120D-452C-BBFF-56785740D643}">
-      <dgm:prSet/>
-      <dgm:spPr/>
-      <dgm:t>
-        <a:bodyPr/>
-        <a:lstStyle/>
-        <a:p>
-          <a:r>
-            <a:rPr lang="en-US" b="0" i="0"/>
-            <a:t>Complication</a:t>
-          </a:r>
-          <a:endParaRPr lang="en-US"/>
-        </a:p>
-      </dgm:t>
-    </dgm:pt>
-    <dgm:pt modelId="{11B794AE-5398-4229-A28E-350BF66A814E}" type="parTrans" cxnId="{A3E10A6D-B0DF-43B8-AF42-AC6B29F545F0}">
+    <dgm:pt modelId="{2433A1E6-835B-47B1-8FA5-83F9AAECB255}" type="sibTrans" cxnId="{BD2B25A1-22BB-4AEF-A608-3F6DD2390005}">
       <dgm:prSet/>
       <dgm:spPr/>
       <dgm:t>
@@ -1245,7 +1266,26 @@
         </a:p>
       </dgm:t>
     </dgm:pt>
-    <dgm:pt modelId="{2A64EDBB-5FFB-42F9-B0E5-C69396AFE1E2}" type="sibTrans" cxnId="{A3E10A6D-B0DF-43B8-AF42-AC6B29F545F0}">
+    <dgm:pt modelId="{7CBA19C6-754F-4AFE-89F7-52078DF80B32}">
+      <dgm:prSet/>
+      <dgm:spPr/>
+      <dgm:t>
+        <a:bodyPr/>
+        <a:lstStyle/>
+        <a:p>
+          <a:pPr>
+            <a:buFont typeface="Arial" panose="020B0604020202020204" pitchFamily="34" charset="0"/>
+            <a:buChar char="•"/>
+          </a:pPr>
+          <a:r>
+            <a:rPr lang="en-US"/>
+            <a:t>Built a Random Forest model with:</a:t>
+          </a:r>
+          <a:endParaRPr lang="en-US" dirty="0"/>
+        </a:p>
+      </dgm:t>
+    </dgm:pt>
+    <dgm:pt modelId="{BC0FD62E-90F6-49E6-BBFE-DF5B8F6B35ED}" type="parTrans" cxnId="{1ED72A5F-8E64-4905-9BBA-89343A33E190}">
       <dgm:prSet/>
       <dgm:spPr/>
       <dgm:t>
@@ -1256,22 +1296,7 @@
         </a:p>
       </dgm:t>
     </dgm:pt>
-    <dgm:pt modelId="{457A2915-F21D-4727-9213-49A13590B310}">
-      <dgm:prSet/>
-      <dgm:spPr/>
-      <dgm:t>
-        <a:bodyPr/>
-        <a:lstStyle/>
-        <a:p>
-          <a:r>
-            <a:rPr lang="en-US" b="0" i="0"/>
-            <a:t>Despite having rich customer data, PowerCo lacks a predictive system to flag high-risk customers, resulting in reactive, rather than preventative, retention efforts.</a:t>
-          </a:r>
-          <a:endParaRPr lang="en-US"/>
-        </a:p>
-      </dgm:t>
-    </dgm:pt>
-    <dgm:pt modelId="{8ECE24AE-A2CB-428E-AFDB-81AC37193FBA}" type="parTrans" cxnId="{B1D9AB9D-B43A-4CB8-A185-5C457F612FF9}">
+    <dgm:pt modelId="{4BBD3C98-BB18-4E74-B950-84A7D1E4BB0C}" type="sibTrans" cxnId="{1ED72A5F-8E64-4905-9BBA-89343A33E190}">
       <dgm:prSet/>
       <dgm:spPr/>
       <dgm:t>
@@ -1282,7 +1307,26 @@
         </a:p>
       </dgm:t>
     </dgm:pt>
-    <dgm:pt modelId="{3CF409B7-2382-4098-A44E-B46E1AAE96D2}" type="sibTrans" cxnId="{B1D9AB9D-B43A-4CB8-A185-5C457F612FF9}">
+    <dgm:pt modelId="{1CBF4FB7-AF99-4630-AA9B-927512681F9A}">
+      <dgm:prSet/>
+      <dgm:spPr/>
+      <dgm:t>
+        <a:bodyPr/>
+        <a:lstStyle/>
+        <a:p>
+          <a:pPr>
+            <a:buFont typeface="Arial" panose="020B0604020202020204" pitchFamily="34" charset="0"/>
+            <a:buChar char="•"/>
+          </a:pPr>
+          <a:r>
+            <a:rPr lang="en-US" b="1"/>
+            <a:t>90% accuracy</a:t>
+          </a:r>
+          <a:endParaRPr lang="en-US"/>
+        </a:p>
+      </dgm:t>
+    </dgm:pt>
+    <dgm:pt modelId="{4935B5F4-0B2C-452D-B21F-8FEC93FCCB41}" type="parTrans" cxnId="{84A8AA55-45F2-4F01-8EF7-0E9B29882946}">
       <dgm:prSet/>
       <dgm:spPr/>
       <dgm:t>
@@ -1293,22 +1337,7 @@
         </a:p>
       </dgm:t>
     </dgm:pt>
-    <dgm:pt modelId="{E3B6785A-0B12-4737-ADF0-F59656C3C791}">
-      <dgm:prSet/>
-      <dgm:spPr/>
-      <dgm:t>
-        <a:bodyPr/>
-        <a:lstStyle/>
-        <a:p>
-          <a:r>
-            <a:rPr lang="en-US" b="0" i="0"/>
-            <a:t>Question</a:t>
-          </a:r>
-          <a:endParaRPr lang="en-US"/>
-        </a:p>
-      </dgm:t>
-    </dgm:pt>
-    <dgm:pt modelId="{1C7CBFE7-7DB3-4AE7-A4A9-984255A271EE}" type="parTrans" cxnId="{2A480260-8D09-4476-9771-301CFB2F6891}">
+    <dgm:pt modelId="{624C5DEE-2864-413C-A104-C0B067D842F1}" type="sibTrans" cxnId="{84A8AA55-45F2-4F01-8EF7-0E9B29882946}">
       <dgm:prSet/>
       <dgm:spPr/>
       <dgm:t>
@@ -1319,7 +1348,26 @@
         </a:p>
       </dgm:t>
     </dgm:pt>
-    <dgm:pt modelId="{0E595C0C-13B1-40B6-932F-41C7A42A2EF2}" type="sibTrans" cxnId="{2A480260-8D09-4476-9771-301CFB2F6891}">
+    <dgm:pt modelId="{F44F58DC-681E-479F-8111-F06C8EE0D71B}">
+      <dgm:prSet/>
+      <dgm:spPr/>
+      <dgm:t>
+        <a:bodyPr/>
+        <a:lstStyle/>
+        <a:p>
+          <a:pPr>
+            <a:buFont typeface="Arial" panose="020B0604020202020204" pitchFamily="34" charset="0"/>
+            <a:buChar char="•"/>
+          </a:pPr>
+          <a:r>
+            <a:rPr lang="en-US" b="1"/>
+            <a:t>~70% precision</a:t>
+          </a:r>
+          <a:endParaRPr lang="en-US"/>
+        </a:p>
+      </dgm:t>
+    </dgm:pt>
+    <dgm:pt modelId="{E44EB042-04DC-44AD-BF1F-4023747D1C55}" type="parTrans" cxnId="{C9E71497-8876-4B7B-93B5-194ADEBC2100}">
       <dgm:prSet/>
       <dgm:spPr/>
       <dgm:t>
@@ -1330,22 +1378,7 @@
         </a:p>
       </dgm:t>
     </dgm:pt>
-    <dgm:pt modelId="{E84F4C48-5631-48D7-A5FB-C5E35E0D5E8E}">
-      <dgm:prSet/>
-      <dgm:spPr/>
-      <dgm:t>
-        <a:bodyPr/>
-        <a:lstStyle/>
-        <a:p>
-          <a:r>
-            <a:rPr lang="en-US" b="0" i="0"/>
-            <a:t>Can we build a model to accurately identify customers at high risk of churning?</a:t>
-          </a:r>
-          <a:endParaRPr lang="en-US"/>
-        </a:p>
-      </dgm:t>
-    </dgm:pt>
-    <dgm:pt modelId="{B7585F88-809B-4B28-A1E3-90F498C8C9B8}" type="parTrans" cxnId="{330A32E4-11B5-437A-9382-9DB2A3377CDC}">
+    <dgm:pt modelId="{2B5EA152-E111-44F8-ACA8-285D37735489}" type="sibTrans" cxnId="{C9E71497-8876-4B7B-93B5-194ADEBC2100}">
       <dgm:prSet/>
       <dgm:spPr/>
       <dgm:t>
@@ -1356,7 +1389,26 @@
         </a:p>
       </dgm:t>
     </dgm:pt>
-    <dgm:pt modelId="{CE9A6F72-C679-4A30-A964-AE5D2F50C895}" type="sibTrans" cxnId="{330A32E4-11B5-437A-9382-9DB2A3377CDC}">
+    <dgm:pt modelId="{9641547C-8728-4D9A-87A2-AA2986ADDFD7}">
+      <dgm:prSet/>
+      <dgm:spPr/>
+      <dgm:t>
+        <a:bodyPr/>
+        <a:lstStyle/>
+        <a:p>
+          <a:pPr>
+            <a:buFont typeface="Arial" panose="020B0604020202020204" pitchFamily="34" charset="0"/>
+            <a:buChar char="•"/>
+          </a:pPr>
+          <a:r>
+            <a:rPr lang="en-US" b="1"/>
+            <a:t>Churn rate: 7.35%</a:t>
+          </a:r>
+          <a:endParaRPr lang="en-US"/>
+        </a:p>
+      </dgm:t>
+    </dgm:pt>
+    <dgm:pt modelId="{2710F132-3098-4480-B52D-03750D01AC6B}" type="parTrans" cxnId="{46CDAD0F-D437-4A29-B031-23F0AE9AFA2A}">
       <dgm:prSet/>
       <dgm:spPr/>
       <dgm:t>
@@ -1367,22 +1419,7 @@
         </a:p>
       </dgm:t>
     </dgm:pt>
-    <dgm:pt modelId="{5DE65ADA-2573-487C-A775-342E7EA25255}">
-      <dgm:prSet/>
-      <dgm:spPr/>
-      <dgm:t>
-        <a:bodyPr/>
-        <a:lstStyle/>
-        <a:p>
-          <a:r>
-            <a:rPr lang="en-US" b="0" i="0"/>
-            <a:t>Answer</a:t>
-          </a:r>
-          <a:endParaRPr lang="en-US"/>
-        </a:p>
-      </dgm:t>
-    </dgm:pt>
-    <dgm:pt modelId="{B60210F1-1D71-4268-A266-E721CB84B84E}" type="parTrans" cxnId="{801FA376-B588-4CC9-B62A-C5D731E72098}">
+    <dgm:pt modelId="{9C309539-24A2-496C-AD98-5B624ABBC5EB}" type="sibTrans" cxnId="{46CDAD0F-D437-4A29-B031-23F0AE9AFA2A}">
       <dgm:prSet/>
       <dgm:spPr/>
       <dgm:t>
@@ -1393,7 +1430,29 @@
         </a:p>
       </dgm:t>
     </dgm:pt>
-    <dgm:pt modelId="{39C90896-3D53-4FE5-BABF-6A458580FF65}" type="sibTrans" cxnId="{801FA376-B588-4CC9-B62A-C5D731E72098}">
+    <dgm:pt modelId="{176F0E9E-74F7-491A-A2A0-5A1484EB1FC2}">
+      <dgm:prSet/>
+      <dgm:spPr/>
+      <dgm:t>
+        <a:bodyPr/>
+        <a:lstStyle/>
+        <a:p>
+          <a:pPr>
+            <a:buFont typeface="Arial" panose="020B0604020202020204" pitchFamily="34" charset="0"/>
+            <a:buChar char="•"/>
+          </a:pPr>
+          <a:r>
+            <a:rPr lang="en-US" b="1"/>
+            <a:t>Top churn drivers</a:t>
+          </a:r>
+          <a:r>
+            <a:rPr lang="en-US"/>
+            <a:t>:</a:t>
+          </a:r>
+        </a:p>
+      </dgm:t>
+    </dgm:pt>
+    <dgm:pt modelId="{2A5468BB-580D-4CCC-A562-027ED2461510}" type="parTrans" cxnId="{848F9A36-86EB-447E-922D-704C93F51917}">
       <dgm:prSet/>
       <dgm:spPr/>
       <dgm:t>
@@ -1404,22 +1463,7 @@
         </a:p>
       </dgm:t>
     </dgm:pt>
-    <dgm:pt modelId="{01BCCB38-8C04-433C-BC6E-A11DBE114ACE}">
-      <dgm:prSet custT="1"/>
-      <dgm:spPr/>
-      <dgm:t>
-        <a:bodyPr/>
-        <a:lstStyle/>
-        <a:p>
-          <a:r>
-            <a:rPr lang="en-US" sz="1500" b="0" i="0" kern="1200" dirty="0"/>
-            <a:t>We developed a Random Forest model that achieved:</a:t>
-          </a:r>
-          <a:endParaRPr lang="en-US" sz="1500" kern="1200" dirty="0"/>
-        </a:p>
-      </dgm:t>
-    </dgm:pt>
-    <dgm:pt modelId="{6889CE7C-FA4A-49BC-B2F0-2F73FCE487A8}" type="parTrans" cxnId="{37C03FDE-4CA3-40EA-9739-8031ADCFFFD2}">
+    <dgm:pt modelId="{EC60C84E-7D10-4695-8BE7-7EEA51D6C3BB}" type="sibTrans" cxnId="{848F9A36-86EB-447E-922D-704C93F51917}">
       <dgm:prSet/>
       <dgm:spPr/>
       <dgm:t>
@@ -1430,7 +1474,25 @@
         </a:p>
       </dgm:t>
     </dgm:pt>
-    <dgm:pt modelId="{FF71174C-6A83-4935-9784-49E2ED2EDD8B}" type="sibTrans" cxnId="{37C03FDE-4CA3-40EA-9739-8031ADCFFFD2}">
+    <dgm:pt modelId="{20616154-2E11-48D9-8E33-6A5E9FA3F289}">
+      <dgm:prSet/>
+      <dgm:spPr/>
+      <dgm:t>
+        <a:bodyPr/>
+        <a:lstStyle/>
+        <a:p>
+          <a:pPr>
+            <a:buFont typeface="Arial" panose="020B0604020202020204" pitchFamily="34" charset="0"/>
+            <a:buChar char="•"/>
+          </a:pPr>
+          <a:r>
+            <a:rPr lang="en-US"/>
+            <a:t>Low annual consumption (cons_12m)</a:t>
+          </a:r>
+        </a:p>
+      </dgm:t>
+    </dgm:pt>
+    <dgm:pt modelId="{9A2DC1ED-ED44-4613-9990-4E2DC30B6C36}" type="parTrans" cxnId="{0107B3FB-8EFC-4CDF-83C4-EF1A3A4E01B6}">
       <dgm:prSet/>
       <dgm:spPr/>
       <dgm:t>
@@ -1441,22 +1503,7 @@
         </a:p>
       </dgm:t>
     </dgm:pt>
-    <dgm:pt modelId="{206C6FB2-43C9-4A57-BB91-58BAEA4C27D3}">
-      <dgm:prSet/>
-      <dgm:spPr/>
-      <dgm:t>
-        <a:bodyPr/>
-        <a:lstStyle/>
-        <a:p>
-          <a:r>
-            <a:rPr lang="en-US" sz="1500" b="0" i="0" kern="1200" dirty="0"/>
-            <a:t>The model is highly precise when flagging churners, enabling confident targeting of the most likely cases. While it currently misses many churners (low recall), it provides a practical foundation for focused retention campaigns aimed at minimizing preventable revenue loss with minimal false positives.</a:t>
-          </a:r>
-          <a:endParaRPr lang="en-US" sz="1500" kern="1200" dirty="0"/>
-        </a:p>
-      </dgm:t>
-    </dgm:pt>
-    <dgm:pt modelId="{337CC3B2-F285-4AF6-A479-F19685241F51}" type="parTrans" cxnId="{4539874A-6AD2-4641-AA31-EDC4C130822B}">
+    <dgm:pt modelId="{CD7507DA-3544-42AA-B80B-730CE4807284}" type="sibTrans" cxnId="{0107B3FB-8EFC-4CDF-83C4-EF1A3A4E01B6}">
       <dgm:prSet/>
       <dgm:spPr/>
       <dgm:t>
@@ -1467,7 +1514,25 @@
         </a:p>
       </dgm:t>
     </dgm:pt>
-    <dgm:pt modelId="{476CBFBF-BF4E-4948-BEE8-B5F3B036215C}" type="sibTrans" cxnId="{4539874A-6AD2-4641-AA31-EDC4C130822B}">
+    <dgm:pt modelId="{AD77B5FA-9054-403C-B39A-952B44FE0BAD}">
+      <dgm:prSet/>
+      <dgm:spPr/>
+      <dgm:t>
+        <a:bodyPr/>
+        <a:lstStyle/>
+        <a:p>
+          <a:pPr>
+            <a:buFont typeface="Arial" panose="020B0604020202020204" pitchFamily="34" charset="0"/>
+            <a:buChar char="•"/>
+          </a:pPr>
+          <a:r>
+            <a:rPr lang="en-US"/>
+            <a:t>Lower net margin per customer</a:t>
+          </a:r>
+        </a:p>
+      </dgm:t>
+    </dgm:pt>
+    <dgm:pt modelId="{EE25BBF2-3D54-4C64-AE79-B7CBB46375ED}" type="parTrans" cxnId="{986C67F4-EFB0-4E31-9CF2-44E16544B502}">
       <dgm:prSet/>
       <dgm:spPr/>
       <dgm:t>
@@ -1478,32 +1543,7 @@
         </a:p>
       </dgm:t>
     </dgm:pt>
-    <dgm:pt modelId="{D194779D-7E2F-401C-955D-2F5FA5DD77B7}">
-      <dgm:prSet custT="1"/>
-      <dgm:spPr/>
-      <dgm:t>
-        <a:bodyPr/>
-        <a:lstStyle/>
-        <a:p>
-          <a:r>
-            <a:rPr lang="en-US" sz="1500" kern="1200">
-              <a:latin typeface="Trebuchet MS"/>
-              <a:ea typeface="Trebuchet MS"/>
-              <a:cs typeface="Trebuchet MS"/>
-              <a:sym typeface="Trebuchet MS"/>
-            </a:rPr>
-            <a:t>~70% precision</a:t>
-          </a:r>
-          <a:endParaRPr lang="en-US" sz="1500" kern="1200" dirty="0">
-            <a:latin typeface="Trebuchet MS"/>
-            <a:ea typeface="Trebuchet MS"/>
-            <a:cs typeface="Trebuchet MS"/>
-            <a:sym typeface="Trebuchet MS"/>
-          </a:endParaRPr>
-        </a:p>
-      </dgm:t>
-    </dgm:pt>
-    <dgm:pt modelId="{BA31686A-8145-4264-8A4C-AF5C70D08B69}" type="parTrans" cxnId="{CF6FAAE8-841C-4D2B-A072-E447339244CF}">
+    <dgm:pt modelId="{973AEE9F-316D-4920-B4FB-9C8023429DFB}" type="sibTrans" cxnId="{986C67F4-EFB0-4E31-9CF2-44E16544B502}">
       <dgm:prSet/>
       <dgm:spPr/>
       <dgm:t>
@@ -1514,7 +1554,25 @@
         </a:p>
       </dgm:t>
     </dgm:pt>
-    <dgm:pt modelId="{A1DB548F-AF89-49E6-AB2D-44188AE8E7F6}" type="sibTrans" cxnId="{CF6FAAE8-841C-4D2B-A072-E447339244CF}">
+    <dgm:pt modelId="{07C7C957-7428-44CA-A56E-6049F2A97C7C}">
+      <dgm:prSet/>
+      <dgm:spPr/>
+      <dgm:t>
+        <a:bodyPr/>
+        <a:lstStyle/>
+        <a:p>
+          <a:pPr>
+            <a:buFont typeface="Arial" panose="020B0604020202020204" pitchFamily="34" charset="0"/>
+            <a:buChar char="•"/>
+          </a:pPr>
+          <a:r>
+            <a:rPr lang="en-US"/>
+            <a:t>Higher forecasted meter rent</a:t>
+          </a:r>
+        </a:p>
+      </dgm:t>
+    </dgm:pt>
+    <dgm:pt modelId="{6655CAC8-0878-4955-BCA3-C1C80B5E5990}" type="parTrans" cxnId="{49E0636F-67BB-4A33-BEDD-994F5892FE00}">
       <dgm:prSet/>
       <dgm:spPr/>
       <dgm:t>
@@ -1525,32 +1583,7 @@
         </a:p>
       </dgm:t>
     </dgm:pt>
-    <dgm:pt modelId="{30A598C6-222D-487D-9124-D0C09BDBFE15}">
-      <dgm:prSet custT="1"/>
-      <dgm:spPr/>
-      <dgm:t>
-        <a:bodyPr/>
-        <a:lstStyle/>
-        <a:p>
-          <a:r>
-            <a:rPr lang="en-US" sz="1500" kern="1200">
-              <a:latin typeface="Trebuchet MS"/>
-              <a:ea typeface="Trebuchet MS"/>
-              <a:cs typeface="Trebuchet MS"/>
-              <a:sym typeface="Trebuchet MS"/>
-            </a:rPr>
-            <a:t>Low recall (~4%)</a:t>
-          </a:r>
-          <a:endParaRPr lang="en-US" sz="1500" kern="1200" dirty="0">
-            <a:latin typeface="Trebuchet MS"/>
-            <a:ea typeface="Trebuchet MS"/>
-            <a:cs typeface="Trebuchet MS"/>
-            <a:sym typeface="Trebuchet MS"/>
-          </a:endParaRPr>
-        </a:p>
-      </dgm:t>
-    </dgm:pt>
-    <dgm:pt modelId="{C42A41D5-CF28-4DDB-A58C-E74C6BC375EA}" type="parTrans" cxnId="{660D2FE8-0606-4214-A14E-B73B963768E3}">
+    <dgm:pt modelId="{04EFFF10-DDE0-4423-8BDD-CA9B773BE193}" type="sibTrans" cxnId="{49E0636F-67BB-4A33-BEDD-994F5892FE00}">
       <dgm:prSet/>
       <dgm:spPr/>
       <dgm:t>
@@ -1561,7 +1594,25 @@
         </a:p>
       </dgm:t>
     </dgm:pt>
-    <dgm:pt modelId="{99253F9B-A952-4A99-9FDE-6C8EB3E1BE98}" type="sibTrans" cxnId="{660D2FE8-0606-4214-A14E-B73B963768E3}">
+    <dgm:pt modelId="{F3FFDE40-E59E-49FE-BBC3-1D4A6F93E1A8}">
+      <dgm:prSet/>
+      <dgm:spPr/>
+      <dgm:t>
+        <a:bodyPr/>
+        <a:lstStyle/>
+        <a:p>
+          <a:pPr>
+            <a:buFont typeface="Arial" panose="020B0604020202020204" pitchFamily="34" charset="0"/>
+            <a:buChar char="•"/>
+          </a:pPr>
+          <a:r>
+            <a:rPr lang="en-US"/>
+            <a:t>Lower electricity margins (gross and net)</a:t>
+          </a:r>
+        </a:p>
+      </dgm:t>
+    </dgm:pt>
+    <dgm:pt modelId="{28464666-AF90-4AA2-AF86-38B72315488C}" type="parTrans" cxnId="{AFE347D4-ECCE-460D-8745-A62B4A13391C}">
       <dgm:prSet/>
       <dgm:spPr/>
       <dgm:t>
@@ -1572,27 +1623,7 @@
         </a:p>
       </dgm:t>
     </dgm:pt>
-    <dgm:pt modelId="{B5701E42-557D-43EE-A2FB-A463141E9765}">
-      <dgm:prSet custT="1"/>
-      <dgm:spPr/>
-      <dgm:t>
-        <a:bodyPr/>
-        <a:lstStyle/>
-        <a:p>
-          <a:r>
-            <a:rPr lang="en-US" sz="1500" kern="1200">
-              <a:latin typeface="Trebuchet MS"/>
-              <a:ea typeface="Trebuchet MS"/>
-              <a:cs typeface="Trebuchet MS"/>
-              <a:sym typeface="Trebuchet MS"/>
-            </a:rPr>
-            <a:t>90% accuracy</a:t>
-          </a:r>
-          <a:endParaRPr lang="en-US" sz="1500" kern="1200" dirty="0"/>
-        </a:p>
-      </dgm:t>
-    </dgm:pt>
-    <dgm:pt modelId="{8B353BD6-18C4-4114-8764-993470334837}" type="parTrans" cxnId="{52EFB0DD-8547-4579-BA75-17F721ECBDE0}">
+    <dgm:pt modelId="{5F6D03C2-CDD1-4A1B-B041-9302B1B98AEC}" type="sibTrans" cxnId="{AFE347D4-ECCE-460D-8745-A62B4A13391C}">
       <dgm:prSet/>
       <dgm:spPr/>
       <dgm:t>
@@ -1603,7 +1634,239 @@
         </a:p>
       </dgm:t>
     </dgm:pt>
-    <dgm:pt modelId="{3F193CEF-1614-4173-A084-D6648B0A868B}" type="sibTrans" cxnId="{52EFB0DD-8547-4579-BA75-17F721ECBDE0}">
+    <dgm:pt modelId="{943465FC-C0CA-4829-9C47-5EBD9AA584B1}">
+      <dgm:prSet/>
+      <dgm:spPr/>
+      <dgm:t>
+        <a:bodyPr/>
+        <a:lstStyle/>
+        <a:p>
+          <a:pPr>
+            <a:buNone/>
+          </a:pPr>
+          <a:r>
+            <a:rPr lang="en-US" b="1"/>
+            <a:t> </a:t>
+          </a:r>
+          <a:r>
+            <a:rPr lang="en-US" b="1" dirty="0"/>
+            <a:t>Recommendation</a:t>
+          </a:r>
+        </a:p>
+      </dgm:t>
+    </dgm:pt>
+    <dgm:pt modelId="{34E0E1FF-4CDB-4B81-B4B0-85D2FA434B73}" type="parTrans" cxnId="{1AD9E427-2DAE-44F0-8A49-E21FB2B16621}">
+      <dgm:prSet/>
+      <dgm:spPr/>
+      <dgm:t>
+        <a:bodyPr/>
+        <a:lstStyle/>
+        <a:p>
+          <a:endParaRPr lang="en-US"/>
+        </a:p>
+      </dgm:t>
+    </dgm:pt>
+    <dgm:pt modelId="{26B30A3E-815D-4E64-A134-22CDC18E4FE7}" type="sibTrans" cxnId="{1AD9E427-2DAE-44F0-8A49-E21FB2B16621}">
+      <dgm:prSet/>
+      <dgm:spPr/>
+      <dgm:t>
+        <a:bodyPr/>
+        <a:lstStyle/>
+        <a:p>
+          <a:endParaRPr lang="en-US"/>
+        </a:p>
+      </dgm:t>
+    </dgm:pt>
+    <dgm:pt modelId="{E09D3E04-A8FA-45F5-8F0C-97038DEEB28A}">
+      <dgm:prSet/>
+      <dgm:spPr/>
+      <dgm:t>
+        <a:bodyPr/>
+        <a:lstStyle/>
+        <a:p>
+          <a:pPr>
+            <a:buFont typeface="Arial" panose="020B0604020202020204" pitchFamily="34" charset="0"/>
+            <a:buChar char="•"/>
+          </a:pPr>
+          <a:r>
+            <a:rPr lang="en-US" dirty="0"/>
+            <a:t>Focus retention efforts on:</a:t>
+          </a:r>
+        </a:p>
+      </dgm:t>
+    </dgm:pt>
+    <dgm:pt modelId="{915CDA26-C6CE-4974-B41E-E87372AE104D}" type="parTrans" cxnId="{3904FE94-5A51-45EF-A2EC-E28E89F9513E}">
+      <dgm:prSet/>
+      <dgm:spPr/>
+      <dgm:t>
+        <a:bodyPr/>
+        <a:lstStyle/>
+        <a:p>
+          <a:endParaRPr lang="en-US"/>
+        </a:p>
+      </dgm:t>
+    </dgm:pt>
+    <dgm:pt modelId="{75B62B39-3757-4A9E-ABA5-3CE41DD5270E}" type="sibTrans" cxnId="{3904FE94-5A51-45EF-A2EC-E28E89F9513E}">
+      <dgm:prSet/>
+      <dgm:spPr/>
+      <dgm:t>
+        <a:bodyPr/>
+        <a:lstStyle/>
+        <a:p>
+          <a:endParaRPr lang="en-US"/>
+        </a:p>
+      </dgm:t>
+    </dgm:pt>
+    <dgm:pt modelId="{0AD5362D-6362-468F-9250-4A1420C85AF9}">
+      <dgm:prSet/>
+      <dgm:spPr/>
+      <dgm:t>
+        <a:bodyPr/>
+        <a:lstStyle/>
+        <a:p>
+          <a:pPr>
+            <a:buFont typeface="Arial" panose="020B0604020202020204" pitchFamily="34" charset="0"/>
+            <a:buChar char="•"/>
+          </a:pPr>
+          <a:r>
+            <a:rPr lang="en-US"/>
+            <a:t>Low-usage, low-margin customers</a:t>
+          </a:r>
+        </a:p>
+      </dgm:t>
+    </dgm:pt>
+    <dgm:pt modelId="{031CA6CE-483F-4357-83CF-C96A86CE8898}" type="parTrans" cxnId="{BBF192D7-5A10-4DFB-89EA-9F1F4C015BCD}">
+      <dgm:prSet/>
+      <dgm:spPr/>
+      <dgm:t>
+        <a:bodyPr/>
+        <a:lstStyle/>
+        <a:p>
+          <a:endParaRPr lang="en-US"/>
+        </a:p>
+      </dgm:t>
+    </dgm:pt>
+    <dgm:pt modelId="{81452A9C-64E2-4B82-8559-09F0840E837E}" type="sibTrans" cxnId="{BBF192D7-5A10-4DFB-89EA-9F1F4C015BCD}">
+      <dgm:prSet/>
+      <dgm:spPr/>
+      <dgm:t>
+        <a:bodyPr/>
+        <a:lstStyle/>
+        <a:p>
+          <a:endParaRPr lang="en-US"/>
+        </a:p>
+      </dgm:t>
+    </dgm:pt>
+    <dgm:pt modelId="{FB916160-A278-4B39-AA3E-9375B6E04D51}">
+      <dgm:prSet/>
+      <dgm:spPr/>
+      <dgm:t>
+        <a:bodyPr/>
+        <a:lstStyle/>
+        <a:p>
+          <a:pPr>
+            <a:buFont typeface="Arial" panose="020B0604020202020204" pitchFamily="34" charset="0"/>
+            <a:buChar char="•"/>
+          </a:pPr>
+          <a:r>
+            <a:rPr lang="en-US"/>
+            <a:t>Customers facing high fixed costs (e.g., meter rent)</a:t>
+          </a:r>
+        </a:p>
+      </dgm:t>
+    </dgm:pt>
+    <dgm:pt modelId="{47EB871E-7AC5-40BD-87F6-0AE3EBD0B3DF}" type="parTrans" cxnId="{2A79AD41-ADE1-49B2-B164-ED05BF9416D5}">
+      <dgm:prSet/>
+      <dgm:spPr/>
+      <dgm:t>
+        <a:bodyPr/>
+        <a:lstStyle/>
+        <a:p>
+          <a:endParaRPr lang="en-US"/>
+        </a:p>
+      </dgm:t>
+    </dgm:pt>
+    <dgm:pt modelId="{13FFFA88-864B-4257-9690-C6D77835266B}" type="sibTrans" cxnId="{2A79AD41-ADE1-49B2-B164-ED05BF9416D5}">
+      <dgm:prSet/>
+      <dgm:spPr/>
+      <dgm:t>
+        <a:bodyPr/>
+        <a:lstStyle/>
+        <a:p>
+          <a:endParaRPr lang="en-US"/>
+        </a:p>
+      </dgm:t>
+    </dgm:pt>
+    <dgm:pt modelId="{04C89EFE-1F4D-4BD6-B320-B0698156F220}">
+      <dgm:prSet/>
+      <dgm:spPr/>
+      <dgm:t>
+        <a:bodyPr/>
+        <a:lstStyle/>
+        <a:p>
+          <a:pPr>
+            <a:buFont typeface="Arial" panose="020B0604020202020204" pitchFamily="34" charset="0"/>
+            <a:buChar char="•"/>
+          </a:pPr>
+          <a:r>
+            <a:rPr lang="en-US"/>
+            <a:t>Consider discounts or contract adjustments for this segment</a:t>
+          </a:r>
+        </a:p>
+      </dgm:t>
+    </dgm:pt>
+    <dgm:pt modelId="{F02DF0BB-C99B-43F1-B85B-606983BE5F70}" type="parTrans" cxnId="{F4B7D9E6-448D-4620-86CE-59D9E782D594}">
+      <dgm:prSet/>
+      <dgm:spPr/>
+      <dgm:t>
+        <a:bodyPr/>
+        <a:lstStyle/>
+        <a:p>
+          <a:endParaRPr lang="en-US"/>
+        </a:p>
+      </dgm:t>
+    </dgm:pt>
+    <dgm:pt modelId="{857AA041-0163-455B-AB38-8777D894C1B5}" type="sibTrans" cxnId="{F4B7D9E6-448D-4620-86CE-59D9E782D594}">
+      <dgm:prSet/>
+      <dgm:spPr/>
+      <dgm:t>
+        <a:bodyPr/>
+        <a:lstStyle/>
+        <a:p>
+          <a:endParaRPr lang="en-US"/>
+        </a:p>
+      </dgm:t>
+    </dgm:pt>
+    <dgm:pt modelId="{8C0AFCEF-B2BD-43D6-B09F-D84F67A948F7}">
+      <dgm:prSet/>
+      <dgm:spPr/>
+      <dgm:t>
+        <a:bodyPr/>
+        <a:lstStyle/>
+        <a:p>
+          <a:pPr>
+            <a:buFont typeface="Arial" panose="020B0604020202020204" pitchFamily="34" charset="0"/>
+            <a:buChar char="•"/>
+          </a:pPr>
+          <a:r>
+            <a:rPr lang="en-US"/>
+            <a:t>Add behavioral data to improve recall and broaden coverage</a:t>
+          </a:r>
+        </a:p>
+      </dgm:t>
+    </dgm:pt>
+    <dgm:pt modelId="{0A455CF8-C8FE-47F8-9C78-7C644E999CD1}" type="parTrans" cxnId="{87BAF3B3-9481-4F62-89BF-D74330374EB4}">
+      <dgm:prSet/>
+      <dgm:spPr/>
+      <dgm:t>
+        <a:bodyPr/>
+        <a:lstStyle/>
+        <a:p>
+          <a:endParaRPr lang="en-US"/>
+        </a:p>
+      </dgm:t>
+    </dgm:pt>
+    <dgm:pt modelId="{68666C07-EBCF-4D2F-95FF-7A905698FF5C}" type="sibTrans" cxnId="{87BAF3B3-9481-4F62-89BF-D74330374EB4}">
       <dgm:prSet/>
       <dgm:spPr/>
       <dgm:t>
@@ -1629,11 +1892,11 @@
       <dgm:spPr/>
     </dgm:pt>
     <dgm:pt modelId="{E74358F8-9C53-4CB7-AC46-D10ADFAD2C96}" type="pres">
-      <dgm:prSet presAssocID="{8583C6A3-8625-4CB1-8162-3EC964CC524F}" presName="parentLeftMargin" presStyleLbl="node1" presStyleIdx="0" presStyleCnt="4"/>
+      <dgm:prSet presAssocID="{8583C6A3-8625-4CB1-8162-3EC964CC524F}" presName="parentLeftMargin" presStyleLbl="node1" presStyleIdx="0" presStyleCnt="3"/>
       <dgm:spPr/>
     </dgm:pt>
     <dgm:pt modelId="{0E191766-1A1C-4A83-BCB5-33D17A847197}" type="pres">
-      <dgm:prSet presAssocID="{8583C6A3-8625-4CB1-8162-3EC964CC524F}" presName="parentText" presStyleLbl="node1" presStyleIdx="0" presStyleCnt="4">
+      <dgm:prSet presAssocID="{8583C6A3-8625-4CB1-8162-3EC964CC524F}" presName="parentText" presStyleLbl="node1" presStyleIdx="0" presStyleCnt="3">
         <dgm:presLayoutVars>
           <dgm:chMax val="0"/>
           <dgm:bulletEnabled val="1"/>
@@ -1646,7 +1909,7 @@
       <dgm:spPr/>
     </dgm:pt>
     <dgm:pt modelId="{6665BE65-8356-45AD-8DFB-31742672A521}" type="pres">
-      <dgm:prSet presAssocID="{8583C6A3-8625-4CB1-8162-3EC964CC524F}" presName="childText" presStyleLbl="conFgAcc1" presStyleIdx="0" presStyleCnt="4">
+      <dgm:prSet presAssocID="{8583C6A3-8625-4CB1-8162-3EC964CC524F}" presName="childText" presStyleLbl="conFgAcc1" presStyleIdx="0" presStyleCnt="3">
         <dgm:presLayoutVars>
           <dgm:bulletEnabled val="1"/>
         </dgm:presLayoutVars>
@@ -1657,16 +1920,16 @@
       <dgm:prSet presAssocID="{1044C491-D41D-44BF-86D9-CAD787ADE502}" presName="spaceBetweenRectangles" presStyleCnt="0"/>
       <dgm:spPr/>
     </dgm:pt>
-    <dgm:pt modelId="{0791185C-F3CC-4374-8CA7-94E311991DB0}" type="pres">
-      <dgm:prSet presAssocID="{EEA2C84B-120D-452C-BBFF-56785740D643}" presName="parentLin" presStyleCnt="0"/>
+    <dgm:pt modelId="{3AC2A2F2-B464-4191-9384-5FEBD6738C6D}" type="pres">
+      <dgm:prSet presAssocID="{5A77592B-EDED-4FBD-A0EE-845094CED869}" presName="parentLin" presStyleCnt="0"/>
       <dgm:spPr/>
     </dgm:pt>
-    <dgm:pt modelId="{647250EC-E0C9-498F-92ED-0B2F45F54AAD}" type="pres">
-      <dgm:prSet presAssocID="{EEA2C84B-120D-452C-BBFF-56785740D643}" presName="parentLeftMargin" presStyleLbl="node1" presStyleIdx="0" presStyleCnt="4"/>
+    <dgm:pt modelId="{140D1ABD-71DA-4127-B8F5-724B61195326}" type="pres">
+      <dgm:prSet presAssocID="{5A77592B-EDED-4FBD-A0EE-845094CED869}" presName="parentLeftMargin" presStyleLbl="node1" presStyleIdx="0" presStyleCnt="3"/>
       <dgm:spPr/>
     </dgm:pt>
-    <dgm:pt modelId="{4283E448-221B-4F99-91A5-7618843AF9B5}" type="pres">
-      <dgm:prSet presAssocID="{EEA2C84B-120D-452C-BBFF-56785740D643}" presName="parentText" presStyleLbl="node1" presStyleIdx="1" presStyleCnt="4">
+    <dgm:pt modelId="{6D4DDD64-B0DB-4A0E-8CE5-DC5FCC13860C}" type="pres">
+      <dgm:prSet presAssocID="{5A77592B-EDED-4FBD-A0EE-845094CED869}" presName="parentText" presStyleLbl="node1" presStyleIdx="1" presStyleCnt="3">
         <dgm:presLayoutVars>
           <dgm:chMax val="0"/>
           <dgm:bulletEnabled val="1"/>
@@ -1674,32 +1937,32 @@
       </dgm:prSet>
       <dgm:spPr/>
     </dgm:pt>
-    <dgm:pt modelId="{063543BC-72E9-4F54-95C0-280D5A5EA3F2}" type="pres">
-      <dgm:prSet presAssocID="{EEA2C84B-120D-452C-BBFF-56785740D643}" presName="negativeSpace" presStyleCnt="0"/>
+    <dgm:pt modelId="{B58E9EFD-87FA-4F82-A9AA-A0278D7BF108}" type="pres">
+      <dgm:prSet presAssocID="{5A77592B-EDED-4FBD-A0EE-845094CED869}" presName="negativeSpace" presStyleCnt="0"/>
       <dgm:spPr/>
     </dgm:pt>
-    <dgm:pt modelId="{AEE2D08A-44B6-4273-9359-B09905DEEBDD}" type="pres">
-      <dgm:prSet presAssocID="{EEA2C84B-120D-452C-BBFF-56785740D643}" presName="childText" presStyleLbl="conFgAcc1" presStyleIdx="1" presStyleCnt="4">
+    <dgm:pt modelId="{71874039-BD04-4B5A-972B-0514B4C98D5F}" type="pres">
+      <dgm:prSet presAssocID="{5A77592B-EDED-4FBD-A0EE-845094CED869}" presName="childText" presStyleLbl="conFgAcc1" presStyleIdx="1" presStyleCnt="3">
         <dgm:presLayoutVars>
           <dgm:bulletEnabled val="1"/>
         </dgm:presLayoutVars>
       </dgm:prSet>
       <dgm:spPr/>
     </dgm:pt>
-    <dgm:pt modelId="{6290BE08-FC7D-45FC-ACEC-5E466D262211}" type="pres">
-      <dgm:prSet presAssocID="{2A64EDBB-5FFB-42F9-B0E5-C69396AFE1E2}" presName="spaceBetweenRectangles" presStyleCnt="0"/>
+    <dgm:pt modelId="{3B9562D3-54E1-4B68-95D0-C3E19C57F801}" type="pres">
+      <dgm:prSet presAssocID="{2433A1E6-835B-47B1-8FA5-83F9AAECB255}" presName="spaceBetweenRectangles" presStyleCnt="0"/>
       <dgm:spPr/>
     </dgm:pt>
-    <dgm:pt modelId="{63EE92FE-D0D6-4C28-9691-EDB4F43104EF}" type="pres">
-      <dgm:prSet presAssocID="{E3B6785A-0B12-4737-ADF0-F59656C3C791}" presName="parentLin" presStyleCnt="0"/>
+    <dgm:pt modelId="{4F3B0F2F-4D78-4ED2-904B-BEB0950DC148}" type="pres">
+      <dgm:prSet presAssocID="{943465FC-C0CA-4829-9C47-5EBD9AA584B1}" presName="parentLin" presStyleCnt="0"/>
       <dgm:spPr/>
     </dgm:pt>
-    <dgm:pt modelId="{B39BCF0F-3F3A-464F-ABB1-D6B4B96739DB}" type="pres">
-      <dgm:prSet presAssocID="{E3B6785A-0B12-4737-ADF0-F59656C3C791}" presName="parentLeftMargin" presStyleLbl="node1" presStyleIdx="1" presStyleCnt="4"/>
+    <dgm:pt modelId="{500ECB20-E0A6-4556-A7EC-55A21793152B}" type="pres">
+      <dgm:prSet presAssocID="{943465FC-C0CA-4829-9C47-5EBD9AA584B1}" presName="parentLeftMargin" presStyleLbl="node1" presStyleIdx="1" presStyleCnt="3"/>
       <dgm:spPr/>
     </dgm:pt>
-    <dgm:pt modelId="{CA849892-26B7-4416-B1B6-EE89627DDD1F}" type="pres">
-      <dgm:prSet presAssocID="{E3B6785A-0B12-4737-ADF0-F59656C3C791}" presName="parentText" presStyleLbl="node1" presStyleIdx="2" presStyleCnt="4">
+    <dgm:pt modelId="{B673A553-9A83-4051-B45A-0107C4C81342}" type="pres">
+      <dgm:prSet presAssocID="{943465FC-C0CA-4829-9C47-5EBD9AA584B1}" presName="parentText" presStyleLbl="node1" presStyleIdx="2" presStyleCnt="3">
         <dgm:presLayoutVars>
           <dgm:chMax val="0"/>
           <dgm:bulletEnabled val="1"/>
@@ -1707,45 +1970,12 @@
       </dgm:prSet>
       <dgm:spPr/>
     </dgm:pt>
-    <dgm:pt modelId="{EEB1D5D8-04CE-41AB-BFCB-D7F9F4444CAE}" type="pres">
-      <dgm:prSet presAssocID="{E3B6785A-0B12-4737-ADF0-F59656C3C791}" presName="negativeSpace" presStyleCnt="0"/>
+    <dgm:pt modelId="{89C18A81-236C-488C-8D8D-6AB5F9242264}" type="pres">
+      <dgm:prSet presAssocID="{943465FC-C0CA-4829-9C47-5EBD9AA584B1}" presName="negativeSpace" presStyleCnt="0"/>
       <dgm:spPr/>
     </dgm:pt>
-    <dgm:pt modelId="{B77EB18F-DBFD-43E4-8773-2EE3BABBA168}" type="pres">
-      <dgm:prSet presAssocID="{E3B6785A-0B12-4737-ADF0-F59656C3C791}" presName="childText" presStyleLbl="conFgAcc1" presStyleIdx="2" presStyleCnt="4">
-        <dgm:presLayoutVars>
-          <dgm:bulletEnabled val="1"/>
-        </dgm:presLayoutVars>
-      </dgm:prSet>
-      <dgm:spPr/>
-    </dgm:pt>
-    <dgm:pt modelId="{85759697-83C3-4AC5-BAC0-EF5C960BE242}" type="pres">
-      <dgm:prSet presAssocID="{0E595C0C-13B1-40B6-932F-41C7A42A2EF2}" presName="spaceBetweenRectangles" presStyleCnt="0"/>
-      <dgm:spPr/>
-    </dgm:pt>
-    <dgm:pt modelId="{2571782E-FD32-4F69-BE40-A147F1BA679B}" type="pres">
-      <dgm:prSet presAssocID="{5DE65ADA-2573-487C-A775-342E7EA25255}" presName="parentLin" presStyleCnt="0"/>
-      <dgm:spPr/>
-    </dgm:pt>
-    <dgm:pt modelId="{1960229E-0814-4E90-B3F3-1219099418C0}" type="pres">
-      <dgm:prSet presAssocID="{5DE65ADA-2573-487C-A775-342E7EA25255}" presName="parentLeftMargin" presStyleLbl="node1" presStyleIdx="2" presStyleCnt="4"/>
-      <dgm:spPr/>
-    </dgm:pt>
-    <dgm:pt modelId="{A4883A6F-5487-4BAB-8198-143DD9A2496D}" type="pres">
-      <dgm:prSet presAssocID="{5DE65ADA-2573-487C-A775-342E7EA25255}" presName="parentText" presStyleLbl="node1" presStyleIdx="3" presStyleCnt="4">
-        <dgm:presLayoutVars>
-          <dgm:chMax val="0"/>
-          <dgm:bulletEnabled val="1"/>
-        </dgm:presLayoutVars>
-      </dgm:prSet>
-      <dgm:spPr/>
-    </dgm:pt>
-    <dgm:pt modelId="{8DCAE307-C2E9-4823-A72E-9FBCF90BF690}" type="pres">
-      <dgm:prSet presAssocID="{5DE65ADA-2573-487C-A775-342E7EA25255}" presName="negativeSpace" presStyleCnt="0"/>
-      <dgm:spPr/>
-    </dgm:pt>
-    <dgm:pt modelId="{C858C8D5-EFAE-4E64-8007-39B8E760692D}" type="pres">
-      <dgm:prSet presAssocID="{5DE65ADA-2573-487C-A775-342E7EA25255}" presName="childText" presStyleLbl="conFgAcc1" presStyleIdx="3" presStyleCnt="4">
+    <dgm:pt modelId="{D271B5EC-F65B-45CD-ABC9-4BFFAAF9867B}" type="pres">
+      <dgm:prSet presAssocID="{943465FC-C0CA-4829-9C47-5EBD9AA584B1}" presName="childText" presStyleLbl="conFgAcc1" presStyleIdx="2" presStyleCnt="3">
         <dgm:presLayoutVars>
           <dgm:bulletEnabled val="1"/>
         </dgm:presLayoutVars>
@@ -1754,58 +1984,63 @@
     </dgm:pt>
   </dgm:ptLst>
   <dgm:cxnLst>
-    <dgm:cxn modelId="{7E419C01-6457-4B2B-8B52-A51343820E7F}" type="presOf" srcId="{E3B6785A-0B12-4737-ADF0-F59656C3C791}" destId="{B39BCF0F-3F3A-464F-ABB1-D6B4B96739DB}" srcOrd="0" destOrd="0" presId="urn:microsoft.com/office/officeart/2005/8/layout/list1"/>
+    <dgm:cxn modelId="{0FC1C202-F3DE-4F00-A5AD-783EC91292F9}" type="presOf" srcId="{20616154-2E11-48D9-8E33-6A5E9FA3F289}" destId="{71874039-BD04-4B5A-972B-0514B4C98D5F}" srcOrd="0" destOrd="5" presId="urn:microsoft.com/office/officeart/2005/8/layout/list1"/>
+    <dgm:cxn modelId="{BCF1A504-9A63-4ED3-B20F-1F64074CF0F5}" type="presOf" srcId="{0AD5362D-6362-468F-9250-4A1420C85AF9}" destId="{D271B5EC-F65B-45CD-ABC9-4BFFAAF9867B}" srcOrd="0" destOrd="1" presId="urn:microsoft.com/office/officeart/2005/8/layout/list1"/>
+    <dgm:cxn modelId="{BC15350C-8231-4A99-8A14-9C3CD5A3DF94}" type="presOf" srcId="{176F0E9E-74F7-491A-A2A0-5A1484EB1FC2}" destId="{71874039-BD04-4B5A-972B-0514B4C98D5F}" srcOrd="0" destOrd="4" presId="urn:microsoft.com/office/officeart/2005/8/layout/list1"/>
     <dgm:cxn modelId="{D4E6810D-B543-4672-8D41-4529BC01F086}" type="presOf" srcId="{FA56C92C-E897-4882-BF97-821BBE22D459}" destId="{08807E16-F45E-4AD8-8272-D0BE06B8EDAE}" srcOrd="0" destOrd="0" presId="urn:microsoft.com/office/officeart/2005/8/layout/list1"/>
-    <dgm:cxn modelId="{03E9AB10-98C6-4FEB-8BFC-E6E200E40B4F}" type="presOf" srcId="{E84F4C48-5631-48D7-A5FB-C5E35E0D5E8E}" destId="{B77EB18F-DBFD-43E4-8773-2EE3BABBA168}" srcOrd="0" destOrd="0" presId="urn:microsoft.com/office/officeart/2005/8/layout/list1"/>
-    <dgm:cxn modelId="{2A480260-8D09-4476-9771-301CFB2F6891}" srcId="{FA56C92C-E897-4882-BF97-821BBE22D459}" destId="{E3B6785A-0B12-4737-ADF0-F59656C3C791}" srcOrd="2" destOrd="0" parTransId="{1C7CBFE7-7DB3-4AE7-A4A9-984255A271EE}" sibTransId="{0E595C0C-13B1-40B6-932F-41C7A42A2EF2}"/>
-    <dgm:cxn modelId="{165C1C4A-283E-446C-8D57-2DED4E0A1F0D}" type="presOf" srcId="{457A2915-F21D-4727-9213-49A13590B310}" destId="{AEE2D08A-44B6-4273-9359-B09905DEEBDD}" srcOrd="0" destOrd="0" presId="urn:microsoft.com/office/officeart/2005/8/layout/list1"/>
-    <dgm:cxn modelId="{4539874A-6AD2-4641-AA31-EDC4C130822B}" srcId="{5DE65ADA-2573-487C-A775-342E7EA25255}" destId="{206C6FB2-43C9-4A57-BB91-58BAEA4C27D3}" srcOrd="1" destOrd="0" parTransId="{337CC3B2-F285-4AF6-A479-F19685241F51}" sibTransId="{476CBFBF-BF4E-4948-BEE8-B5F3B036215C}"/>
-    <dgm:cxn modelId="{A3E10A6D-B0DF-43B8-AF42-AC6B29F545F0}" srcId="{FA56C92C-E897-4882-BF97-821BBE22D459}" destId="{EEA2C84B-120D-452C-BBFF-56785740D643}" srcOrd="1" destOrd="0" parTransId="{11B794AE-5398-4229-A28E-350BF66A814E}" sibTransId="{2A64EDBB-5FFB-42F9-B0E5-C69396AFE1E2}"/>
-    <dgm:cxn modelId="{C807176D-FE5E-431A-A14C-4BD472185599}" type="presOf" srcId="{E3B6785A-0B12-4737-ADF0-F59656C3C791}" destId="{CA849892-26B7-4416-B1B6-EE89627DDD1F}" srcOrd="1" destOrd="0" presId="urn:microsoft.com/office/officeart/2005/8/layout/list1"/>
-    <dgm:cxn modelId="{23F9F16D-4F70-46D1-B6DF-614BD2BACE77}" type="presOf" srcId="{206C6FB2-43C9-4A57-BB91-58BAEA4C27D3}" destId="{C858C8D5-EFAE-4E64-8007-39B8E760692D}" srcOrd="0" destOrd="4" presId="urn:microsoft.com/office/officeart/2005/8/layout/list1"/>
+    <dgm:cxn modelId="{46CDAD0F-D437-4A29-B031-23F0AE9AFA2A}" srcId="{7CBA19C6-754F-4AFE-89F7-52078DF80B32}" destId="{9641547C-8728-4D9A-87A2-AA2986ADDFD7}" srcOrd="2" destOrd="0" parTransId="{2710F132-3098-4480-B52D-03750D01AC6B}" sibTransId="{9C309539-24A2-496C-AD98-5B624ABBC5EB}"/>
+    <dgm:cxn modelId="{9169941F-39B7-484B-B54C-1077F29B4DF0}" type="presOf" srcId="{943465FC-C0CA-4829-9C47-5EBD9AA584B1}" destId="{500ECB20-E0A6-4556-A7EC-55A21793152B}" srcOrd="0" destOrd="0" presId="urn:microsoft.com/office/officeart/2005/8/layout/list1"/>
+    <dgm:cxn modelId="{1AD9E427-2DAE-44F0-8A49-E21FB2B16621}" srcId="{FA56C92C-E897-4882-BF97-821BBE22D459}" destId="{943465FC-C0CA-4829-9C47-5EBD9AA584B1}" srcOrd="2" destOrd="0" parTransId="{34E0E1FF-4CDB-4B81-B4B0-85D2FA434B73}" sibTransId="{26B30A3E-815D-4E64-A134-22CDC18E4FE7}"/>
+    <dgm:cxn modelId="{7C890136-68E6-4157-BEBF-B0094030F970}" type="presOf" srcId="{07C7C957-7428-44CA-A56E-6049F2A97C7C}" destId="{71874039-BD04-4B5A-972B-0514B4C98D5F}" srcOrd="0" destOrd="7" presId="urn:microsoft.com/office/officeart/2005/8/layout/list1"/>
+    <dgm:cxn modelId="{848F9A36-86EB-447E-922D-704C93F51917}" srcId="{5A77592B-EDED-4FBD-A0EE-845094CED869}" destId="{176F0E9E-74F7-491A-A2A0-5A1484EB1FC2}" srcOrd="1" destOrd="0" parTransId="{2A5468BB-580D-4CCC-A562-027ED2461510}" sibTransId="{EC60C84E-7D10-4695-8BE7-7EEA51D6C3BB}"/>
+    <dgm:cxn modelId="{18CDF238-8AC0-4A7A-8FB5-B2129E0ADB0F}" type="presOf" srcId="{1CBF4FB7-AF99-4630-AA9B-927512681F9A}" destId="{71874039-BD04-4B5A-972B-0514B4C98D5F}" srcOrd="0" destOrd="1" presId="urn:microsoft.com/office/officeart/2005/8/layout/list1"/>
+    <dgm:cxn modelId="{1ED72A5F-8E64-4905-9BBA-89343A33E190}" srcId="{5A77592B-EDED-4FBD-A0EE-845094CED869}" destId="{7CBA19C6-754F-4AFE-89F7-52078DF80B32}" srcOrd="0" destOrd="0" parTransId="{BC0FD62E-90F6-49E6-BBFE-DF5B8F6B35ED}" sibTransId="{4BBD3C98-BB18-4E74-B950-84A7D1E4BB0C}"/>
+    <dgm:cxn modelId="{2A79AD41-ADE1-49B2-B164-ED05BF9416D5}" srcId="{E09D3E04-A8FA-45F5-8F0C-97038DEEB28A}" destId="{FB916160-A278-4B39-AA3E-9375B6E04D51}" srcOrd="1" destOrd="0" parTransId="{47EB871E-7AC5-40BD-87F6-0AE3EBD0B3DF}" sibTransId="{13FFFA88-864B-4257-9690-C6D77835266B}"/>
+    <dgm:cxn modelId="{B0BC7B43-A475-4EAF-94FD-F2910D093FE0}" type="presOf" srcId="{5A77592B-EDED-4FBD-A0EE-845094CED869}" destId="{6D4DDD64-B0DB-4A0E-8CE5-DC5FCC13860C}" srcOrd="1" destOrd="0" presId="urn:microsoft.com/office/officeart/2005/8/layout/list1"/>
+    <dgm:cxn modelId="{49E0636F-67BB-4A33-BEDD-994F5892FE00}" srcId="{176F0E9E-74F7-491A-A2A0-5A1484EB1FC2}" destId="{07C7C957-7428-44CA-A56E-6049F2A97C7C}" srcOrd="2" destOrd="0" parTransId="{6655CAC8-0878-4955-BCA3-C1C80B5E5990}" sibTransId="{04EFFF10-DDE0-4423-8BDD-CA9B773BE193}"/>
+    <dgm:cxn modelId="{D3500870-99D2-41CB-BC92-2891272F38C2}" type="presOf" srcId="{04C89EFE-1F4D-4BD6-B320-B0698156F220}" destId="{D271B5EC-F65B-45CD-ABC9-4BFFAAF9867B}" srcOrd="0" destOrd="3" presId="urn:microsoft.com/office/officeart/2005/8/layout/list1"/>
     <dgm:cxn modelId="{DD5B4573-9C65-4259-924F-712B99FF0350}" type="presOf" srcId="{8583C6A3-8625-4CB1-8162-3EC964CC524F}" destId="{0E191766-1A1C-4A83-BCB5-33D17A847197}" srcOrd="1" destOrd="0" presId="urn:microsoft.com/office/officeart/2005/8/layout/list1"/>
-    <dgm:cxn modelId="{79C03454-6C35-4CC1-964C-B32ED75A0CAE}" type="presOf" srcId="{30A598C6-222D-487D-9124-D0C09BDBFE15}" destId="{C858C8D5-EFAE-4E64-8007-39B8E760692D}" srcOrd="0" destOrd="3" presId="urn:microsoft.com/office/officeart/2005/8/layout/list1"/>
-    <dgm:cxn modelId="{801FA376-B588-4CC9-B62A-C5D731E72098}" srcId="{FA56C92C-E897-4882-BF97-821BBE22D459}" destId="{5DE65ADA-2573-487C-A775-342E7EA25255}" srcOrd="3" destOrd="0" parTransId="{B60210F1-1D71-4268-A266-E721CB84B84E}" sibTransId="{39C90896-3D53-4FE5-BABF-6A458580FF65}"/>
-    <dgm:cxn modelId="{B1D9AB9D-B43A-4CB8-A185-5C457F612FF9}" srcId="{EEA2C84B-120D-452C-BBFF-56785740D643}" destId="{457A2915-F21D-4727-9213-49A13590B310}" srcOrd="0" destOrd="0" parTransId="{8ECE24AE-A2CB-428E-AFDB-81AC37193FBA}" sibTransId="{3CF409B7-2382-4098-A44E-B46E1AAE96D2}"/>
-    <dgm:cxn modelId="{095F0BA7-CE66-4BA6-B348-DEF0156B74D5}" type="presOf" srcId="{B5701E42-557D-43EE-A2FB-A463141E9765}" destId="{C858C8D5-EFAE-4E64-8007-39B8E760692D}" srcOrd="0" destOrd="1" presId="urn:microsoft.com/office/officeart/2005/8/layout/list1"/>
-    <dgm:cxn modelId="{D9A645AC-4E91-4917-A76F-1DDC70E8B50A}" type="presOf" srcId="{5DE65ADA-2573-487C-A775-342E7EA25255}" destId="{A4883A6F-5487-4BAB-8198-143DD9A2496D}" srcOrd="1" destOrd="0" presId="urn:microsoft.com/office/officeart/2005/8/layout/list1"/>
+    <dgm:cxn modelId="{84A8AA55-45F2-4F01-8EF7-0E9B29882946}" srcId="{7CBA19C6-754F-4AFE-89F7-52078DF80B32}" destId="{1CBF4FB7-AF99-4630-AA9B-927512681F9A}" srcOrd="0" destOrd="0" parTransId="{4935B5F4-0B2C-452D-B21F-8FEC93FCCB41}" sibTransId="{624C5DEE-2864-413C-A104-C0B067D842F1}"/>
+    <dgm:cxn modelId="{10E50F92-8998-40AE-92E1-8165B7E16A2A}" type="presOf" srcId="{7CBA19C6-754F-4AFE-89F7-52078DF80B32}" destId="{71874039-BD04-4B5A-972B-0514B4C98D5F}" srcOrd="0" destOrd="0" presId="urn:microsoft.com/office/officeart/2005/8/layout/list1"/>
+    <dgm:cxn modelId="{1583E293-486C-4F91-8874-8CF954169F06}" type="presOf" srcId="{943465FC-C0CA-4829-9C47-5EBD9AA584B1}" destId="{B673A553-9A83-4051-B45A-0107C4C81342}" srcOrd="1" destOrd="0" presId="urn:microsoft.com/office/officeart/2005/8/layout/list1"/>
+    <dgm:cxn modelId="{2C20A694-8BB6-487A-B3D3-64939D6FFBD1}" type="presOf" srcId="{E09D3E04-A8FA-45F5-8F0C-97038DEEB28A}" destId="{D271B5EC-F65B-45CD-ABC9-4BFFAAF9867B}" srcOrd="0" destOrd="0" presId="urn:microsoft.com/office/officeart/2005/8/layout/list1"/>
+    <dgm:cxn modelId="{3904FE94-5A51-45EF-A2EC-E28E89F9513E}" srcId="{943465FC-C0CA-4829-9C47-5EBD9AA584B1}" destId="{E09D3E04-A8FA-45F5-8F0C-97038DEEB28A}" srcOrd="0" destOrd="0" parTransId="{915CDA26-C6CE-4974-B41E-E87372AE104D}" sibTransId="{75B62B39-3757-4A9E-ABA5-3CE41DD5270E}"/>
+    <dgm:cxn modelId="{C9E71497-8876-4B7B-93B5-194ADEBC2100}" srcId="{7CBA19C6-754F-4AFE-89F7-52078DF80B32}" destId="{F44F58DC-681E-479F-8111-F06C8EE0D71B}" srcOrd="1" destOrd="0" parTransId="{E44EB042-04DC-44AD-BF1F-4023747D1C55}" sibTransId="{2B5EA152-E111-44F8-ACA8-285D37735489}"/>
+    <dgm:cxn modelId="{BD2B25A1-22BB-4AEF-A608-3F6DD2390005}" srcId="{FA56C92C-E897-4882-BF97-821BBE22D459}" destId="{5A77592B-EDED-4FBD-A0EE-845094CED869}" srcOrd="1" destOrd="0" parTransId="{06BBDDC0-E1F1-4DC2-BBEF-0167B9CC6408}" sibTransId="{2433A1E6-835B-47B1-8FA5-83F9AAECB255}"/>
     <dgm:cxn modelId="{2C887EAD-0FC8-4793-9C2C-37BD9EDF2D1E}" srcId="{8583C6A3-8625-4CB1-8162-3EC964CC524F}" destId="{6FA2EE6C-94BF-48A9-9DDA-1311B1EA31C0}" srcOrd="0" destOrd="0" parTransId="{49ACEC87-4298-49F2-AAC4-A097E83630CE}" sibTransId="{DC182A59-2C77-4DDF-8B12-E48C00336562}"/>
     <dgm:cxn modelId="{985DCFB0-BABE-4F97-A081-897950E66890}" srcId="{FA56C92C-E897-4882-BF97-821BBE22D459}" destId="{8583C6A3-8625-4CB1-8162-3EC964CC524F}" srcOrd="0" destOrd="0" parTransId="{D1472369-A36A-4643-9815-D16BDBC3E7AB}" sibTransId="{1044C491-D41D-44BF-86D9-CAD787ADE502}"/>
-    <dgm:cxn modelId="{074DDAB2-4613-4E8E-883D-E9A79DB53E86}" type="presOf" srcId="{D194779D-7E2F-401C-955D-2F5FA5DD77B7}" destId="{C858C8D5-EFAE-4E64-8007-39B8E760692D}" srcOrd="0" destOrd="2" presId="urn:microsoft.com/office/officeart/2005/8/layout/list1"/>
-    <dgm:cxn modelId="{5CB1C6C6-CE0C-4AC8-A739-3F4F2461E607}" type="presOf" srcId="{EEA2C84B-120D-452C-BBFF-56785740D643}" destId="{4283E448-221B-4F99-91A5-7618843AF9B5}" srcOrd="1" destOrd="0" presId="urn:microsoft.com/office/officeart/2005/8/layout/list1"/>
+    <dgm:cxn modelId="{981C3AB1-CEFF-47F6-9C1C-82074FBB96D7}" type="presOf" srcId="{FB916160-A278-4B39-AA3E-9375B6E04D51}" destId="{D271B5EC-F65B-45CD-ABC9-4BFFAAF9867B}" srcOrd="0" destOrd="2" presId="urn:microsoft.com/office/officeart/2005/8/layout/list1"/>
+    <dgm:cxn modelId="{87BAF3B3-9481-4F62-89BF-D74330374EB4}" srcId="{943465FC-C0CA-4829-9C47-5EBD9AA584B1}" destId="{8C0AFCEF-B2BD-43D6-B09F-D84F67A948F7}" srcOrd="2" destOrd="0" parTransId="{0A455CF8-C8FE-47F8-9C78-7C644E999CD1}" sibTransId="{68666C07-EBCF-4D2F-95FF-7A905698FF5C}"/>
+    <dgm:cxn modelId="{A8FA2BCA-1FB5-45F8-BCC5-95FCB114DB2A}" type="presOf" srcId="{F3FFDE40-E59E-49FE-BBC3-1D4A6F93E1A8}" destId="{71874039-BD04-4B5A-972B-0514B4C98D5F}" srcOrd="0" destOrd="8" presId="urn:microsoft.com/office/officeart/2005/8/layout/list1"/>
+    <dgm:cxn modelId="{3D3D3ACA-8B53-49C7-AB1D-D723E6A564CF}" type="presOf" srcId="{9641547C-8728-4D9A-87A2-AA2986ADDFD7}" destId="{71874039-BD04-4B5A-972B-0514B4C98D5F}" srcOrd="0" destOrd="3" presId="urn:microsoft.com/office/officeart/2005/8/layout/list1"/>
     <dgm:cxn modelId="{D8C311CB-3FCA-473E-A671-DA7572267705}" type="presOf" srcId="{6FA2EE6C-94BF-48A9-9DDA-1311B1EA31C0}" destId="{6665BE65-8356-45AD-8DFB-31742672A521}" srcOrd="0" destOrd="0" presId="urn:microsoft.com/office/officeart/2005/8/layout/list1"/>
-    <dgm:cxn modelId="{13E1B5D2-137B-49C7-899C-ED87F952369D}" type="presOf" srcId="{EEA2C84B-120D-452C-BBFF-56785740D643}" destId="{647250EC-E0C9-498F-92ED-0B2F45F54AAD}" srcOrd="0" destOrd="0" presId="urn:microsoft.com/office/officeart/2005/8/layout/list1"/>
-    <dgm:cxn modelId="{DF5B4CD4-FD9E-4F64-B479-48BA703C2938}" type="presOf" srcId="{5DE65ADA-2573-487C-A775-342E7EA25255}" destId="{1960229E-0814-4E90-B3F3-1219099418C0}" srcOrd="0" destOrd="0" presId="urn:microsoft.com/office/officeart/2005/8/layout/list1"/>
+    <dgm:cxn modelId="{689A7BD3-B9B6-4E30-9388-65BA12C13888}" type="presOf" srcId="{AD77B5FA-9054-403C-B39A-952B44FE0BAD}" destId="{71874039-BD04-4B5A-972B-0514B4C98D5F}" srcOrd="0" destOrd="6" presId="urn:microsoft.com/office/officeart/2005/8/layout/list1"/>
+    <dgm:cxn modelId="{E74DE0D3-F0A4-414F-8B44-AC8CA4D8D1C3}" type="presOf" srcId="{F44F58DC-681E-479F-8111-F06C8EE0D71B}" destId="{71874039-BD04-4B5A-972B-0514B4C98D5F}" srcOrd="0" destOrd="2" presId="urn:microsoft.com/office/officeart/2005/8/layout/list1"/>
+    <dgm:cxn modelId="{AFE347D4-ECCE-460D-8745-A62B4A13391C}" srcId="{176F0E9E-74F7-491A-A2A0-5A1484EB1FC2}" destId="{F3FFDE40-E59E-49FE-BBC3-1D4A6F93E1A8}" srcOrd="3" destOrd="0" parTransId="{28464666-AF90-4AA2-AF86-38B72315488C}" sibTransId="{5F6D03C2-CDD1-4A1B-B041-9302B1B98AEC}"/>
+    <dgm:cxn modelId="{BBF192D7-5A10-4DFB-89EA-9F1F4C015BCD}" srcId="{E09D3E04-A8FA-45F5-8F0C-97038DEEB28A}" destId="{0AD5362D-6362-468F-9250-4A1420C85AF9}" srcOrd="0" destOrd="0" parTransId="{031CA6CE-483F-4357-83CF-C96A86CE8898}" sibTransId="{81452A9C-64E2-4B82-8559-09F0840E837E}"/>
     <dgm:cxn modelId="{810113DC-2141-4EC8-A7BD-4DD6050B3327}" type="presOf" srcId="{8583C6A3-8625-4CB1-8162-3EC964CC524F}" destId="{E74358F8-9C53-4CB7-AC46-D10ADFAD2C96}" srcOrd="0" destOrd="0" presId="urn:microsoft.com/office/officeart/2005/8/layout/list1"/>
-    <dgm:cxn modelId="{52EFB0DD-8547-4579-BA75-17F721ECBDE0}" srcId="{01BCCB38-8C04-433C-BC6E-A11DBE114ACE}" destId="{B5701E42-557D-43EE-A2FB-A463141E9765}" srcOrd="0" destOrd="0" parTransId="{8B353BD6-18C4-4114-8764-993470334837}" sibTransId="{3F193CEF-1614-4173-A084-D6648B0A868B}"/>
-    <dgm:cxn modelId="{37C03FDE-4CA3-40EA-9739-8031ADCFFFD2}" srcId="{5DE65ADA-2573-487C-A775-342E7EA25255}" destId="{01BCCB38-8C04-433C-BC6E-A11DBE114ACE}" srcOrd="0" destOrd="0" parTransId="{6889CE7C-FA4A-49BC-B2F0-2F73FCE487A8}" sibTransId="{FF71174C-6A83-4935-9784-49E2ED2EDD8B}"/>
-    <dgm:cxn modelId="{330A32E4-11B5-437A-9382-9DB2A3377CDC}" srcId="{E3B6785A-0B12-4737-ADF0-F59656C3C791}" destId="{E84F4C48-5631-48D7-A5FB-C5E35E0D5E8E}" srcOrd="0" destOrd="0" parTransId="{B7585F88-809B-4B28-A1E3-90F498C8C9B8}" sibTransId="{CE9A6F72-C679-4A30-A964-AE5D2F50C895}"/>
-    <dgm:cxn modelId="{660D2FE8-0606-4214-A14E-B73B963768E3}" srcId="{01BCCB38-8C04-433C-BC6E-A11DBE114ACE}" destId="{30A598C6-222D-487D-9124-D0C09BDBFE15}" srcOrd="2" destOrd="0" parTransId="{C42A41D5-CF28-4DDB-A58C-E74C6BC375EA}" sibTransId="{99253F9B-A952-4A99-9FDE-6C8EB3E1BE98}"/>
-    <dgm:cxn modelId="{CF6FAAE8-841C-4D2B-A072-E447339244CF}" srcId="{01BCCB38-8C04-433C-BC6E-A11DBE114ACE}" destId="{D194779D-7E2F-401C-955D-2F5FA5DD77B7}" srcOrd="1" destOrd="0" parTransId="{BA31686A-8145-4264-8A4C-AF5C70D08B69}" sibTransId="{A1DB548F-AF89-49E6-AB2D-44188AE8E7F6}"/>
-    <dgm:cxn modelId="{AE548DF5-57BA-40A2-873C-009C690C5ABD}" type="presOf" srcId="{01BCCB38-8C04-433C-BC6E-A11DBE114ACE}" destId="{C858C8D5-EFAE-4E64-8007-39B8E760692D}" srcOrd="0" destOrd="0" presId="urn:microsoft.com/office/officeart/2005/8/layout/list1"/>
+    <dgm:cxn modelId="{8DA17DE6-DF9F-4ABE-AFB1-AFA600DB1E25}" type="presOf" srcId="{5A77592B-EDED-4FBD-A0EE-845094CED869}" destId="{140D1ABD-71DA-4127-B8F5-724B61195326}" srcOrd="0" destOrd="0" presId="urn:microsoft.com/office/officeart/2005/8/layout/list1"/>
+    <dgm:cxn modelId="{F4B7D9E6-448D-4620-86CE-59D9E782D594}" srcId="{943465FC-C0CA-4829-9C47-5EBD9AA584B1}" destId="{04C89EFE-1F4D-4BD6-B320-B0698156F220}" srcOrd="1" destOrd="0" parTransId="{F02DF0BB-C99B-43F1-B85B-606983BE5F70}" sibTransId="{857AA041-0163-455B-AB38-8777D894C1B5}"/>
+    <dgm:cxn modelId="{4D019BEF-4CB1-4938-B05D-B43C9FFE5B7A}" type="presOf" srcId="{8C0AFCEF-B2BD-43D6-B09F-D84F67A948F7}" destId="{D271B5EC-F65B-45CD-ABC9-4BFFAAF9867B}" srcOrd="0" destOrd="4" presId="urn:microsoft.com/office/officeart/2005/8/layout/list1"/>
+    <dgm:cxn modelId="{986C67F4-EFB0-4E31-9CF2-44E16544B502}" srcId="{176F0E9E-74F7-491A-A2A0-5A1484EB1FC2}" destId="{AD77B5FA-9054-403C-B39A-952B44FE0BAD}" srcOrd="1" destOrd="0" parTransId="{EE25BBF2-3D54-4C64-AE79-B7CBB46375ED}" sibTransId="{973AEE9F-316D-4920-B4FB-9C8023429DFB}"/>
+    <dgm:cxn modelId="{0107B3FB-8EFC-4CDF-83C4-EF1A3A4E01B6}" srcId="{176F0E9E-74F7-491A-A2A0-5A1484EB1FC2}" destId="{20616154-2E11-48D9-8E33-6A5E9FA3F289}" srcOrd="0" destOrd="0" parTransId="{9A2DC1ED-ED44-4613-9990-4E2DC30B6C36}" sibTransId="{CD7507DA-3544-42AA-B80B-730CE4807284}"/>
     <dgm:cxn modelId="{935268CD-C983-43CD-85D8-F7385D1D0D34}" type="presParOf" srcId="{08807E16-F45E-4AD8-8272-D0BE06B8EDAE}" destId="{793DC95C-C351-4AB8-8047-919EC8F48216}" srcOrd="0" destOrd="0" presId="urn:microsoft.com/office/officeart/2005/8/layout/list1"/>
     <dgm:cxn modelId="{001945C9-D19A-4F9F-AF21-AD73BAD4E72B}" type="presParOf" srcId="{793DC95C-C351-4AB8-8047-919EC8F48216}" destId="{E74358F8-9C53-4CB7-AC46-D10ADFAD2C96}" srcOrd="0" destOrd="0" presId="urn:microsoft.com/office/officeart/2005/8/layout/list1"/>
     <dgm:cxn modelId="{638110B2-AA38-498C-BC16-1051C9D01A07}" type="presParOf" srcId="{793DC95C-C351-4AB8-8047-919EC8F48216}" destId="{0E191766-1A1C-4A83-BCB5-33D17A847197}" srcOrd="1" destOrd="0" presId="urn:microsoft.com/office/officeart/2005/8/layout/list1"/>
     <dgm:cxn modelId="{1693E96E-03B7-417F-9F4B-7E358B198A32}" type="presParOf" srcId="{08807E16-F45E-4AD8-8272-D0BE06B8EDAE}" destId="{62FCB01C-5879-404A-9697-35DFCC3EF8A5}" srcOrd="1" destOrd="0" presId="urn:microsoft.com/office/officeart/2005/8/layout/list1"/>
     <dgm:cxn modelId="{9BD243FD-6815-440F-AD1E-BF2361383159}" type="presParOf" srcId="{08807E16-F45E-4AD8-8272-D0BE06B8EDAE}" destId="{6665BE65-8356-45AD-8DFB-31742672A521}" srcOrd="2" destOrd="0" presId="urn:microsoft.com/office/officeart/2005/8/layout/list1"/>
     <dgm:cxn modelId="{C3E3C73F-888A-483D-AAE3-96B452560DE9}" type="presParOf" srcId="{08807E16-F45E-4AD8-8272-D0BE06B8EDAE}" destId="{6D6D1228-2272-466D-A517-19E48E1BC22D}" srcOrd="3" destOrd="0" presId="urn:microsoft.com/office/officeart/2005/8/layout/list1"/>
-    <dgm:cxn modelId="{64F868B1-8C1F-405C-9FFC-C9B077E096B2}" type="presParOf" srcId="{08807E16-F45E-4AD8-8272-D0BE06B8EDAE}" destId="{0791185C-F3CC-4374-8CA7-94E311991DB0}" srcOrd="4" destOrd="0" presId="urn:microsoft.com/office/officeart/2005/8/layout/list1"/>
-    <dgm:cxn modelId="{52E87E9E-F832-4BE2-898B-FEE1B3D1EC5E}" type="presParOf" srcId="{0791185C-F3CC-4374-8CA7-94E311991DB0}" destId="{647250EC-E0C9-498F-92ED-0B2F45F54AAD}" srcOrd="0" destOrd="0" presId="urn:microsoft.com/office/officeart/2005/8/layout/list1"/>
-    <dgm:cxn modelId="{40DDCA74-D588-4BBB-8CE8-0D8B57C41ACE}" type="presParOf" srcId="{0791185C-F3CC-4374-8CA7-94E311991DB0}" destId="{4283E448-221B-4F99-91A5-7618843AF9B5}" srcOrd="1" destOrd="0" presId="urn:microsoft.com/office/officeart/2005/8/layout/list1"/>
-    <dgm:cxn modelId="{9DF91785-1365-4172-8458-8538D1DFC0BF}" type="presParOf" srcId="{08807E16-F45E-4AD8-8272-D0BE06B8EDAE}" destId="{063543BC-72E9-4F54-95C0-280D5A5EA3F2}" srcOrd="5" destOrd="0" presId="urn:microsoft.com/office/officeart/2005/8/layout/list1"/>
-    <dgm:cxn modelId="{F59F2D02-DC2E-4C33-925C-2879451D4E39}" type="presParOf" srcId="{08807E16-F45E-4AD8-8272-D0BE06B8EDAE}" destId="{AEE2D08A-44B6-4273-9359-B09905DEEBDD}" srcOrd="6" destOrd="0" presId="urn:microsoft.com/office/officeart/2005/8/layout/list1"/>
-    <dgm:cxn modelId="{C89702B5-55C1-4B4B-9BA4-799242F9B28A}" type="presParOf" srcId="{08807E16-F45E-4AD8-8272-D0BE06B8EDAE}" destId="{6290BE08-FC7D-45FC-ACEC-5E466D262211}" srcOrd="7" destOrd="0" presId="urn:microsoft.com/office/officeart/2005/8/layout/list1"/>
-    <dgm:cxn modelId="{0493B2E0-0820-4543-9485-104D4176CB5E}" type="presParOf" srcId="{08807E16-F45E-4AD8-8272-D0BE06B8EDAE}" destId="{63EE92FE-D0D6-4C28-9691-EDB4F43104EF}" srcOrd="8" destOrd="0" presId="urn:microsoft.com/office/officeart/2005/8/layout/list1"/>
-    <dgm:cxn modelId="{4D309F09-1B1B-4E22-A625-E27A39D2E6B1}" type="presParOf" srcId="{63EE92FE-D0D6-4C28-9691-EDB4F43104EF}" destId="{B39BCF0F-3F3A-464F-ABB1-D6B4B96739DB}" srcOrd="0" destOrd="0" presId="urn:microsoft.com/office/officeart/2005/8/layout/list1"/>
-    <dgm:cxn modelId="{21E17091-B7B6-4E61-89A3-462ACD380B40}" type="presParOf" srcId="{63EE92FE-D0D6-4C28-9691-EDB4F43104EF}" destId="{CA849892-26B7-4416-B1B6-EE89627DDD1F}" srcOrd="1" destOrd="0" presId="urn:microsoft.com/office/officeart/2005/8/layout/list1"/>
-    <dgm:cxn modelId="{EFDF9EC9-B7A8-48D9-B3AD-494AC9D411B5}" type="presParOf" srcId="{08807E16-F45E-4AD8-8272-D0BE06B8EDAE}" destId="{EEB1D5D8-04CE-41AB-BFCB-D7F9F4444CAE}" srcOrd="9" destOrd="0" presId="urn:microsoft.com/office/officeart/2005/8/layout/list1"/>
-    <dgm:cxn modelId="{538F0EC4-3115-43DF-90E7-A5683B2B8658}" type="presParOf" srcId="{08807E16-F45E-4AD8-8272-D0BE06B8EDAE}" destId="{B77EB18F-DBFD-43E4-8773-2EE3BABBA168}" srcOrd="10" destOrd="0" presId="urn:microsoft.com/office/officeart/2005/8/layout/list1"/>
-    <dgm:cxn modelId="{1DB1B9A4-0AEB-448B-A7A9-18B42A510EE3}" type="presParOf" srcId="{08807E16-F45E-4AD8-8272-D0BE06B8EDAE}" destId="{85759697-83C3-4AC5-BAC0-EF5C960BE242}" srcOrd="11" destOrd="0" presId="urn:microsoft.com/office/officeart/2005/8/layout/list1"/>
-    <dgm:cxn modelId="{8E832A94-9AB7-4FED-9093-53D5D364E968}" type="presParOf" srcId="{08807E16-F45E-4AD8-8272-D0BE06B8EDAE}" destId="{2571782E-FD32-4F69-BE40-A147F1BA679B}" srcOrd="12" destOrd="0" presId="urn:microsoft.com/office/officeart/2005/8/layout/list1"/>
-    <dgm:cxn modelId="{5EE3CF54-068B-48B2-BC1A-8FAEFE90A2A5}" type="presParOf" srcId="{2571782E-FD32-4F69-BE40-A147F1BA679B}" destId="{1960229E-0814-4E90-B3F3-1219099418C0}" srcOrd="0" destOrd="0" presId="urn:microsoft.com/office/officeart/2005/8/layout/list1"/>
-    <dgm:cxn modelId="{AEF165D7-5E08-4CB3-B502-5413E0DDDD52}" type="presParOf" srcId="{2571782E-FD32-4F69-BE40-A147F1BA679B}" destId="{A4883A6F-5487-4BAB-8198-143DD9A2496D}" srcOrd="1" destOrd="0" presId="urn:microsoft.com/office/officeart/2005/8/layout/list1"/>
-    <dgm:cxn modelId="{32C630DB-4FD8-4448-AB82-2D70CC3D9137}" type="presParOf" srcId="{08807E16-F45E-4AD8-8272-D0BE06B8EDAE}" destId="{8DCAE307-C2E9-4823-A72E-9FBCF90BF690}" srcOrd="13" destOrd="0" presId="urn:microsoft.com/office/officeart/2005/8/layout/list1"/>
-    <dgm:cxn modelId="{00FD36E9-F051-46EE-BF73-39EB777D2FC8}" type="presParOf" srcId="{08807E16-F45E-4AD8-8272-D0BE06B8EDAE}" destId="{C858C8D5-EFAE-4E64-8007-39B8E760692D}" srcOrd="14" destOrd="0" presId="urn:microsoft.com/office/officeart/2005/8/layout/list1"/>
+    <dgm:cxn modelId="{BF2F5A84-5C5C-458E-903D-86E6C949B3EA}" type="presParOf" srcId="{08807E16-F45E-4AD8-8272-D0BE06B8EDAE}" destId="{3AC2A2F2-B464-4191-9384-5FEBD6738C6D}" srcOrd="4" destOrd="0" presId="urn:microsoft.com/office/officeart/2005/8/layout/list1"/>
+    <dgm:cxn modelId="{1AA4C2FD-0125-4437-B7D2-C2C082FBF05E}" type="presParOf" srcId="{3AC2A2F2-B464-4191-9384-5FEBD6738C6D}" destId="{140D1ABD-71DA-4127-B8F5-724B61195326}" srcOrd="0" destOrd="0" presId="urn:microsoft.com/office/officeart/2005/8/layout/list1"/>
+    <dgm:cxn modelId="{CB253C2F-A077-4C23-BD74-7AC7807F1E30}" type="presParOf" srcId="{3AC2A2F2-B464-4191-9384-5FEBD6738C6D}" destId="{6D4DDD64-B0DB-4A0E-8CE5-DC5FCC13860C}" srcOrd="1" destOrd="0" presId="urn:microsoft.com/office/officeart/2005/8/layout/list1"/>
+    <dgm:cxn modelId="{1FA39159-B1BD-4868-9947-56205165B67F}" type="presParOf" srcId="{08807E16-F45E-4AD8-8272-D0BE06B8EDAE}" destId="{B58E9EFD-87FA-4F82-A9AA-A0278D7BF108}" srcOrd="5" destOrd="0" presId="urn:microsoft.com/office/officeart/2005/8/layout/list1"/>
+    <dgm:cxn modelId="{397A43FC-CBF6-42FD-836D-1C867B314D0F}" type="presParOf" srcId="{08807E16-F45E-4AD8-8272-D0BE06B8EDAE}" destId="{71874039-BD04-4B5A-972B-0514B4C98D5F}" srcOrd="6" destOrd="0" presId="urn:microsoft.com/office/officeart/2005/8/layout/list1"/>
+    <dgm:cxn modelId="{E1E5B0B6-7F67-443C-9D20-9E91DED8918D}" type="presParOf" srcId="{08807E16-F45E-4AD8-8272-D0BE06B8EDAE}" destId="{3B9562D3-54E1-4B68-95D0-C3E19C57F801}" srcOrd="7" destOrd="0" presId="urn:microsoft.com/office/officeart/2005/8/layout/list1"/>
+    <dgm:cxn modelId="{17DD5708-D22F-4D2A-8869-AA94DD174FDC}" type="presParOf" srcId="{08807E16-F45E-4AD8-8272-D0BE06B8EDAE}" destId="{4F3B0F2F-4D78-4ED2-904B-BEB0950DC148}" srcOrd="8" destOrd="0" presId="urn:microsoft.com/office/officeart/2005/8/layout/list1"/>
+    <dgm:cxn modelId="{389AC9D2-F610-4181-82AE-9BFB59EBCB2A}" type="presParOf" srcId="{4F3B0F2F-4D78-4ED2-904B-BEB0950DC148}" destId="{500ECB20-E0A6-4556-A7EC-55A21793152B}" srcOrd="0" destOrd="0" presId="urn:microsoft.com/office/officeart/2005/8/layout/list1"/>
+    <dgm:cxn modelId="{69368CA9-225F-436D-BF62-B05754133AD6}" type="presParOf" srcId="{4F3B0F2F-4D78-4ED2-904B-BEB0950DC148}" destId="{B673A553-9A83-4051-B45A-0107C4C81342}" srcOrd="1" destOrd="0" presId="urn:microsoft.com/office/officeart/2005/8/layout/list1"/>
+    <dgm:cxn modelId="{0716249D-942C-4ECA-902B-E35BEF595107}" type="presParOf" srcId="{08807E16-F45E-4AD8-8272-D0BE06B8EDAE}" destId="{89C18A81-236C-488C-8D8D-6AB5F9242264}" srcOrd="9" destOrd="0" presId="urn:microsoft.com/office/officeart/2005/8/layout/list1"/>
+    <dgm:cxn modelId="{9AD87564-EC11-4DC1-9D2B-6BD9B68631D2}" type="presParOf" srcId="{08807E16-F45E-4AD8-8272-D0BE06B8EDAE}" destId="{D271B5EC-F65B-45CD-ABC9-4BFFAAF9867B}" srcOrd="10" destOrd="0" presId="urn:microsoft.com/office/officeart/2005/8/layout/list1"/>
   </dgm:cxnLst>
   <dgm:bg/>
   <dgm:whole/>
@@ -1832,8 +2067,8 @@
       </dsp:nvSpPr>
       <dsp:spPr>
         <a:xfrm>
-          <a:off x="0" y="299188"/>
-          <a:ext cx="6804286" cy="1015875"/>
+          <a:off x="0" y="307764"/>
+          <a:ext cx="6804286" cy="1083600"/>
         </a:xfrm>
         <a:prstGeom prst="rect">
           <a:avLst/>
@@ -1874,12 +2109,12 @@
         <a:fontRef idx="minor"/>
       </dsp:style>
       <dsp:txBody>
-        <a:bodyPr spcFirstLastPara="0" vert="horz" wrap="square" lIns="528088" tIns="312420" rIns="528088" bIns="106680" numCol="1" spcCol="1270" anchor="t" anchorCtr="0">
+        <a:bodyPr spcFirstLastPara="0" vert="horz" wrap="square" lIns="528088" tIns="333248" rIns="528088" bIns="113792" numCol="1" spcCol="1270" anchor="t" anchorCtr="0">
           <a:noAutofit/>
         </a:bodyPr>
         <a:lstStyle/>
         <a:p>
-          <a:pPr marL="114300" lvl="1" indent="-114300" algn="l" defTabSz="666750">
+          <a:pPr marL="171450" lvl="1" indent="-171450" algn="l" defTabSz="711200">
             <a:lnSpc>
               <a:spcPct val="90000"/>
             </a:lnSpc>
@@ -1892,15 +2127,23 @@
             <a:buChar char="•"/>
           </a:pPr>
           <a:r>
-            <a:rPr lang="en-US" sz="1500" b="0" i="0" kern="1200"/>
-            <a:t>We have completed exploratory analysis and model development to assess customer churn risk, using PowerCo’s historical customer usage, pricing, and contract data.</a:t>
+            <a:rPr lang="en-US" sz="1600" b="0" i="0" kern="1200" dirty="0"/>
+            <a:t>We have completed exploratory analysis and model development to assess customer churn risk, using </a:t>
           </a:r>
-          <a:endParaRPr lang="en-US" sz="1500" kern="1200"/>
+          <a:r>
+            <a:rPr lang="en-US" sz="1600" b="0" i="0" kern="1200" dirty="0" err="1"/>
+            <a:t>PowerCo’s</a:t>
+          </a:r>
+          <a:r>
+            <a:rPr lang="en-US" sz="1600" b="0" i="0" kern="1200" dirty="0"/>
+            <a:t> historical customer usage, pricing, and contract data.</a:t>
+          </a:r>
+          <a:endParaRPr lang="en-US" sz="1600" kern="1200" dirty="0"/>
         </a:p>
       </dsp:txBody>
       <dsp:txXfrm>
-        <a:off x="0" y="299188"/>
-        <a:ext cx="6804286" cy="1015875"/>
+        <a:off x="0" y="307764"/>
+        <a:ext cx="6804286" cy="1083600"/>
       </dsp:txXfrm>
     </dsp:sp>
     <dsp:sp modelId="{0E191766-1A1C-4A83-BCB5-33D17A847197}">
@@ -1910,8 +2153,8 @@
       </dsp:nvSpPr>
       <dsp:spPr>
         <a:xfrm>
-          <a:off x="340214" y="77788"/>
-          <a:ext cx="4763000" cy="442800"/>
+          <a:off x="340214" y="71604"/>
+          <a:ext cx="4763000" cy="472320"/>
         </a:xfrm>
         <a:prstGeom prst="roundRect">
           <a:avLst/>
@@ -1974,7 +2217,7 @@
         </a:bodyPr>
         <a:lstStyle/>
         <a:p>
-          <a:pPr marL="0" lvl="0" indent="0" algn="l" defTabSz="666750">
+          <a:pPr marL="0" lvl="0" indent="0" algn="l" defTabSz="711200">
             <a:lnSpc>
               <a:spcPct val="90000"/>
             </a:lnSpc>
@@ -1987,26 +2230,26 @@
             <a:buNone/>
           </a:pPr>
           <a:r>
-            <a:rPr lang="en-US" sz="1500" b="0" i="0" kern="1200"/>
+            <a:rPr lang="en-US" sz="1600" b="1" i="0" kern="1200" dirty="0"/>
             <a:t>Situation</a:t>
           </a:r>
-          <a:endParaRPr lang="en-US" sz="1500" kern="1200"/>
+          <a:endParaRPr lang="en-US" sz="1600" b="1" kern="1200" dirty="0"/>
         </a:p>
       </dsp:txBody>
       <dsp:txXfrm>
-        <a:off x="361830" y="99404"/>
-        <a:ext cx="4719768" cy="399568"/>
+        <a:off x="363271" y="94661"/>
+        <a:ext cx="4716886" cy="426206"/>
       </dsp:txXfrm>
     </dsp:sp>
-    <dsp:sp modelId="{AEE2D08A-44B6-4273-9359-B09905DEEBDD}">
+    <dsp:sp modelId="{71874039-BD04-4B5A-972B-0514B4C98D5F}">
       <dsp:nvSpPr>
         <dsp:cNvPr id="0" name=""/>
         <dsp:cNvSpPr/>
       </dsp:nvSpPr>
       <dsp:spPr>
         <a:xfrm>
-          <a:off x="0" y="1617463"/>
-          <a:ext cx="6804286" cy="1015875"/>
+          <a:off x="0" y="1713924"/>
+          <a:ext cx="6804286" cy="2620800"/>
         </a:xfrm>
         <a:prstGeom prst="rect">
           <a:avLst/>
@@ -2047,12 +2290,12 @@
         <a:fontRef idx="minor"/>
       </dsp:style>
       <dsp:txBody>
-        <a:bodyPr spcFirstLastPara="0" vert="horz" wrap="square" lIns="528088" tIns="312420" rIns="528088" bIns="106680" numCol="1" spcCol="1270" anchor="t" anchorCtr="0">
+        <a:bodyPr spcFirstLastPara="0" vert="horz" wrap="square" lIns="528088" tIns="333248" rIns="528088" bIns="113792" numCol="1" spcCol="1270" anchor="t" anchorCtr="0">
           <a:noAutofit/>
         </a:bodyPr>
         <a:lstStyle/>
         <a:p>
-          <a:pPr marL="114300" lvl="1" indent="-114300" algn="l" defTabSz="666750">
+          <a:pPr marL="171450" lvl="1" indent="-171450" algn="l" defTabSz="711200">
             <a:lnSpc>
               <a:spcPct val="90000"/>
             </a:lnSpc>
@@ -2062,29 +2305,189 @@
             <a:spcAft>
               <a:spcPct val="15000"/>
             </a:spcAft>
+            <a:buFont typeface="Arial" panose="020B0604020202020204" pitchFamily="34" charset="0"/>
             <a:buChar char="•"/>
           </a:pPr>
           <a:r>
-            <a:rPr lang="en-US" sz="1500" b="0" i="0" kern="1200"/>
-            <a:t>Despite having rich customer data, PowerCo lacks a predictive system to flag high-risk customers, resulting in reactive, rather than preventative, retention efforts.</a:t>
+            <a:rPr lang="en-US" sz="1600" kern="1200"/>
+            <a:t>Built a Random Forest model with:</a:t>
           </a:r>
-          <a:endParaRPr lang="en-US" sz="1500" kern="1200"/>
+          <a:endParaRPr lang="en-US" sz="1600" kern="1200" dirty="0"/>
+        </a:p>
+        <a:p>
+          <a:pPr marL="342900" lvl="2" indent="-171450" algn="l" defTabSz="711200">
+            <a:lnSpc>
+              <a:spcPct val="90000"/>
+            </a:lnSpc>
+            <a:spcBef>
+              <a:spcPct val="0"/>
+            </a:spcBef>
+            <a:spcAft>
+              <a:spcPct val="15000"/>
+            </a:spcAft>
+            <a:buFont typeface="Arial" panose="020B0604020202020204" pitchFamily="34" charset="0"/>
+            <a:buChar char="•"/>
+          </a:pPr>
+          <a:r>
+            <a:rPr lang="en-US" sz="1600" b="1" kern="1200"/>
+            <a:t>90% accuracy</a:t>
+          </a:r>
+          <a:endParaRPr lang="en-US" sz="1600" kern="1200"/>
+        </a:p>
+        <a:p>
+          <a:pPr marL="342900" lvl="2" indent="-171450" algn="l" defTabSz="711200">
+            <a:lnSpc>
+              <a:spcPct val="90000"/>
+            </a:lnSpc>
+            <a:spcBef>
+              <a:spcPct val="0"/>
+            </a:spcBef>
+            <a:spcAft>
+              <a:spcPct val="15000"/>
+            </a:spcAft>
+            <a:buFont typeface="Arial" panose="020B0604020202020204" pitchFamily="34" charset="0"/>
+            <a:buChar char="•"/>
+          </a:pPr>
+          <a:r>
+            <a:rPr lang="en-US" sz="1600" b="1" kern="1200"/>
+            <a:t>~70% precision</a:t>
+          </a:r>
+          <a:endParaRPr lang="en-US" sz="1600" kern="1200"/>
+        </a:p>
+        <a:p>
+          <a:pPr marL="342900" lvl="2" indent="-171450" algn="l" defTabSz="711200">
+            <a:lnSpc>
+              <a:spcPct val="90000"/>
+            </a:lnSpc>
+            <a:spcBef>
+              <a:spcPct val="0"/>
+            </a:spcBef>
+            <a:spcAft>
+              <a:spcPct val="15000"/>
+            </a:spcAft>
+            <a:buFont typeface="Arial" panose="020B0604020202020204" pitchFamily="34" charset="0"/>
+            <a:buChar char="•"/>
+          </a:pPr>
+          <a:r>
+            <a:rPr lang="en-US" sz="1600" b="1" kern="1200"/>
+            <a:t>Churn rate: 7.35%</a:t>
+          </a:r>
+          <a:endParaRPr lang="en-US" sz="1600" kern="1200"/>
+        </a:p>
+        <a:p>
+          <a:pPr marL="171450" lvl="1" indent="-171450" algn="l" defTabSz="711200">
+            <a:lnSpc>
+              <a:spcPct val="90000"/>
+            </a:lnSpc>
+            <a:spcBef>
+              <a:spcPct val="0"/>
+            </a:spcBef>
+            <a:spcAft>
+              <a:spcPct val="15000"/>
+            </a:spcAft>
+            <a:buFont typeface="Arial" panose="020B0604020202020204" pitchFamily="34" charset="0"/>
+            <a:buChar char="•"/>
+          </a:pPr>
+          <a:r>
+            <a:rPr lang="en-US" sz="1600" b="1" kern="1200"/>
+            <a:t>Top churn drivers</a:t>
+          </a:r>
+          <a:r>
+            <a:rPr lang="en-US" sz="1600" kern="1200"/>
+            <a:t>:</a:t>
+          </a:r>
+        </a:p>
+        <a:p>
+          <a:pPr marL="342900" lvl="2" indent="-171450" algn="l" defTabSz="711200">
+            <a:lnSpc>
+              <a:spcPct val="90000"/>
+            </a:lnSpc>
+            <a:spcBef>
+              <a:spcPct val="0"/>
+            </a:spcBef>
+            <a:spcAft>
+              <a:spcPct val="15000"/>
+            </a:spcAft>
+            <a:buFont typeface="Arial" panose="020B0604020202020204" pitchFamily="34" charset="0"/>
+            <a:buChar char="•"/>
+          </a:pPr>
+          <a:r>
+            <a:rPr lang="en-US" sz="1600" kern="1200"/>
+            <a:t>Low annual consumption (cons_12m)</a:t>
+          </a:r>
+        </a:p>
+        <a:p>
+          <a:pPr marL="342900" lvl="2" indent="-171450" algn="l" defTabSz="711200">
+            <a:lnSpc>
+              <a:spcPct val="90000"/>
+            </a:lnSpc>
+            <a:spcBef>
+              <a:spcPct val="0"/>
+            </a:spcBef>
+            <a:spcAft>
+              <a:spcPct val="15000"/>
+            </a:spcAft>
+            <a:buFont typeface="Arial" panose="020B0604020202020204" pitchFamily="34" charset="0"/>
+            <a:buChar char="•"/>
+          </a:pPr>
+          <a:r>
+            <a:rPr lang="en-US" sz="1600" kern="1200"/>
+            <a:t>Lower net margin per customer</a:t>
+          </a:r>
+        </a:p>
+        <a:p>
+          <a:pPr marL="342900" lvl="2" indent="-171450" algn="l" defTabSz="711200">
+            <a:lnSpc>
+              <a:spcPct val="90000"/>
+            </a:lnSpc>
+            <a:spcBef>
+              <a:spcPct val="0"/>
+            </a:spcBef>
+            <a:spcAft>
+              <a:spcPct val="15000"/>
+            </a:spcAft>
+            <a:buFont typeface="Arial" panose="020B0604020202020204" pitchFamily="34" charset="0"/>
+            <a:buChar char="•"/>
+          </a:pPr>
+          <a:r>
+            <a:rPr lang="en-US" sz="1600" kern="1200"/>
+            <a:t>Higher forecasted meter rent</a:t>
+          </a:r>
+        </a:p>
+        <a:p>
+          <a:pPr marL="342900" lvl="2" indent="-171450" algn="l" defTabSz="711200">
+            <a:lnSpc>
+              <a:spcPct val="90000"/>
+            </a:lnSpc>
+            <a:spcBef>
+              <a:spcPct val="0"/>
+            </a:spcBef>
+            <a:spcAft>
+              <a:spcPct val="15000"/>
+            </a:spcAft>
+            <a:buFont typeface="Arial" panose="020B0604020202020204" pitchFamily="34" charset="0"/>
+            <a:buChar char="•"/>
+          </a:pPr>
+          <a:r>
+            <a:rPr lang="en-US" sz="1600" kern="1200"/>
+            <a:t>Lower electricity margins (gross and net)</a:t>
+          </a:r>
         </a:p>
       </dsp:txBody>
       <dsp:txXfrm>
-        <a:off x="0" y="1617463"/>
-        <a:ext cx="6804286" cy="1015875"/>
+        <a:off x="0" y="1713924"/>
+        <a:ext cx="6804286" cy="2620800"/>
       </dsp:txXfrm>
     </dsp:sp>
-    <dsp:sp modelId="{4283E448-221B-4F99-91A5-7618843AF9B5}">
+    <dsp:sp modelId="{6D4DDD64-B0DB-4A0E-8CE5-DC5FCC13860C}">
       <dsp:nvSpPr>
         <dsp:cNvPr id="0" name=""/>
         <dsp:cNvSpPr/>
       </dsp:nvSpPr>
       <dsp:spPr>
         <a:xfrm>
-          <a:off x="340214" y="1396063"/>
-          <a:ext cx="4763000" cy="442800"/>
+          <a:off x="340214" y="1477764"/>
+          <a:ext cx="4763000" cy="472320"/>
         </a:xfrm>
         <a:prstGeom prst="roundRect">
           <a:avLst/>
@@ -2147,7 +2550,7 @@
         </a:bodyPr>
         <a:lstStyle/>
         <a:p>
-          <a:pPr marL="0" lvl="0" indent="0" algn="l" defTabSz="666750">
+          <a:pPr marL="0" lvl="0" indent="0" algn="l" defTabSz="711200">
             <a:lnSpc>
               <a:spcPct val="90000"/>
             </a:lnSpc>
@@ -2160,26 +2563,25 @@
             <a:buNone/>
           </a:pPr>
           <a:r>
-            <a:rPr lang="en-US" sz="1500" b="0" i="0" kern="1200"/>
-            <a:t>Complication</a:t>
+            <a:rPr lang="en-US" sz="1600" b="1" kern="1200" dirty="0"/>
+            <a:t> Answer</a:t>
           </a:r>
-          <a:endParaRPr lang="en-US" sz="1500" kern="1200"/>
         </a:p>
       </dsp:txBody>
       <dsp:txXfrm>
-        <a:off x="361830" y="1417679"/>
-        <a:ext cx="4719768" cy="399568"/>
+        <a:off x="363271" y="1500821"/>
+        <a:ext cx="4716886" cy="426206"/>
       </dsp:txXfrm>
     </dsp:sp>
-    <dsp:sp modelId="{B77EB18F-DBFD-43E4-8773-2EE3BABBA168}">
+    <dsp:sp modelId="{D271B5EC-F65B-45CD-ABC9-4BFFAAF9867B}">
       <dsp:nvSpPr>
         <dsp:cNvPr id="0" name=""/>
         <dsp:cNvSpPr/>
       </dsp:nvSpPr>
       <dsp:spPr>
         <a:xfrm>
-          <a:off x="0" y="2935738"/>
-          <a:ext cx="6804286" cy="826875"/>
+          <a:off x="0" y="4657285"/>
+          <a:ext cx="6804286" cy="1663200"/>
         </a:xfrm>
         <a:prstGeom prst="rect">
           <a:avLst/>
@@ -2220,12 +2622,12 @@
         <a:fontRef idx="minor"/>
       </dsp:style>
       <dsp:txBody>
-        <a:bodyPr spcFirstLastPara="0" vert="horz" wrap="square" lIns="528088" tIns="312420" rIns="528088" bIns="106680" numCol="1" spcCol="1270" anchor="t" anchorCtr="0">
+        <a:bodyPr spcFirstLastPara="0" vert="horz" wrap="square" lIns="528088" tIns="333248" rIns="528088" bIns="113792" numCol="1" spcCol="1270" anchor="t" anchorCtr="0">
           <a:noAutofit/>
         </a:bodyPr>
         <a:lstStyle/>
         <a:p>
-          <a:pPr marL="114300" lvl="1" indent="-114300" algn="l" defTabSz="666750">
+          <a:pPr marL="171450" lvl="1" indent="-171450" algn="l" defTabSz="711200">
             <a:lnSpc>
               <a:spcPct val="90000"/>
             </a:lnSpc>
@@ -2235,29 +2637,105 @@
             <a:spcAft>
               <a:spcPct val="15000"/>
             </a:spcAft>
+            <a:buFont typeface="Arial" panose="020B0604020202020204" pitchFamily="34" charset="0"/>
             <a:buChar char="•"/>
           </a:pPr>
           <a:r>
-            <a:rPr lang="en-US" sz="1500" b="0" i="0" kern="1200"/>
-            <a:t>Can we build a model to accurately identify customers at high risk of churning?</a:t>
+            <a:rPr lang="en-US" sz="1600" kern="1200" dirty="0"/>
+            <a:t>Focus retention efforts on:</a:t>
           </a:r>
-          <a:endParaRPr lang="en-US" sz="1500" kern="1200"/>
+        </a:p>
+        <a:p>
+          <a:pPr marL="342900" lvl="2" indent="-171450" algn="l" defTabSz="711200">
+            <a:lnSpc>
+              <a:spcPct val="90000"/>
+            </a:lnSpc>
+            <a:spcBef>
+              <a:spcPct val="0"/>
+            </a:spcBef>
+            <a:spcAft>
+              <a:spcPct val="15000"/>
+            </a:spcAft>
+            <a:buFont typeface="Arial" panose="020B0604020202020204" pitchFamily="34" charset="0"/>
+            <a:buChar char="•"/>
+          </a:pPr>
+          <a:r>
+            <a:rPr lang="en-US" sz="1600" kern="1200"/>
+            <a:t>Low-usage, low-margin customers</a:t>
+          </a:r>
+        </a:p>
+        <a:p>
+          <a:pPr marL="342900" lvl="2" indent="-171450" algn="l" defTabSz="711200">
+            <a:lnSpc>
+              <a:spcPct val="90000"/>
+            </a:lnSpc>
+            <a:spcBef>
+              <a:spcPct val="0"/>
+            </a:spcBef>
+            <a:spcAft>
+              <a:spcPct val="15000"/>
+            </a:spcAft>
+            <a:buFont typeface="Arial" panose="020B0604020202020204" pitchFamily="34" charset="0"/>
+            <a:buChar char="•"/>
+          </a:pPr>
+          <a:r>
+            <a:rPr lang="en-US" sz="1600" kern="1200"/>
+            <a:t>Customers facing high fixed costs (e.g., meter rent)</a:t>
+          </a:r>
+        </a:p>
+        <a:p>
+          <a:pPr marL="171450" lvl="1" indent="-171450" algn="l" defTabSz="711200">
+            <a:lnSpc>
+              <a:spcPct val="90000"/>
+            </a:lnSpc>
+            <a:spcBef>
+              <a:spcPct val="0"/>
+            </a:spcBef>
+            <a:spcAft>
+              <a:spcPct val="15000"/>
+            </a:spcAft>
+            <a:buFont typeface="Arial" panose="020B0604020202020204" pitchFamily="34" charset="0"/>
+            <a:buChar char="•"/>
+          </a:pPr>
+          <a:r>
+            <a:rPr lang="en-US" sz="1600" kern="1200"/>
+            <a:t>Consider discounts or contract adjustments for this segment</a:t>
+          </a:r>
+        </a:p>
+        <a:p>
+          <a:pPr marL="171450" lvl="1" indent="-171450" algn="l" defTabSz="711200">
+            <a:lnSpc>
+              <a:spcPct val="90000"/>
+            </a:lnSpc>
+            <a:spcBef>
+              <a:spcPct val="0"/>
+            </a:spcBef>
+            <a:spcAft>
+              <a:spcPct val="15000"/>
+            </a:spcAft>
+            <a:buFont typeface="Arial" panose="020B0604020202020204" pitchFamily="34" charset="0"/>
+            <a:buChar char="•"/>
+          </a:pPr>
+          <a:r>
+            <a:rPr lang="en-US" sz="1600" kern="1200"/>
+            <a:t>Add behavioral data to improve recall and broaden coverage</a:t>
+          </a:r>
         </a:p>
       </dsp:txBody>
       <dsp:txXfrm>
-        <a:off x="0" y="2935738"/>
-        <a:ext cx="6804286" cy="826875"/>
+        <a:off x="0" y="4657285"/>
+        <a:ext cx="6804286" cy="1663200"/>
       </dsp:txXfrm>
     </dsp:sp>
-    <dsp:sp modelId="{CA849892-26B7-4416-B1B6-EE89627DDD1F}">
+    <dsp:sp modelId="{B673A553-9A83-4051-B45A-0107C4C81342}">
       <dsp:nvSpPr>
         <dsp:cNvPr id="0" name=""/>
         <dsp:cNvSpPr/>
       </dsp:nvSpPr>
       <dsp:spPr>
         <a:xfrm>
-          <a:off x="340214" y="2714338"/>
-          <a:ext cx="4763000" cy="442800"/>
+          <a:off x="340214" y="4421125"/>
+          <a:ext cx="4763000" cy="472320"/>
         </a:xfrm>
         <a:prstGeom prst="roundRect">
           <a:avLst/>
@@ -2320,7 +2798,7 @@
         </a:bodyPr>
         <a:lstStyle/>
         <a:p>
-          <a:pPr marL="0" lvl="0" indent="0" algn="l" defTabSz="666750">
+          <a:pPr marL="0" lvl="0" indent="0" algn="l" defTabSz="711200">
             <a:lnSpc>
               <a:spcPct val="90000"/>
             </a:lnSpc>
@@ -2333,289 +2811,18 @@
             <a:buNone/>
           </a:pPr>
           <a:r>
-            <a:rPr lang="en-US" sz="1500" b="0" i="0" kern="1200"/>
-            <a:t>Question</a:t>
+            <a:rPr lang="en-US" sz="1600" b="1" kern="1200"/>
+            <a:t> </a:t>
           </a:r>
-          <a:endParaRPr lang="en-US" sz="1500" kern="1200"/>
+          <a:r>
+            <a:rPr lang="en-US" sz="1600" b="1" kern="1200" dirty="0"/>
+            <a:t>Recommendation</a:t>
+          </a:r>
         </a:p>
       </dsp:txBody>
       <dsp:txXfrm>
-        <a:off x="361830" y="2735954"/>
-        <a:ext cx="4719768" cy="399568"/>
-      </dsp:txXfrm>
-    </dsp:sp>
-    <dsp:sp modelId="{C858C8D5-EFAE-4E64-8007-39B8E760692D}">
-      <dsp:nvSpPr>
-        <dsp:cNvPr id="0" name=""/>
-        <dsp:cNvSpPr/>
-      </dsp:nvSpPr>
-      <dsp:spPr>
-        <a:xfrm>
-          <a:off x="0" y="4065013"/>
-          <a:ext cx="6804286" cy="2362500"/>
-        </a:xfrm>
-        <a:prstGeom prst="rect">
-          <a:avLst/>
-        </a:prstGeom>
-        <a:solidFill>
-          <a:schemeClr val="accent2">
-            <a:alpha val="90000"/>
-            <a:tint val="40000"/>
-            <a:hueOff val="0"/>
-            <a:satOff val="0"/>
-            <a:lumOff val="0"/>
-            <a:alphaOff val="0"/>
-          </a:schemeClr>
-        </a:solidFill>
-        <a:ln w="9525" cap="flat" cmpd="sng" algn="ctr">
-          <a:solidFill>
-            <a:schemeClr val="accent2">
-              <a:hueOff val="0"/>
-              <a:satOff val="0"/>
-              <a:lumOff val="0"/>
-              <a:alphaOff val="0"/>
-            </a:schemeClr>
-          </a:solidFill>
-          <a:prstDash val="solid"/>
-        </a:ln>
-        <a:effectLst/>
-      </dsp:spPr>
-      <dsp:style>
-        <a:lnRef idx="1">
-          <a:scrgbClr r="0" g="0" b="0"/>
-        </a:lnRef>
-        <a:fillRef idx="1">
-          <a:scrgbClr r="0" g="0" b="0"/>
-        </a:fillRef>
-        <a:effectRef idx="0">
-          <a:scrgbClr r="0" g="0" b="0"/>
-        </a:effectRef>
-        <a:fontRef idx="minor"/>
-      </dsp:style>
-      <dsp:txBody>
-        <a:bodyPr spcFirstLastPara="0" vert="horz" wrap="square" lIns="528088" tIns="312420" rIns="528088" bIns="106680" numCol="1" spcCol="1270" anchor="t" anchorCtr="0">
-          <a:noAutofit/>
-        </a:bodyPr>
-        <a:lstStyle/>
-        <a:p>
-          <a:pPr marL="114300" lvl="1" indent="-114300" algn="l" defTabSz="666750">
-            <a:lnSpc>
-              <a:spcPct val="90000"/>
-            </a:lnSpc>
-            <a:spcBef>
-              <a:spcPct val="0"/>
-            </a:spcBef>
-            <a:spcAft>
-              <a:spcPct val="15000"/>
-            </a:spcAft>
-            <a:buChar char="•"/>
-          </a:pPr>
-          <a:r>
-            <a:rPr lang="en-US" sz="1500" b="0" i="0" kern="1200" dirty="0"/>
-            <a:t>We developed a Random Forest model that achieved:</a:t>
-          </a:r>
-          <a:endParaRPr lang="en-US" sz="1500" kern="1200" dirty="0"/>
-        </a:p>
-        <a:p>
-          <a:pPr marL="228600" lvl="2" indent="-114300" algn="l" defTabSz="666750">
-            <a:lnSpc>
-              <a:spcPct val="90000"/>
-            </a:lnSpc>
-            <a:spcBef>
-              <a:spcPct val="0"/>
-            </a:spcBef>
-            <a:spcAft>
-              <a:spcPct val="15000"/>
-            </a:spcAft>
-            <a:buChar char="•"/>
-          </a:pPr>
-          <a:r>
-            <a:rPr lang="en-US" sz="1500" kern="1200">
-              <a:latin typeface="Trebuchet MS"/>
-              <a:ea typeface="Trebuchet MS"/>
-              <a:cs typeface="Trebuchet MS"/>
-              <a:sym typeface="Trebuchet MS"/>
-            </a:rPr>
-            <a:t>90% accuracy</a:t>
-          </a:r>
-          <a:endParaRPr lang="en-US" sz="1500" kern="1200" dirty="0"/>
-        </a:p>
-        <a:p>
-          <a:pPr marL="228600" lvl="2" indent="-114300" algn="l" defTabSz="666750">
-            <a:lnSpc>
-              <a:spcPct val="90000"/>
-            </a:lnSpc>
-            <a:spcBef>
-              <a:spcPct val="0"/>
-            </a:spcBef>
-            <a:spcAft>
-              <a:spcPct val="15000"/>
-            </a:spcAft>
-            <a:buChar char="•"/>
-          </a:pPr>
-          <a:r>
-            <a:rPr lang="en-US" sz="1500" kern="1200">
-              <a:latin typeface="Trebuchet MS"/>
-              <a:ea typeface="Trebuchet MS"/>
-              <a:cs typeface="Trebuchet MS"/>
-              <a:sym typeface="Trebuchet MS"/>
-            </a:rPr>
-            <a:t>~70% precision</a:t>
-          </a:r>
-          <a:endParaRPr lang="en-US" sz="1500" kern="1200" dirty="0">
-            <a:latin typeface="Trebuchet MS"/>
-            <a:ea typeface="Trebuchet MS"/>
-            <a:cs typeface="Trebuchet MS"/>
-            <a:sym typeface="Trebuchet MS"/>
-          </a:endParaRPr>
-        </a:p>
-        <a:p>
-          <a:pPr marL="228600" lvl="2" indent="-114300" algn="l" defTabSz="666750">
-            <a:lnSpc>
-              <a:spcPct val="90000"/>
-            </a:lnSpc>
-            <a:spcBef>
-              <a:spcPct val="0"/>
-            </a:spcBef>
-            <a:spcAft>
-              <a:spcPct val="15000"/>
-            </a:spcAft>
-            <a:buChar char="•"/>
-          </a:pPr>
-          <a:r>
-            <a:rPr lang="en-US" sz="1500" kern="1200">
-              <a:latin typeface="Trebuchet MS"/>
-              <a:ea typeface="Trebuchet MS"/>
-              <a:cs typeface="Trebuchet MS"/>
-              <a:sym typeface="Trebuchet MS"/>
-            </a:rPr>
-            <a:t>Low recall (~4%)</a:t>
-          </a:r>
-          <a:endParaRPr lang="en-US" sz="1500" kern="1200" dirty="0">
-            <a:latin typeface="Trebuchet MS"/>
-            <a:ea typeface="Trebuchet MS"/>
-            <a:cs typeface="Trebuchet MS"/>
-            <a:sym typeface="Trebuchet MS"/>
-          </a:endParaRPr>
-        </a:p>
-        <a:p>
-          <a:pPr marL="114300" lvl="1" indent="-114300" algn="l" defTabSz="666750">
-            <a:lnSpc>
-              <a:spcPct val="90000"/>
-            </a:lnSpc>
-            <a:spcBef>
-              <a:spcPct val="0"/>
-            </a:spcBef>
-            <a:spcAft>
-              <a:spcPct val="15000"/>
-            </a:spcAft>
-            <a:buChar char="•"/>
-          </a:pPr>
-          <a:r>
-            <a:rPr lang="en-US" sz="1500" b="0" i="0" kern="1200" dirty="0"/>
-            <a:t>The model is highly precise when flagging churners, enabling confident targeting of the most likely cases. While it currently misses many churners (low recall), it provides a practical foundation for focused retention campaigns aimed at minimizing preventable revenue loss with minimal false positives.</a:t>
-          </a:r>
-          <a:endParaRPr lang="en-US" sz="1500" kern="1200" dirty="0"/>
-        </a:p>
-      </dsp:txBody>
-      <dsp:txXfrm>
-        <a:off x="0" y="4065013"/>
-        <a:ext cx="6804286" cy="2362500"/>
-      </dsp:txXfrm>
-    </dsp:sp>
-    <dsp:sp modelId="{A4883A6F-5487-4BAB-8198-143DD9A2496D}">
-      <dsp:nvSpPr>
-        <dsp:cNvPr id="0" name=""/>
-        <dsp:cNvSpPr/>
-      </dsp:nvSpPr>
-      <dsp:spPr>
-        <a:xfrm>
-          <a:off x="340214" y="3843613"/>
-          <a:ext cx="4763000" cy="442800"/>
-        </a:xfrm>
-        <a:prstGeom prst="roundRect">
-          <a:avLst/>
-        </a:prstGeom>
-        <a:gradFill rotWithShape="0">
-          <a:gsLst>
-            <a:gs pos="0">
-              <a:schemeClr val="lt1">
-                <a:hueOff val="0"/>
-                <a:satOff val="0"/>
-                <a:lumOff val="0"/>
-                <a:alphaOff val="0"/>
-                <a:tint val="100000"/>
-                <a:shade val="100000"/>
-                <a:satMod val="130000"/>
-              </a:schemeClr>
-            </a:gs>
-            <a:gs pos="100000">
-              <a:schemeClr val="lt1">
-                <a:hueOff val="0"/>
-                <a:satOff val="0"/>
-                <a:lumOff val="0"/>
-                <a:alphaOff val="0"/>
-                <a:tint val="50000"/>
-                <a:shade val="100000"/>
-                <a:satMod val="350000"/>
-              </a:schemeClr>
-            </a:gs>
-          </a:gsLst>
-          <a:lin ang="16200000" scaled="0"/>
-        </a:gradFill>
-        <a:ln>
-          <a:noFill/>
-        </a:ln>
-        <a:effectLst>
-          <a:outerShdw blurRad="40000" dist="23000" dir="5400000" rotWithShape="0">
-            <a:srgbClr val="000000">
-              <a:alpha val="35000"/>
-            </a:srgbClr>
-          </a:outerShdw>
-        </a:effectLst>
-      </dsp:spPr>
-      <dsp:style>
-        <a:lnRef idx="0">
-          <a:scrgbClr r="0" g="0" b="0"/>
-        </a:lnRef>
-        <a:fillRef idx="3">
-          <a:scrgbClr r="0" g="0" b="0"/>
-        </a:fillRef>
-        <a:effectRef idx="2">
-          <a:scrgbClr r="0" g="0" b="0"/>
-        </a:effectRef>
-        <a:fontRef idx="minor">
-          <a:schemeClr val="lt1"/>
-        </a:fontRef>
-      </dsp:style>
-      <dsp:txBody>
-        <a:bodyPr spcFirstLastPara="0" vert="horz" wrap="square" lIns="180030" tIns="0" rIns="180030" bIns="0" numCol="1" spcCol="1270" anchor="ctr" anchorCtr="0">
-          <a:noAutofit/>
-        </a:bodyPr>
-        <a:lstStyle/>
-        <a:p>
-          <a:pPr marL="0" lvl="0" indent="0" algn="l" defTabSz="666750">
-            <a:lnSpc>
-              <a:spcPct val="90000"/>
-            </a:lnSpc>
-            <a:spcBef>
-              <a:spcPct val="0"/>
-            </a:spcBef>
-            <a:spcAft>
-              <a:spcPct val="35000"/>
-            </a:spcAft>
-            <a:buNone/>
-          </a:pPr>
-          <a:r>
-            <a:rPr lang="en-US" sz="1500" b="0" i="0" kern="1200"/>
-            <a:t>Answer</a:t>
-          </a:r>
-          <a:endParaRPr lang="en-US" sz="1500" kern="1200"/>
-        </a:p>
-      </dsp:txBody>
-      <dsp:txXfrm>
-        <a:off x="361830" y="3865229"/>
-        <a:ext cx="4719768" cy="399568"/>
+        <a:off x="363271" y="4444182"/>
+        <a:ext cx="4716886" cy="426206"/>
       </dsp:txXfrm>
     </dsp:sp>
   </dsp:spTree>
@@ -5940,7 +6147,7 @@
         <p:fade/>
       </p:transition>
     </mc:Choice>
-    <mc:Fallback xmlns:ahyp="http://schemas.microsoft.com/office/drawing/2018/hyperlinkcolor" xmlns:p15="http://schemas.microsoft.com/office/powerpoint/2012/main" xmlns:com="http://schemas.openxmlformats.org/drawingml/2006/compatibility" xmlns:pvml="urn:schemas-microsoft-com:office:powerpoint" xmlns:v="urn:schemas-microsoft-com:vml" xmlns:o="urn:schemas-microsoft-com:office:office" xmlns:dgm="http://schemas.openxmlformats.org/drawingml/2006/diagram" xmlns:c="http://schemas.openxmlformats.org/drawingml/2006/chart" xmlns:mv="urn:schemas-microsoft-com:mac:vml" xmlns="">
+    <mc:Fallback xmlns="" xmlns:mv="urn:schemas-microsoft-com:mac:vml" xmlns:c="http://schemas.openxmlformats.org/drawingml/2006/chart" xmlns:dgm="http://schemas.openxmlformats.org/drawingml/2006/diagram" xmlns:o="urn:schemas-microsoft-com:office:office" xmlns:v="urn:schemas-microsoft-com:vml" xmlns:pvml="urn:schemas-microsoft-com:office:powerpoint" xmlns:com="http://schemas.openxmlformats.org/drawingml/2006/compatibility" xmlns:p15="http://schemas.microsoft.com/office/powerpoint/2012/main" xmlns:ahyp="http://schemas.microsoft.com/office/drawing/2018/hyperlinkcolor">
       <p:transition>
         <p:fade/>
       </p:transition>
@@ -6484,7 +6691,7 @@
         <p:fade/>
       </p:transition>
     </mc:Choice>
-    <mc:Fallback xmlns:ahyp="http://schemas.microsoft.com/office/drawing/2018/hyperlinkcolor" xmlns:p15="http://schemas.microsoft.com/office/powerpoint/2012/main" xmlns:com="http://schemas.openxmlformats.org/drawingml/2006/compatibility" xmlns:pvml="urn:schemas-microsoft-com:office:powerpoint" xmlns:v="urn:schemas-microsoft-com:vml" xmlns:o="urn:schemas-microsoft-com:office:office" xmlns:dgm="http://schemas.openxmlformats.org/drawingml/2006/diagram" xmlns:c="http://schemas.openxmlformats.org/drawingml/2006/chart" xmlns:mv="urn:schemas-microsoft-com:mac:vml" xmlns="">
+    <mc:Fallback xmlns="" xmlns:mv="urn:schemas-microsoft-com:mac:vml" xmlns:c="http://schemas.openxmlformats.org/drawingml/2006/chart" xmlns:dgm="http://schemas.openxmlformats.org/drawingml/2006/diagram" xmlns:o="urn:schemas-microsoft-com:office:office" xmlns:v="urn:schemas-microsoft-com:vml" xmlns:pvml="urn:schemas-microsoft-com:office:powerpoint" xmlns:com="http://schemas.openxmlformats.org/drawingml/2006/compatibility" xmlns:p15="http://schemas.microsoft.com/office/powerpoint/2012/main" xmlns:ahyp="http://schemas.microsoft.com/office/drawing/2018/hyperlinkcolor">
       <p:transition>
         <p:fade/>
       </p:transition>
@@ -7055,7 +7262,7 @@
         <p:fade/>
       </p:transition>
     </mc:Choice>
-    <mc:Fallback xmlns:ahyp="http://schemas.microsoft.com/office/drawing/2018/hyperlinkcolor" xmlns:p15="http://schemas.microsoft.com/office/powerpoint/2012/main" xmlns:com="http://schemas.openxmlformats.org/drawingml/2006/compatibility" xmlns:pvml="urn:schemas-microsoft-com:office:powerpoint" xmlns:v="urn:schemas-microsoft-com:vml" xmlns:o="urn:schemas-microsoft-com:office:office" xmlns:dgm="http://schemas.openxmlformats.org/drawingml/2006/diagram" xmlns:c="http://schemas.openxmlformats.org/drawingml/2006/chart" xmlns:mv="urn:schemas-microsoft-com:mac:vml" xmlns="">
+    <mc:Fallback xmlns="" xmlns:mv="urn:schemas-microsoft-com:mac:vml" xmlns:c="http://schemas.openxmlformats.org/drawingml/2006/chart" xmlns:dgm="http://schemas.openxmlformats.org/drawingml/2006/diagram" xmlns:o="urn:schemas-microsoft-com:office:office" xmlns:v="urn:schemas-microsoft-com:vml" xmlns:pvml="urn:schemas-microsoft-com:office:powerpoint" xmlns:com="http://schemas.openxmlformats.org/drawingml/2006/compatibility" xmlns:p15="http://schemas.microsoft.com/office/powerpoint/2012/main" xmlns:ahyp="http://schemas.microsoft.com/office/drawing/2018/hyperlinkcolor">
       <p:transition>
         <p:fade/>
       </p:transition>
@@ -7623,7 +7830,7 @@
         <p:fade/>
       </p:transition>
     </mc:Choice>
-    <mc:Fallback xmlns:ahyp="http://schemas.microsoft.com/office/drawing/2018/hyperlinkcolor" xmlns:p15="http://schemas.microsoft.com/office/powerpoint/2012/main" xmlns:com="http://schemas.openxmlformats.org/drawingml/2006/compatibility" xmlns:pvml="urn:schemas-microsoft-com:office:powerpoint" xmlns:v="urn:schemas-microsoft-com:vml" xmlns:o="urn:schemas-microsoft-com:office:office" xmlns:dgm="http://schemas.openxmlformats.org/drawingml/2006/diagram" xmlns:c="http://schemas.openxmlformats.org/drawingml/2006/chart" xmlns:mv="urn:schemas-microsoft-com:mac:vml" xmlns="">
+    <mc:Fallback xmlns="" xmlns:mv="urn:schemas-microsoft-com:mac:vml" xmlns:c="http://schemas.openxmlformats.org/drawingml/2006/chart" xmlns:dgm="http://schemas.openxmlformats.org/drawingml/2006/diagram" xmlns:o="urn:schemas-microsoft-com:office:office" xmlns:v="urn:schemas-microsoft-com:vml" xmlns:pvml="urn:schemas-microsoft-com:office:powerpoint" xmlns:com="http://schemas.openxmlformats.org/drawingml/2006/compatibility" xmlns:p15="http://schemas.microsoft.com/office/powerpoint/2012/main" xmlns:ahyp="http://schemas.microsoft.com/office/drawing/2018/hyperlinkcolor">
       <p:transition>
         <p:fade/>
       </p:transition>
@@ -8231,7 +8438,7 @@
         <p:fade/>
       </p:transition>
     </mc:Choice>
-    <mc:Fallback xmlns:ahyp="http://schemas.microsoft.com/office/drawing/2018/hyperlinkcolor" xmlns:p15="http://schemas.microsoft.com/office/powerpoint/2012/main" xmlns:com="http://schemas.openxmlformats.org/drawingml/2006/compatibility" xmlns:pvml="urn:schemas-microsoft-com:office:powerpoint" xmlns:v="urn:schemas-microsoft-com:vml" xmlns:o="urn:schemas-microsoft-com:office:office" xmlns:dgm="http://schemas.openxmlformats.org/drawingml/2006/diagram" xmlns:c="http://schemas.openxmlformats.org/drawingml/2006/chart" xmlns:mv="urn:schemas-microsoft-com:mac:vml" xmlns="">
+    <mc:Fallback xmlns="" xmlns:mv="urn:schemas-microsoft-com:mac:vml" xmlns:c="http://schemas.openxmlformats.org/drawingml/2006/chart" xmlns:dgm="http://schemas.openxmlformats.org/drawingml/2006/diagram" xmlns:o="urn:schemas-microsoft-com:office:office" xmlns:v="urn:schemas-microsoft-com:vml" xmlns:pvml="urn:schemas-microsoft-com:office:powerpoint" xmlns:com="http://schemas.openxmlformats.org/drawingml/2006/compatibility" xmlns:p15="http://schemas.microsoft.com/office/powerpoint/2012/main" xmlns:ahyp="http://schemas.microsoft.com/office/drawing/2018/hyperlinkcolor">
       <p:transition>
         <p:fade/>
       </p:transition>
@@ -8813,7 +9020,7 @@
         <p:fade/>
       </p:transition>
     </mc:Choice>
-    <mc:Fallback xmlns:ahyp="http://schemas.microsoft.com/office/drawing/2018/hyperlinkcolor" xmlns:p15="http://schemas.microsoft.com/office/powerpoint/2012/main" xmlns:com="http://schemas.openxmlformats.org/drawingml/2006/compatibility" xmlns:pvml="urn:schemas-microsoft-com:office:powerpoint" xmlns:v="urn:schemas-microsoft-com:vml" xmlns:o="urn:schemas-microsoft-com:office:office" xmlns:dgm="http://schemas.openxmlformats.org/drawingml/2006/diagram" xmlns:c="http://schemas.openxmlformats.org/drawingml/2006/chart" xmlns:mv="urn:schemas-microsoft-com:mac:vml" xmlns="">
+    <mc:Fallback xmlns="" xmlns:mv="urn:schemas-microsoft-com:mac:vml" xmlns:c="http://schemas.openxmlformats.org/drawingml/2006/chart" xmlns:dgm="http://schemas.openxmlformats.org/drawingml/2006/diagram" xmlns:o="urn:schemas-microsoft-com:office:office" xmlns:v="urn:schemas-microsoft-com:vml" xmlns:pvml="urn:schemas-microsoft-com:office:powerpoint" xmlns:com="http://schemas.openxmlformats.org/drawingml/2006/compatibility" xmlns:p15="http://schemas.microsoft.com/office/powerpoint/2012/main" xmlns:ahyp="http://schemas.microsoft.com/office/drawing/2018/hyperlinkcolor">
       <p:transition>
         <p:fade/>
       </p:transition>
@@ -9411,7 +9618,7 @@
         <p:fade/>
       </p:transition>
     </mc:Choice>
-    <mc:Fallback xmlns:ahyp="http://schemas.microsoft.com/office/drawing/2018/hyperlinkcolor" xmlns:p15="http://schemas.microsoft.com/office/powerpoint/2012/main" xmlns:com="http://schemas.openxmlformats.org/drawingml/2006/compatibility" xmlns:pvml="urn:schemas-microsoft-com:office:powerpoint" xmlns:v="urn:schemas-microsoft-com:vml" xmlns:o="urn:schemas-microsoft-com:office:office" xmlns:dgm="http://schemas.openxmlformats.org/drawingml/2006/diagram" xmlns:c="http://schemas.openxmlformats.org/drawingml/2006/chart" xmlns:mv="urn:schemas-microsoft-com:mac:vml" xmlns="">
+    <mc:Fallback xmlns="" xmlns:mv="urn:schemas-microsoft-com:mac:vml" xmlns:c="http://schemas.openxmlformats.org/drawingml/2006/chart" xmlns:dgm="http://schemas.openxmlformats.org/drawingml/2006/diagram" xmlns:o="urn:schemas-microsoft-com:office:office" xmlns:v="urn:schemas-microsoft-com:vml" xmlns:pvml="urn:schemas-microsoft-com:office:powerpoint" xmlns:com="http://schemas.openxmlformats.org/drawingml/2006/compatibility" xmlns:p15="http://schemas.microsoft.com/office/powerpoint/2012/main" xmlns:ahyp="http://schemas.microsoft.com/office/drawing/2018/hyperlinkcolor">
       <p:transition>
         <p:fade/>
       </p:transition>
@@ -9997,7 +10204,7 @@
         <p:fade/>
       </p:transition>
     </mc:Choice>
-    <mc:Fallback xmlns:ahyp="http://schemas.microsoft.com/office/drawing/2018/hyperlinkcolor" xmlns:p15="http://schemas.microsoft.com/office/powerpoint/2012/main" xmlns:com="http://schemas.openxmlformats.org/drawingml/2006/compatibility" xmlns:pvml="urn:schemas-microsoft-com:office:powerpoint" xmlns:v="urn:schemas-microsoft-com:vml" xmlns:o="urn:schemas-microsoft-com:office:office" xmlns:dgm="http://schemas.openxmlformats.org/drawingml/2006/diagram" xmlns:c="http://schemas.openxmlformats.org/drawingml/2006/chart" xmlns:mv="urn:schemas-microsoft-com:mac:vml" xmlns="">
+    <mc:Fallback xmlns="" xmlns:mv="urn:schemas-microsoft-com:mac:vml" xmlns:c="http://schemas.openxmlformats.org/drawingml/2006/chart" xmlns:dgm="http://schemas.openxmlformats.org/drawingml/2006/diagram" xmlns:o="urn:schemas-microsoft-com:office:office" xmlns:v="urn:schemas-microsoft-com:vml" xmlns:pvml="urn:schemas-microsoft-com:office:powerpoint" xmlns:com="http://schemas.openxmlformats.org/drawingml/2006/compatibility" xmlns:p15="http://schemas.microsoft.com/office/powerpoint/2012/main" xmlns:ahyp="http://schemas.microsoft.com/office/drawing/2018/hyperlinkcolor">
       <p:transition>
         <p:fade/>
       </p:transition>
@@ -10586,7 +10793,7 @@
         <p:fade/>
       </p:transition>
     </mc:Choice>
-    <mc:Fallback xmlns:ahyp="http://schemas.microsoft.com/office/drawing/2018/hyperlinkcolor" xmlns:p15="http://schemas.microsoft.com/office/powerpoint/2012/main" xmlns:com="http://schemas.openxmlformats.org/drawingml/2006/compatibility" xmlns:pvml="urn:schemas-microsoft-com:office:powerpoint" xmlns:v="urn:schemas-microsoft-com:vml" xmlns:o="urn:schemas-microsoft-com:office:office" xmlns:dgm="http://schemas.openxmlformats.org/drawingml/2006/diagram" xmlns:c="http://schemas.openxmlformats.org/drawingml/2006/chart" xmlns:mv="urn:schemas-microsoft-com:mac:vml" xmlns="">
+    <mc:Fallback xmlns="" xmlns:mv="urn:schemas-microsoft-com:mac:vml" xmlns:c="http://schemas.openxmlformats.org/drawingml/2006/chart" xmlns:dgm="http://schemas.openxmlformats.org/drawingml/2006/diagram" xmlns:o="urn:schemas-microsoft-com:office:office" xmlns:v="urn:schemas-microsoft-com:vml" xmlns:pvml="urn:schemas-microsoft-com:office:powerpoint" xmlns:com="http://schemas.openxmlformats.org/drawingml/2006/compatibility" xmlns:p15="http://schemas.microsoft.com/office/powerpoint/2012/main" xmlns:ahyp="http://schemas.microsoft.com/office/drawing/2018/hyperlinkcolor">
       <p:transition>
         <p:fade/>
       </p:transition>
@@ -11207,7 +11414,7 @@
         <p:fade/>
       </p:transition>
     </mc:Choice>
-    <mc:Fallback xmlns:ahyp="http://schemas.microsoft.com/office/drawing/2018/hyperlinkcolor" xmlns:p15="http://schemas.microsoft.com/office/powerpoint/2012/main" xmlns:com="http://schemas.openxmlformats.org/drawingml/2006/compatibility" xmlns:pvml="urn:schemas-microsoft-com:office:powerpoint" xmlns:v="urn:schemas-microsoft-com:vml" xmlns:o="urn:schemas-microsoft-com:office:office" xmlns:dgm="http://schemas.openxmlformats.org/drawingml/2006/diagram" xmlns:c="http://schemas.openxmlformats.org/drawingml/2006/chart" xmlns:mv="urn:schemas-microsoft-com:mac:vml" xmlns="">
+    <mc:Fallback xmlns="" xmlns:mv="urn:schemas-microsoft-com:mac:vml" xmlns:c="http://schemas.openxmlformats.org/drawingml/2006/chart" xmlns:dgm="http://schemas.openxmlformats.org/drawingml/2006/diagram" xmlns:o="urn:schemas-microsoft-com:office:office" xmlns:v="urn:schemas-microsoft-com:vml" xmlns:pvml="urn:schemas-microsoft-com:office:powerpoint" xmlns:com="http://schemas.openxmlformats.org/drawingml/2006/compatibility" xmlns:p15="http://schemas.microsoft.com/office/powerpoint/2012/main" xmlns:ahyp="http://schemas.microsoft.com/office/drawing/2018/hyperlinkcolor">
       <p:transition>
         <p:fade/>
       </p:transition>
@@ -11815,7 +12022,7 @@
         <p:fade/>
       </p:transition>
     </mc:Choice>
-    <mc:Fallback xmlns:ahyp="http://schemas.microsoft.com/office/drawing/2018/hyperlinkcolor" xmlns:p15="http://schemas.microsoft.com/office/powerpoint/2012/main" xmlns:com="http://schemas.openxmlformats.org/drawingml/2006/compatibility" xmlns:pvml="urn:schemas-microsoft-com:office:powerpoint" xmlns:v="urn:schemas-microsoft-com:vml" xmlns:o="urn:schemas-microsoft-com:office:office" xmlns:dgm="http://schemas.openxmlformats.org/drawingml/2006/diagram" xmlns:c="http://schemas.openxmlformats.org/drawingml/2006/chart" xmlns:mv="urn:schemas-microsoft-com:mac:vml" xmlns="">
+    <mc:Fallback xmlns="" xmlns:mv="urn:schemas-microsoft-com:mac:vml" xmlns:c="http://schemas.openxmlformats.org/drawingml/2006/chart" xmlns:dgm="http://schemas.openxmlformats.org/drawingml/2006/diagram" xmlns:o="urn:schemas-microsoft-com:office:office" xmlns:v="urn:schemas-microsoft-com:vml" xmlns:pvml="urn:schemas-microsoft-com:office:powerpoint" xmlns:com="http://schemas.openxmlformats.org/drawingml/2006/compatibility" xmlns:p15="http://schemas.microsoft.com/office/powerpoint/2012/main" xmlns:ahyp="http://schemas.microsoft.com/office/drawing/2018/hyperlinkcolor">
       <p:transition>
         <p:fade/>
       </p:transition>
@@ -14647,7 +14854,7 @@
         <p:fade/>
       </p:transition>
     </mc:Choice>
-    <mc:Fallback xmlns:ahyp="http://schemas.microsoft.com/office/drawing/2018/hyperlinkcolor" xmlns:p15="http://schemas.microsoft.com/office/powerpoint/2012/main" xmlns:com="http://schemas.openxmlformats.org/drawingml/2006/compatibility" xmlns:pvml="urn:schemas-microsoft-com:office:powerpoint" xmlns:v="urn:schemas-microsoft-com:vml" xmlns:o="urn:schemas-microsoft-com:office:office" xmlns:dgm="http://schemas.openxmlformats.org/drawingml/2006/diagram" xmlns:c="http://schemas.openxmlformats.org/drawingml/2006/chart" xmlns:mv="urn:schemas-microsoft-com:mac:vml" xmlns="">
+    <mc:Fallback xmlns="" xmlns:mv="urn:schemas-microsoft-com:mac:vml" xmlns:c="http://schemas.openxmlformats.org/drawingml/2006/chart" xmlns:dgm="http://schemas.openxmlformats.org/drawingml/2006/diagram" xmlns:o="urn:schemas-microsoft-com:office:office" xmlns:v="urn:schemas-microsoft-com:vml" xmlns:pvml="urn:schemas-microsoft-com:office:powerpoint" xmlns:com="http://schemas.openxmlformats.org/drawingml/2006/compatibility" xmlns:p15="http://schemas.microsoft.com/office/powerpoint/2012/main" xmlns:ahyp="http://schemas.microsoft.com/office/drawing/2018/hyperlinkcolor">
       <p:transition>
         <p:fade/>
       </p:transition>
@@ -15116,7 +15323,7 @@
         <p:fade/>
       </p:transition>
     </mc:Choice>
-    <mc:Fallback xmlns:ahyp="http://schemas.microsoft.com/office/drawing/2018/hyperlinkcolor" xmlns:p15="http://schemas.microsoft.com/office/powerpoint/2012/main" xmlns:com="http://schemas.openxmlformats.org/drawingml/2006/compatibility" xmlns:pvml="urn:schemas-microsoft-com:office:powerpoint" xmlns:v="urn:schemas-microsoft-com:vml" xmlns:o="urn:schemas-microsoft-com:office:office" xmlns:dgm="http://schemas.openxmlformats.org/drawingml/2006/diagram" xmlns:c="http://schemas.openxmlformats.org/drawingml/2006/chart" xmlns:mv="urn:schemas-microsoft-com:mac:vml" xmlns="">
+    <mc:Fallback xmlns="" xmlns:mv="urn:schemas-microsoft-com:mac:vml" xmlns:c="http://schemas.openxmlformats.org/drawingml/2006/chart" xmlns:dgm="http://schemas.openxmlformats.org/drawingml/2006/diagram" xmlns:o="urn:schemas-microsoft-com:office:office" xmlns:v="urn:schemas-microsoft-com:vml" xmlns:pvml="urn:schemas-microsoft-com:office:powerpoint" xmlns:com="http://schemas.openxmlformats.org/drawingml/2006/compatibility" xmlns:p15="http://schemas.microsoft.com/office/powerpoint/2012/main" xmlns:ahyp="http://schemas.microsoft.com/office/drawing/2018/hyperlinkcolor">
       <p:transition>
         <p:fade/>
       </p:transition>
@@ -15563,7 +15770,7 @@
         <p:fade/>
       </p:transition>
     </mc:Choice>
-    <mc:Fallback xmlns:ahyp="http://schemas.microsoft.com/office/drawing/2018/hyperlinkcolor" xmlns:p15="http://schemas.microsoft.com/office/powerpoint/2012/main" xmlns:com="http://schemas.openxmlformats.org/drawingml/2006/compatibility" xmlns:pvml="urn:schemas-microsoft-com:office:powerpoint" xmlns:v="urn:schemas-microsoft-com:vml" xmlns:o="urn:schemas-microsoft-com:office:office" xmlns:dgm="http://schemas.openxmlformats.org/drawingml/2006/diagram" xmlns:c="http://schemas.openxmlformats.org/drawingml/2006/chart" xmlns:mv="urn:schemas-microsoft-com:mac:vml" xmlns="">
+    <mc:Fallback xmlns="" xmlns:mv="urn:schemas-microsoft-com:mac:vml" xmlns:c="http://schemas.openxmlformats.org/drawingml/2006/chart" xmlns:dgm="http://schemas.openxmlformats.org/drawingml/2006/diagram" xmlns:o="urn:schemas-microsoft-com:office:office" xmlns:v="urn:schemas-microsoft-com:vml" xmlns:pvml="urn:schemas-microsoft-com:office:powerpoint" xmlns:com="http://schemas.openxmlformats.org/drawingml/2006/compatibility" xmlns:p15="http://schemas.microsoft.com/office/powerpoint/2012/main" xmlns:ahyp="http://schemas.microsoft.com/office/drawing/2018/hyperlinkcolor">
       <p:transition>
         <p:fade/>
       </p:transition>
@@ -15806,7 +16013,7 @@
         <p:fade/>
       </p:transition>
     </mc:Choice>
-    <mc:Fallback xmlns:ahyp="http://schemas.microsoft.com/office/drawing/2018/hyperlinkcolor" xmlns:p15="http://schemas.microsoft.com/office/powerpoint/2012/main" xmlns:com="http://schemas.openxmlformats.org/drawingml/2006/compatibility" xmlns:pvml="urn:schemas-microsoft-com:office:powerpoint" xmlns:v="urn:schemas-microsoft-com:vml" xmlns:o="urn:schemas-microsoft-com:office:office" xmlns:dgm="http://schemas.openxmlformats.org/drawingml/2006/diagram" xmlns:c="http://schemas.openxmlformats.org/drawingml/2006/chart" xmlns:mv="urn:schemas-microsoft-com:mac:vml" xmlns="">
+    <mc:Fallback xmlns="" xmlns:mv="urn:schemas-microsoft-com:mac:vml" xmlns:c="http://schemas.openxmlformats.org/drawingml/2006/chart" xmlns:dgm="http://schemas.openxmlformats.org/drawingml/2006/diagram" xmlns:o="urn:schemas-microsoft-com:office:office" xmlns:v="urn:schemas-microsoft-com:vml" xmlns:pvml="urn:schemas-microsoft-com:office:powerpoint" xmlns:com="http://schemas.openxmlformats.org/drawingml/2006/compatibility" xmlns:p15="http://schemas.microsoft.com/office/powerpoint/2012/main" xmlns:ahyp="http://schemas.microsoft.com/office/drawing/2018/hyperlinkcolor">
       <p:transition>
         <p:fade/>
       </p:transition>
@@ -16267,7 +16474,7 @@
         <p:fade/>
       </p:transition>
     </mc:Choice>
-    <mc:Fallback xmlns:ahyp="http://schemas.microsoft.com/office/drawing/2018/hyperlinkcolor" xmlns:p15="http://schemas.microsoft.com/office/powerpoint/2012/main" xmlns:com="http://schemas.openxmlformats.org/drawingml/2006/compatibility" xmlns:pvml="urn:schemas-microsoft-com:office:powerpoint" xmlns:v="urn:schemas-microsoft-com:vml" xmlns:o="urn:schemas-microsoft-com:office:office" xmlns:dgm="http://schemas.openxmlformats.org/drawingml/2006/diagram" xmlns:c="http://schemas.openxmlformats.org/drawingml/2006/chart" xmlns:mv="urn:schemas-microsoft-com:mac:vml" xmlns="">
+    <mc:Fallback xmlns="" xmlns:mv="urn:schemas-microsoft-com:mac:vml" xmlns:c="http://schemas.openxmlformats.org/drawingml/2006/chart" xmlns:dgm="http://schemas.openxmlformats.org/drawingml/2006/diagram" xmlns:o="urn:schemas-microsoft-com:office:office" xmlns:v="urn:schemas-microsoft-com:vml" xmlns:pvml="urn:schemas-microsoft-com:office:powerpoint" xmlns:com="http://schemas.openxmlformats.org/drawingml/2006/compatibility" xmlns:p15="http://schemas.microsoft.com/office/powerpoint/2012/main" xmlns:ahyp="http://schemas.microsoft.com/office/drawing/2018/hyperlinkcolor">
       <p:transition>
         <p:fade/>
       </p:transition>
@@ -16514,7 +16721,7 @@
         <p:fade/>
       </p:transition>
     </mc:Choice>
-    <mc:Fallback xmlns:ahyp="http://schemas.microsoft.com/office/drawing/2018/hyperlinkcolor" xmlns:p15="http://schemas.microsoft.com/office/powerpoint/2012/main" xmlns:com="http://schemas.openxmlformats.org/drawingml/2006/compatibility" xmlns:pvml="urn:schemas-microsoft-com:office:powerpoint" xmlns:v="urn:schemas-microsoft-com:vml" xmlns:o="urn:schemas-microsoft-com:office:office" xmlns:dgm="http://schemas.openxmlformats.org/drawingml/2006/diagram" xmlns:c="http://schemas.openxmlformats.org/drawingml/2006/chart" xmlns:mv="urn:schemas-microsoft-com:mac:vml" xmlns="">
+    <mc:Fallback xmlns="" xmlns:mv="urn:schemas-microsoft-com:mac:vml" xmlns:c="http://schemas.openxmlformats.org/drawingml/2006/chart" xmlns:dgm="http://schemas.openxmlformats.org/drawingml/2006/diagram" xmlns:o="urn:schemas-microsoft-com:office:office" xmlns:v="urn:schemas-microsoft-com:vml" xmlns:pvml="urn:schemas-microsoft-com:office:powerpoint" xmlns:com="http://schemas.openxmlformats.org/drawingml/2006/compatibility" xmlns:p15="http://schemas.microsoft.com/office/powerpoint/2012/main" xmlns:ahyp="http://schemas.microsoft.com/office/drawing/2018/hyperlinkcolor">
       <p:transition>
         <p:fade/>
       </p:transition>
@@ -16835,7 +17042,7 @@
         <p:fade/>
       </p:transition>
     </mc:Choice>
-    <mc:Fallback xmlns:ahyp="http://schemas.microsoft.com/office/drawing/2018/hyperlinkcolor" xmlns:p15="http://schemas.microsoft.com/office/powerpoint/2012/main" xmlns:com="http://schemas.openxmlformats.org/drawingml/2006/compatibility" xmlns:pvml="urn:schemas-microsoft-com:office:powerpoint" xmlns:v="urn:schemas-microsoft-com:vml" xmlns:o="urn:schemas-microsoft-com:office:office" xmlns:dgm="http://schemas.openxmlformats.org/drawingml/2006/diagram" xmlns:c="http://schemas.openxmlformats.org/drawingml/2006/chart" xmlns:mv="urn:schemas-microsoft-com:mac:vml" xmlns="">
+    <mc:Fallback xmlns="" xmlns:mv="urn:schemas-microsoft-com:mac:vml" xmlns:c="http://schemas.openxmlformats.org/drawingml/2006/chart" xmlns:dgm="http://schemas.openxmlformats.org/drawingml/2006/diagram" xmlns:o="urn:schemas-microsoft-com:office:office" xmlns:v="urn:schemas-microsoft-com:vml" xmlns:pvml="urn:schemas-microsoft-com:office:powerpoint" xmlns:com="http://schemas.openxmlformats.org/drawingml/2006/compatibility" xmlns:p15="http://schemas.microsoft.com/office/powerpoint/2012/main" xmlns:ahyp="http://schemas.microsoft.com/office/drawing/2018/hyperlinkcolor">
       <p:transition>
         <p:fade/>
       </p:transition>
@@ -17397,7 +17604,7 @@
         <p:fade/>
       </p:transition>
     </mc:Choice>
-    <mc:Fallback xmlns:ahyp="http://schemas.microsoft.com/office/drawing/2018/hyperlinkcolor" xmlns:p15="http://schemas.microsoft.com/office/powerpoint/2012/main" xmlns:com="http://schemas.openxmlformats.org/drawingml/2006/compatibility" xmlns:pvml="urn:schemas-microsoft-com:office:powerpoint" xmlns:v="urn:schemas-microsoft-com:vml" xmlns:o="urn:schemas-microsoft-com:office:office" xmlns:dgm="http://schemas.openxmlformats.org/drawingml/2006/diagram" xmlns:c="http://schemas.openxmlformats.org/drawingml/2006/chart" xmlns:mv="urn:schemas-microsoft-com:mac:vml" xmlns="">
+    <mc:Fallback xmlns="" xmlns:mv="urn:schemas-microsoft-com:mac:vml" xmlns:c="http://schemas.openxmlformats.org/drawingml/2006/chart" xmlns:dgm="http://schemas.openxmlformats.org/drawingml/2006/diagram" xmlns:o="urn:schemas-microsoft-com:office:office" xmlns:v="urn:schemas-microsoft-com:vml" xmlns:pvml="urn:schemas-microsoft-com:office:powerpoint" xmlns:com="http://schemas.openxmlformats.org/drawingml/2006/compatibility" xmlns:p15="http://schemas.microsoft.com/office/powerpoint/2012/main" xmlns:ahyp="http://schemas.microsoft.com/office/drawing/2018/hyperlinkcolor">
       <p:transition>
         <p:fade/>
       </p:transition>
@@ -19666,7 +19873,7 @@
         <p:fade/>
       </p:transition>
     </mc:Choice>
-    <mc:Fallback xmlns:ahyp="http://schemas.microsoft.com/office/drawing/2018/hyperlinkcolor" xmlns:p15="http://schemas.microsoft.com/office/powerpoint/2012/main" xmlns:com="http://schemas.openxmlformats.org/drawingml/2006/compatibility" xmlns:pvml="urn:schemas-microsoft-com:office:powerpoint" xmlns:v="urn:schemas-microsoft-com:vml" xmlns:o="urn:schemas-microsoft-com:office:office" xmlns:dgm="http://schemas.openxmlformats.org/drawingml/2006/diagram" xmlns:c="http://schemas.openxmlformats.org/drawingml/2006/chart" xmlns:mv="urn:schemas-microsoft-com:mac:vml" xmlns="">
+    <mc:Fallback xmlns="" xmlns:mv="urn:schemas-microsoft-com:mac:vml" xmlns:c="http://schemas.openxmlformats.org/drawingml/2006/chart" xmlns:dgm="http://schemas.openxmlformats.org/drawingml/2006/diagram" xmlns:o="urn:schemas-microsoft-com:office:office" xmlns:v="urn:schemas-microsoft-com:vml" xmlns:pvml="urn:schemas-microsoft-com:office:powerpoint" xmlns:com="http://schemas.openxmlformats.org/drawingml/2006/compatibility" xmlns:p15="http://schemas.microsoft.com/office/powerpoint/2012/main" xmlns:ahyp="http://schemas.microsoft.com/office/drawing/2018/hyperlinkcolor">
       <p:transition>
         <p:fade/>
       </p:transition>
@@ -21852,7 +22059,7 @@
         <p:fade/>
       </p:transition>
     </mc:Choice>
-    <mc:Fallback xmlns:ahyp="http://schemas.microsoft.com/office/drawing/2018/hyperlinkcolor" xmlns:p15="http://schemas.microsoft.com/office/powerpoint/2012/main" xmlns:com="http://schemas.openxmlformats.org/drawingml/2006/compatibility" xmlns:pvml="urn:schemas-microsoft-com:office:powerpoint" xmlns:v="urn:schemas-microsoft-com:vml" xmlns:o="urn:schemas-microsoft-com:office:office" xmlns:dgm="http://schemas.openxmlformats.org/drawingml/2006/diagram" xmlns:c="http://schemas.openxmlformats.org/drawingml/2006/chart" xmlns:mv="urn:schemas-microsoft-com:mac:vml" xmlns="">
+    <mc:Fallback xmlns="" xmlns:mv="urn:schemas-microsoft-com:mac:vml" xmlns:c="http://schemas.openxmlformats.org/drawingml/2006/chart" xmlns:dgm="http://schemas.openxmlformats.org/drawingml/2006/diagram" xmlns:o="urn:schemas-microsoft-com:office:office" xmlns:v="urn:schemas-microsoft-com:vml" xmlns:pvml="urn:schemas-microsoft-com:office:powerpoint" xmlns:com="http://schemas.openxmlformats.org/drawingml/2006/compatibility" xmlns:p15="http://schemas.microsoft.com/office/powerpoint/2012/main" xmlns:ahyp="http://schemas.microsoft.com/office/drawing/2018/hyperlinkcolor">
       <p:transition>
         <p:fade/>
       </p:transition>
@@ -24684,7 +24891,7 @@
         <p:fade/>
       </p:transition>
     </mc:Choice>
-    <mc:Fallback xmlns:ahyp="http://schemas.microsoft.com/office/drawing/2018/hyperlinkcolor" xmlns:p15="http://schemas.microsoft.com/office/powerpoint/2012/main" xmlns:com="http://schemas.openxmlformats.org/drawingml/2006/compatibility" xmlns:pvml="urn:schemas-microsoft-com:office:powerpoint" xmlns:v="urn:schemas-microsoft-com:vml" xmlns:o="urn:schemas-microsoft-com:office:office" xmlns:dgm="http://schemas.openxmlformats.org/drawingml/2006/diagram" xmlns:c="http://schemas.openxmlformats.org/drawingml/2006/chart" xmlns:mv="urn:schemas-microsoft-com:mac:vml" xmlns="">
+    <mc:Fallback xmlns="" xmlns:mv="urn:schemas-microsoft-com:mac:vml" xmlns:c="http://schemas.openxmlformats.org/drawingml/2006/chart" xmlns:dgm="http://schemas.openxmlformats.org/drawingml/2006/diagram" xmlns:o="urn:schemas-microsoft-com:office:office" xmlns:v="urn:schemas-microsoft-com:vml" xmlns:pvml="urn:schemas-microsoft-com:office:powerpoint" xmlns:com="http://schemas.openxmlformats.org/drawingml/2006/compatibility" xmlns:p15="http://schemas.microsoft.com/office/powerpoint/2012/main" xmlns:ahyp="http://schemas.microsoft.com/office/drawing/2018/hyperlinkcolor">
       <p:transition>
         <p:fade/>
       </p:transition>
@@ -25076,7 +25283,7 @@
         <p:fade/>
       </p:transition>
     </mc:Choice>
-    <mc:Fallback xmlns:ahyp="http://schemas.microsoft.com/office/drawing/2018/hyperlinkcolor" xmlns:p15="http://schemas.microsoft.com/office/powerpoint/2012/main" xmlns:com="http://schemas.openxmlformats.org/drawingml/2006/compatibility" xmlns:pvml="urn:schemas-microsoft-com:office:powerpoint" xmlns:v="urn:schemas-microsoft-com:vml" xmlns:o="urn:schemas-microsoft-com:office:office" xmlns:dgm="http://schemas.openxmlformats.org/drawingml/2006/diagram" xmlns:c="http://schemas.openxmlformats.org/drawingml/2006/chart" xmlns:mv="urn:schemas-microsoft-com:mac:vml" xmlns="">
+    <mc:Fallback xmlns="" xmlns:mv="urn:schemas-microsoft-com:mac:vml" xmlns:c="http://schemas.openxmlformats.org/drawingml/2006/chart" xmlns:dgm="http://schemas.openxmlformats.org/drawingml/2006/diagram" xmlns:o="urn:schemas-microsoft-com:office:office" xmlns:v="urn:schemas-microsoft-com:vml" xmlns:pvml="urn:schemas-microsoft-com:office:powerpoint" xmlns:com="http://schemas.openxmlformats.org/drawingml/2006/compatibility" xmlns:p15="http://schemas.microsoft.com/office/powerpoint/2012/main" xmlns:ahyp="http://schemas.microsoft.com/office/drawing/2018/hyperlinkcolor">
       <p:transition>
         <p:fade/>
       </p:transition>
@@ -25460,7 +25667,7 @@
         <p:fade/>
       </p:transition>
     </mc:Choice>
-    <mc:Fallback xmlns:ahyp="http://schemas.microsoft.com/office/drawing/2018/hyperlinkcolor" xmlns:p15="http://schemas.microsoft.com/office/powerpoint/2012/main" xmlns:com="http://schemas.openxmlformats.org/drawingml/2006/compatibility" xmlns:pvml="urn:schemas-microsoft-com:office:powerpoint" xmlns:v="urn:schemas-microsoft-com:vml" xmlns:o="urn:schemas-microsoft-com:office:office" xmlns:dgm="http://schemas.openxmlformats.org/drawingml/2006/diagram" xmlns:c="http://schemas.openxmlformats.org/drawingml/2006/chart" xmlns:mv="urn:schemas-microsoft-com:mac:vml" xmlns="">
+    <mc:Fallback xmlns="" xmlns:mv="urn:schemas-microsoft-com:mac:vml" xmlns:c="http://schemas.openxmlformats.org/drawingml/2006/chart" xmlns:dgm="http://schemas.openxmlformats.org/drawingml/2006/diagram" xmlns:o="urn:schemas-microsoft-com:office:office" xmlns:v="urn:schemas-microsoft-com:vml" xmlns:pvml="urn:schemas-microsoft-com:office:powerpoint" xmlns:com="http://schemas.openxmlformats.org/drawingml/2006/compatibility" xmlns:p15="http://schemas.microsoft.com/office/powerpoint/2012/main" xmlns:ahyp="http://schemas.microsoft.com/office/drawing/2018/hyperlinkcolor">
       <p:transition>
         <p:fade/>
       </p:transition>
@@ -25883,7 +26090,7 @@
         <p:fade/>
       </p:transition>
     </mc:Choice>
-    <mc:Fallback xmlns:ahyp="http://schemas.microsoft.com/office/drawing/2018/hyperlinkcolor" xmlns:p15="http://schemas.microsoft.com/office/powerpoint/2012/main" xmlns:com="http://schemas.openxmlformats.org/drawingml/2006/compatibility" xmlns:pvml="urn:schemas-microsoft-com:office:powerpoint" xmlns:v="urn:schemas-microsoft-com:vml" xmlns:o="urn:schemas-microsoft-com:office:office" xmlns:dgm="http://schemas.openxmlformats.org/drawingml/2006/diagram" xmlns:c="http://schemas.openxmlformats.org/drawingml/2006/chart" xmlns:mv="urn:schemas-microsoft-com:mac:vml" xmlns="">
+    <mc:Fallback xmlns="" xmlns:mv="urn:schemas-microsoft-com:mac:vml" xmlns:c="http://schemas.openxmlformats.org/drawingml/2006/chart" xmlns:dgm="http://schemas.openxmlformats.org/drawingml/2006/diagram" xmlns:o="urn:schemas-microsoft-com:office:office" xmlns:v="urn:schemas-microsoft-com:vml" xmlns:pvml="urn:schemas-microsoft-com:office:powerpoint" xmlns:com="http://schemas.openxmlformats.org/drawingml/2006/compatibility" xmlns:p15="http://schemas.microsoft.com/office/powerpoint/2012/main" xmlns:ahyp="http://schemas.microsoft.com/office/drawing/2018/hyperlinkcolor">
       <p:transition>
         <p:fade/>
       </p:transition>
@@ -26512,7 +26719,7 @@
         <p:fade/>
       </p:transition>
     </mc:Choice>
-    <mc:Fallback xmlns:ahyp="http://schemas.microsoft.com/office/drawing/2018/hyperlinkcolor" xmlns:p15="http://schemas.microsoft.com/office/powerpoint/2012/main" xmlns:com="http://schemas.openxmlformats.org/drawingml/2006/compatibility" xmlns:pvml="urn:schemas-microsoft-com:office:powerpoint" xmlns:v="urn:schemas-microsoft-com:vml" xmlns:o="urn:schemas-microsoft-com:office:office" xmlns:dgm="http://schemas.openxmlformats.org/drawingml/2006/diagram" xmlns:c="http://schemas.openxmlformats.org/drawingml/2006/chart" xmlns:mv="urn:schemas-microsoft-com:mac:vml" xmlns="">
+    <mc:Fallback xmlns="" xmlns:mv="urn:schemas-microsoft-com:mac:vml" xmlns:c="http://schemas.openxmlformats.org/drawingml/2006/chart" xmlns:dgm="http://schemas.openxmlformats.org/drawingml/2006/diagram" xmlns:o="urn:schemas-microsoft-com:office:office" xmlns:v="urn:schemas-microsoft-com:vml" xmlns:pvml="urn:schemas-microsoft-com:office:powerpoint" xmlns:com="http://schemas.openxmlformats.org/drawingml/2006/compatibility" xmlns:p15="http://schemas.microsoft.com/office/powerpoint/2012/main" xmlns:ahyp="http://schemas.microsoft.com/office/drawing/2018/hyperlinkcolor">
       <p:transition>
         <p:fade/>
       </p:transition>
@@ -26967,7 +27174,7 @@
         <p:fade/>
       </p:transition>
     </mc:Choice>
-    <mc:Fallback xmlns:ahyp="http://schemas.microsoft.com/office/drawing/2018/hyperlinkcolor" xmlns:p15="http://schemas.microsoft.com/office/powerpoint/2012/main" xmlns:com="http://schemas.openxmlformats.org/drawingml/2006/compatibility" xmlns:pvml="urn:schemas-microsoft-com:office:powerpoint" xmlns:v="urn:schemas-microsoft-com:vml" xmlns:o="urn:schemas-microsoft-com:office:office" xmlns:dgm="http://schemas.openxmlformats.org/drawingml/2006/diagram" xmlns:c="http://schemas.openxmlformats.org/drawingml/2006/chart" xmlns:mv="urn:schemas-microsoft-com:mac:vml" xmlns="">
+    <mc:Fallback xmlns="" xmlns:mv="urn:schemas-microsoft-com:mac:vml" xmlns:c="http://schemas.openxmlformats.org/drawingml/2006/chart" xmlns:dgm="http://schemas.openxmlformats.org/drawingml/2006/diagram" xmlns:o="urn:schemas-microsoft-com:office:office" xmlns:v="urn:schemas-microsoft-com:vml" xmlns:pvml="urn:schemas-microsoft-com:office:powerpoint" xmlns:com="http://schemas.openxmlformats.org/drawingml/2006/compatibility" xmlns:p15="http://schemas.microsoft.com/office/powerpoint/2012/main" xmlns:ahyp="http://schemas.microsoft.com/office/drawing/2018/hyperlinkcolor">
       <p:transition>
         <p:fade/>
       </p:transition>
@@ -27327,7 +27534,7 @@
         <p:fade/>
       </p:transition>
     </mc:Choice>
-    <mc:Fallback xmlns:ahyp="http://schemas.microsoft.com/office/drawing/2018/hyperlinkcolor" xmlns:p15="http://schemas.microsoft.com/office/powerpoint/2012/main" xmlns:com="http://schemas.openxmlformats.org/drawingml/2006/compatibility" xmlns:pvml="urn:schemas-microsoft-com:office:powerpoint" xmlns:v="urn:schemas-microsoft-com:vml" xmlns:o="urn:schemas-microsoft-com:office:office" xmlns:dgm="http://schemas.openxmlformats.org/drawingml/2006/diagram" xmlns:c="http://schemas.openxmlformats.org/drawingml/2006/chart" xmlns:mv="urn:schemas-microsoft-com:mac:vml" xmlns="">
+    <mc:Fallback xmlns="" xmlns:mv="urn:schemas-microsoft-com:mac:vml" xmlns:c="http://schemas.openxmlformats.org/drawingml/2006/chart" xmlns:dgm="http://schemas.openxmlformats.org/drawingml/2006/diagram" xmlns:o="urn:schemas-microsoft-com:office:office" xmlns:v="urn:schemas-microsoft-com:vml" xmlns:pvml="urn:schemas-microsoft-com:office:powerpoint" xmlns:com="http://schemas.openxmlformats.org/drawingml/2006/compatibility" xmlns:p15="http://schemas.microsoft.com/office/powerpoint/2012/main" xmlns:ahyp="http://schemas.microsoft.com/office/drawing/2018/hyperlinkcolor">
       <p:transition>
         <p:fade/>
       </p:transition>
@@ -27871,7 +28078,7 @@
         <p:fade/>
       </p:transition>
     </mc:Choice>
-    <mc:Fallback xmlns:ahyp="http://schemas.microsoft.com/office/drawing/2018/hyperlinkcolor" xmlns:p15="http://schemas.microsoft.com/office/powerpoint/2012/main" xmlns:com="http://schemas.openxmlformats.org/drawingml/2006/compatibility" xmlns:pvml="urn:schemas-microsoft-com:office:powerpoint" xmlns:v="urn:schemas-microsoft-com:vml" xmlns:o="urn:schemas-microsoft-com:office:office" xmlns:dgm="http://schemas.openxmlformats.org/drawingml/2006/diagram" xmlns:c="http://schemas.openxmlformats.org/drawingml/2006/chart" xmlns:mv="urn:schemas-microsoft-com:mac:vml" xmlns="">
+    <mc:Fallback xmlns="" xmlns:mv="urn:schemas-microsoft-com:mac:vml" xmlns:c="http://schemas.openxmlformats.org/drawingml/2006/chart" xmlns:dgm="http://schemas.openxmlformats.org/drawingml/2006/diagram" xmlns:o="urn:schemas-microsoft-com:office:office" xmlns:v="urn:schemas-microsoft-com:vml" xmlns:pvml="urn:schemas-microsoft-com:office:powerpoint" xmlns:com="http://schemas.openxmlformats.org/drawingml/2006/compatibility" xmlns:p15="http://schemas.microsoft.com/office/powerpoint/2012/main" xmlns:ahyp="http://schemas.microsoft.com/office/drawing/2018/hyperlinkcolor">
       <p:transition>
         <p:fade/>
       </p:transition>
@@ -28412,7 +28619,7 @@
         <p:fade/>
       </p:transition>
     </mc:Choice>
-    <mc:Fallback xmlns:ahyp="http://schemas.microsoft.com/office/drawing/2018/hyperlinkcolor" xmlns:p15="http://schemas.microsoft.com/office/powerpoint/2012/main" xmlns:com="http://schemas.openxmlformats.org/drawingml/2006/compatibility" xmlns:pvml="urn:schemas-microsoft-com:office:powerpoint" xmlns:v="urn:schemas-microsoft-com:vml" xmlns:o="urn:schemas-microsoft-com:office:office" xmlns:dgm="http://schemas.openxmlformats.org/drawingml/2006/diagram" xmlns:c="http://schemas.openxmlformats.org/drawingml/2006/chart" xmlns:mv="urn:schemas-microsoft-com:mac:vml" xmlns="">
+    <mc:Fallback xmlns="" xmlns:mv="urn:schemas-microsoft-com:mac:vml" xmlns:c="http://schemas.openxmlformats.org/drawingml/2006/chart" xmlns:dgm="http://schemas.openxmlformats.org/drawingml/2006/diagram" xmlns:o="urn:schemas-microsoft-com:office:office" xmlns:v="urn:schemas-microsoft-com:vml" xmlns:pvml="urn:schemas-microsoft-com:office:powerpoint" xmlns:com="http://schemas.openxmlformats.org/drawingml/2006/compatibility" xmlns:p15="http://schemas.microsoft.com/office/powerpoint/2012/main" xmlns:ahyp="http://schemas.microsoft.com/office/drawing/2018/hyperlinkcolor">
       <p:transition>
         <p:fade/>
       </p:transition>
@@ -28953,7 +29160,7 @@
         <p:fade/>
       </p:transition>
     </mc:Choice>
-    <mc:Fallback xmlns:ahyp="http://schemas.microsoft.com/office/drawing/2018/hyperlinkcolor" xmlns:p15="http://schemas.microsoft.com/office/powerpoint/2012/main" xmlns:com="http://schemas.openxmlformats.org/drawingml/2006/compatibility" xmlns:pvml="urn:schemas-microsoft-com:office:powerpoint" xmlns:v="urn:schemas-microsoft-com:vml" xmlns:o="urn:schemas-microsoft-com:office:office" xmlns:dgm="http://schemas.openxmlformats.org/drawingml/2006/diagram" xmlns:c="http://schemas.openxmlformats.org/drawingml/2006/chart" xmlns:mv="urn:schemas-microsoft-com:mac:vml" xmlns="">
+    <mc:Fallback xmlns="" xmlns:mv="urn:schemas-microsoft-com:mac:vml" xmlns:c="http://schemas.openxmlformats.org/drawingml/2006/chart" xmlns:dgm="http://schemas.openxmlformats.org/drawingml/2006/diagram" xmlns:o="urn:schemas-microsoft-com:office:office" xmlns:v="urn:schemas-microsoft-com:vml" xmlns:pvml="urn:schemas-microsoft-com:office:powerpoint" xmlns:com="http://schemas.openxmlformats.org/drawingml/2006/compatibility" xmlns:p15="http://schemas.microsoft.com/office/powerpoint/2012/main" xmlns:ahyp="http://schemas.microsoft.com/office/drawing/2018/hyperlinkcolor">
       <p:transition>
         <p:fade/>
       </p:transition>
@@ -29497,7 +29704,7 @@
         <p:fade/>
       </p:transition>
     </mc:Choice>
-    <mc:Fallback xmlns:ahyp="http://schemas.microsoft.com/office/drawing/2018/hyperlinkcolor" xmlns:p15="http://schemas.microsoft.com/office/powerpoint/2012/main" xmlns:com="http://schemas.openxmlformats.org/drawingml/2006/compatibility" xmlns:pvml="urn:schemas-microsoft-com:office:powerpoint" xmlns:v="urn:schemas-microsoft-com:vml" xmlns:o="urn:schemas-microsoft-com:office:office" xmlns:dgm="http://schemas.openxmlformats.org/drawingml/2006/diagram" xmlns:c="http://schemas.openxmlformats.org/drawingml/2006/chart" xmlns:mv="urn:schemas-microsoft-com:mac:vml" xmlns="">
+    <mc:Fallback xmlns="" xmlns:mv="urn:schemas-microsoft-com:mac:vml" xmlns:c="http://schemas.openxmlformats.org/drawingml/2006/chart" xmlns:dgm="http://schemas.openxmlformats.org/drawingml/2006/diagram" xmlns:o="urn:schemas-microsoft-com:office:office" xmlns:v="urn:schemas-microsoft-com:vml" xmlns:pvml="urn:schemas-microsoft-com:office:powerpoint" xmlns:com="http://schemas.openxmlformats.org/drawingml/2006/compatibility" xmlns:p15="http://schemas.microsoft.com/office/powerpoint/2012/main" xmlns:ahyp="http://schemas.microsoft.com/office/drawing/2018/hyperlinkcolor">
       <p:transition>
         <p:fade/>
       </p:transition>
@@ -30068,7 +30275,7 @@
         <p:fade/>
       </p:transition>
     </mc:Choice>
-    <mc:Fallback xmlns:ahyp="http://schemas.microsoft.com/office/drawing/2018/hyperlinkcolor" xmlns:p15="http://schemas.microsoft.com/office/powerpoint/2012/main" xmlns:com="http://schemas.openxmlformats.org/drawingml/2006/compatibility" xmlns:pvml="urn:schemas-microsoft-com:office:powerpoint" xmlns:v="urn:schemas-microsoft-com:vml" xmlns:o="urn:schemas-microsoft-com:office:office" xmlns:dgm="http://schemas.openxmlformats.org/drawingml/2006/diagram" xmlns:c="http://schemas.openxmlformats.org/drawingml/2006/chart" xmlns:mv="urn:schemas-microsoft-com:mac:vml" xmlns="">
+    <mc:Fallback xmlns="" xmlns:mv="urn:schemas-microsoft-com:mac:vml" xmlns:c="http://schemas.openxmlformats.org/drawingml/2006/chart" xmlns:dgm="http://schemas.openxmlformats.org/drawingml/2006/diagram" xmlns:o="urn:schemas-microsoft-com:office:office" xmlns:v="urn:schemas-microsoft-com:vml" xmlns:pvml="urn:schemas-microsoft-com:office:powerpoint" xmlns:com="http://schemas.openxmlformats.org/drawingml/2006/compatibility" xmlns:p15="http://schemas.microsoft.com/office/powerpoint/2012/main" xmlns:ahyp="http://schemas.microsoft.com/office/drawing/2018/hyperlinkcolor">
       <p:transition>
         <p:fade/>
       </p:transition>
@@ -30489,7 +30696,7 @@
         <p:fade/>
       </p:transition>
     </mc:Choice>
-    <mc:Fallback xmlns:ahyp="http://schemas.microsoft.com/office/drawing/2018/hyperlinkcolor" xmlns:p15="http://schemas.microsoft.com/office/powerpoint/2012/main" xmlns:com="http://schemas.openxmlformats.org/drawingml/2006/compatibility" xmlns:pvml="urn:schemas-microsoft-com:office:powerpoint" xmlns:v="urn:schemas-microsoft-com:vml" xmlns:o="urn:schemas-microsoft-com:office:office" xmlns:dgm="http://schemas.openxmlformats.org/drawingml/2006/diagram" xmlns:c="http://schemas.openxmlformats.org/drawingml/2006/chart" xmlns:mv="urn:schemas-microsoft-com:mac:vml" xmlns="">
+    <mc:Fallback xmlns="" xmlns:mv="urn:schemas-microsoft-com:mac:vml" xmlns:c="http://schemas.openxmlformats.org/drawingml/2006/chart" xmlns:dgm="http://schemas.openxmlformats.org/drawingml/2006/diagram" xmlns:o="urn:schemas-microsoft-com:office:office" xmlns:v="urn:schemas-microsoft-com:vml" xmlns:pvml="urn:schemas-microsoft-com:office:powerpoint" xmlns:com="http://schemas.openxmlformats.org/drawingml/2006/compatibility" xmlns:p15="http://schemas.microsoft.com/office/powerpoint/2012/main" xmlns:ahyp="http://schemas.microsoft.com/office/drawing/2018/hyperlinkcolor">
       <p:transition>
         <p:fade/>
       </p:transition>
@@ -31057,7 +31264,7 @@
         <p:fade/>
       </p:transition>
     </mc:Choice>
-    <mc:Fallback xmlns:ahyp="http://schemas.microsoft.com/office/drawing/2018/hyperlinkcolor" xmlns:p15="http://schemas.microsoft.com/office/powerpoint/2012/main" xmlns:com="http://schemas.openxmlformats.org/drawingml/2006/compatibility" xmlns:pvml="urn:schemas-microsoft-com:office:powerpoint" xmlns:v="urn:schemas-microsoft-com:vml" xmlns:o="urn:schemas-microsoft-com:office:office" xmlns:dgm="http://schemas.openxmlformats.org/drawingml/2006/diagram" xmlns:c="http://schemas.openxmlformats.org/drawingml/2006/chart" xmlns:mv="urn:schemas-microsoft-com:mac:vml" xmlns="">
+    <mc:Fallback xmlns="" xmlns:mv="urn:schemas-microsoft-com:mac:vml" xmlns:c="http://schemas.openxmlformats.org/drawingml/2006/chart" xmlns:dgm="http://schemas.openxmlformats.org/drawingml/2006/diagram" xmlns:o="urn:schemas-microsoft-com:office:office" xmlns:v="urn:schemas-microsoft-com:vml" xmlns:pvml="urn:schemas-microsoft-com:office:powerpoint" xmlns:com="http://schemas.openxmlformats.org/drawingml/2006/compatibility" xmlns:p15="http://schemas.microsoft.com/office/powerpoint/2012/main" xmlns:ahyp="http://schemas.microsoft.com/office/drawing/2018/hyperlinkcolor">
       <p:transition>
         <p:fade/>
       </p:transition>
@@ -31665,7 +31872,7 @@
         <p:fade/>
       </p:transition>
     </mc:Choice>
-    <mc:Fallback xmlns:ahyp="http://schemas.microsoft.com/office/drawing/2018/hyperlinkcolor" xmlns:p15="http://schemas.microsoft.com/office/powerpoint/2012/main" xmlns:com="http://schemas.openxmlformats.org/drawingml/2006/compatibility" xmlns:pvml="urn:schemas-microsoft-com:office:powerpoint" xmlns:v="urn:schemas-microsoft-com:vml" xmlns:o="urn:schemas-microsoft-com:office:office" xmlns:dgm="http://schemas.openxmlformats.org/drawingml/2006/diagram" xmlns:c="http://schemas.openxmlformats.org/drawingml/2006/chart" xmlns:mv="urn:schemas-microsoft-com:mac:vml" xmlns="">
+    <mc:Fallback xmlns="" xmlns:mv="urn:schemas-microsoft-com:mac:vml" xmlns:c="http://schemas.openxmlformats.org/drawingml/2006/chart" xmlns:dgm="http://schemas.openxmlformats.org/drawingml/2006/diagram" xmlns:o="urn:schemas-microsoft-com:office:office" xmlns:v="urn:schemas-microsoft-com:vml" xmlns:pvml="urn:schemas-microsoft-com:office:powerpoint" xmlns:com="http://schemas.openxmlformats.org/drawingml/2006/compatibility" xmlns:p15="http://schemas.microsoft.com/office/powerpoint/2012/main" xmlns:ahyp="http://schemas.microsoft.com/office/drawing/2018/hyperlinkcolor">
       <p:transition>
         <p:fade/>
       </p:transition>
@@ -32272,7 +32479,7 @@
         <p:fade/>
       </p:transition>
     </mc:Choice>
-    <mc:Fallback xmlns:ahyp="http://schemas.microsoft.com/office/drawing/2018/hyperlinkcolor" xmlns:p15="http://schemas.microsoft.com/office/powerpoint/2012/main" xmlns:com="http://schemas.openxmlformats.org/drawingml/2006/compatibility" xmlns:pvml="urn:schemas-microsoft-com:office:powerpoint" xmlns:v="urn:schemas-microsoft-com:vml" xmlns:o="urn:schemas-microsoft-com:office:office" xmlns:dgm="http://schemas.openxmlformats.org/drawingml/2006/diagram" xmlns:c="http://schemas.openxmlformats.org/drawingml/2006/chart" xmlns:mv="urn:schemas-microsoft-com:mac:vml" xmlns="">
+    <mc:Fallback xmlns="" xmlns:mv="urn:schemas-microsoft-com:mac:vml" xmlns:c="http://schemas.openxmlformats.org/drawingml/2006/chart" xmlns:dgm="http://schemas.openxmlformats.org/drawingml/2006/diagram" xmlns:o="urn:schemas-microsoft-com:office:office" xmlns:v="urn:schemas-microsoft-com:vml" xmlns:pvml="urn:schemas-microsoft-com:office:powerpoint" xmlns:com="http://schemas.openxmlformats.org/drawingml/2006/compatibility" xmlns:p15="http://schemas.microsoft.com/office/powerpoint/2012/main" xmlns:ahyp="http://schemas.microsoft.com/office/drawing/2018/hyperlinkcolor">
       <p:transition>
         <p:fade/>
       </p:transition>
@@ -32854,7 +33061,7 @@
         <p:fade/>
       </p:transition>
     </mc:Choice>
-    <mc:Fallback xmlns:ahyp="http://schemas.microsoft.com/office/drawing/2018/hyperlinkcolor" xmlns:p15="http://schemas.microsoft.com/office/powerpoint/2012/main" xmlns:com="http://schemas.openxmlformats.org/drawingml/2006/compatibility" xmlns:pvml="urn:schemas-microsoft-com:office:powerpoint" xmlns:v="urn:schemas-microsoft-com:vml" xmlns:o="urn:schemas-microsoft-com:office:office" xmlns:dgm="http://schemas.openxmlformats.org/drawingml/2006/diagram" xmlns:c="http://schemas.openxmlformats.org/drawingml/2006/chart" xmlns:mv="urn:schemas-microsoft-com:mac:vml" xmlns="">
+    <mc:Fallback xmlns="" xmlns:mv="urn:schemas-microsoft-com:mac:vml" xmlns:c="http://schemas.openxmlformats.org/drawingml/2006/chart" xmlns:dgm="http://schemas.openxmlformats.org/drawingml/2006/diagram" xmlns:o="urn:schemas-microsoft-com:office:office" xmlns:v="urn:schemas-microsoft-com:vml" xmlns:pvml="urn:schemas-microsoft-com:office:powerpoint" xmlns:com="http://schemas.openxmlformats.org/drawingml/2006/compatibility" xmlns:p15="http://schemas.microsoft.com/office/powerpoint/2012/main" xmlns:ahyp="http://schemas.microsoft.com/office/drawing/2018/hyperlinkcolor">
       <p:transition>
         <p:fade/>
       </p:transition>
@@ -33452,7 +33659,7 @@
         <p:fade/>
       </p:transition>
     </mc:Choice>
-    <mc:Fallback xmlns:ahyp="http://schemas.microsoft.com/office/drawing/2018/hyperlinkcolor" xmlns:p15="http://schemas.microsoft.com/office/powerpoint/2012/main" xmlns:com="http://schemas.openxmlformats.org/drawingml/2006/compatibility" xmlns:pvml="urn:schemas-microsoft-com:office:powerpoint" xmlns:v="urn:schemas-microsoft-com:vml" xmlns:o="urn:schemas-microsoft-com:office:office" xmlns:dgm="http://schemas.openxmlformats.org/drawingml/2006/diagram" xmlns:c="http://schemas.openxmlformats.org/drawingml/2006/chart" xmlns:mv="urn:schemas-microsoft-com:mac:vml" xmlns="">
+    <mc:Fallback xmlns="" xmlns:mv="urn:schemas-microsoft-com:mac:vml" xmlns:c="http://schemas.openxmlformats.org/drawingml/2006/chart" xmlns:dgm="http://schemas.openxmlformats.org/drawingml/2006/diagram" xmlns:o="urn:schemas-microsoft-com:office:office" xmlns:v="urn:schemas-microsoft-com:vml" xmlns:pvml="urn:schemas-microsoft-com:office:powerpoint" xmlns:com="http://schemas.openxmlformats.org/drawingml/2006/compatibility" xmlns:p15="http://schemas.microsoft.com/office/powerpoint/2012/main" xmlns:ahyp="http://schemas.microsoft.com/office/drawing/2018/hyperlinkcolor">
       <p:transition>
         <p:fade/>
       </p:transition>
@@ -34035,7 +34242,7 @@
         <p:fade/>
       </p:transition>
     </mc:Choice>
-    <mc:Fallback xmlns:ahyp="http://schemas.microsoft.com/office/drawing/2018/hyperlinkcolor" xmlns:p15="http://schemas.microsoft.com/office/powerpoint/2012/main" xmlns:com="http://schemas.openxmlformats.org/drawingml/2006/compatibility" xmlns:pvml="urn:schemas-microsoft-com:office:powerpoint" xmlns:v="urn:schemas-microsoft-com:vml" xmlns:o="urn:schemas-microsoft-com:office:office" xmlns:dgm="http://schemas.openxmlformats.org/drawingml/2006/diagram" xmlns:c="http://schemas.openxmlformats.org/drawingml/2006/chart" xmlns:mv="urn:schemas-microsoft-com:mac:vml" xmlns="">
+    <mc:Fallback xmlns="" xmlns:mv="urn:schemas-microsoft-com:mac:vml" xmlns:c="http://schemas.openxmlformats.org/drawingml/2006/chart" xmlns:dgm="http://schemas.openxmlformats.org/drawingml/2006/diagram" xmlns:o="urn:schemas-microsoft-com:office:office" xmlns:v="urn:schemas-microsoft-com:vml" xmlns:pvml="urn:schemas-microsoft-com:office:powerpoint" xmlns:com="http://schemas.openxmlformats.org/drawingml/2006/compatibility" xmlns:p15="http://schemas.microsoft.com/office/powerpoint/2012/main" xmlns:ahyp="http://schemas.microsoft.com/office/drawing/2018/hyperlinkcolor">
       <p:transition>
         <p:fade/>
       </p:transition>
@@ -34624,7 +34831,7 @@
         <p:fade/>
       </p:transition>
     </mc:Choice>
-    <mc:Fallback xmlns:ahyp="http://schemas.microsoft.com/office/drawing/2018/hyperlinkcolor" xmlns:p15="http://schemas.microsoft.com/office/powerpoint/2012/main" xmlns:com="http://schemas.openxmlformats.org/drawingml/2006/compatibility" xmlns:pvml="urn:schemas-microsoft-com:office:powerpoint" xmlns:v="urn:schemas-microsoft-com:vml" xmlns:o="urn:schemas-microsoft-com:office:office" xmlns:dgm="http://schemas.openxmlformats.org/drawingml/2006/diagram" xmlns:c="http://schemas.openxmlformats.org/drawingml/2006/chart" xmlns:mv="urn:schemas-microsoft-com:mac:vml" xmlns="">
+    <mc:Fallback xmlns="" xmlns:mv="urn:schemas-microsoft-com:mac:vml" xmlns:c="http://schemas.openxmlformats.org/drawingml/2006/chart" xmlns:dgm="http://schemas.openxmlformats.org/drawingml/2006/diagram" xmlns:o="urn:schemas-microsoft-com:office:office" xmlns:v="urn:schemas-microsoft-com:vml" xmlns:pvml="urn:schemas-microsoft-com:office:powerpoint" xmlns:com="http://schemas.openxmlformats.org/drawingml/2006/compatibility" xmlns:p15="http://schemas.microsoft.com/office/powerpoint/2012/main" xmlns:ahyp="http://schemas.microsoft.com/office/drawing/2018/hyperlinkcolor">
       <p:transition>
         <p:fade/>
       </p:transition>
@@ -35242,7 +35449,7 @@
         <p:fade/>
       </p:transition>
     </mc:Choice>
-    <mc:Fallback xmlns:ahyp="http://schemas.microsoft.com/office/drawing/2018/hyperlinkcolor" xmlns:p15="http://schemas.microsoft.com/office/powerpoint/2012/main" xmlns:com="http://schemas.openxmlformats.org/drawingml/2006/compatibility" xmlns:pvml="urn:schemas-microsoft-com:office:powerpoint" xmlns:v="urn:schemas-microsoft-com:vml" xmlns:o="urn:schemas-microsoft-com:office:office" xmlns:dgm="http://schemas.openxmlformats.org/drawingml/2006/diagram" xmlns:c="http://schemas.openxmlformats.org/drawingml/2006/chart" xmlns:mv="urn:schemas-microsoft-com:mac:vml" xmlns="">
+    <mc:Fallback xmlns="" xmlns:mv="urn:schemas-microsoft-com:mac:vml" xmlns:c="http://schemas.openxmlformats.org/drawingml/2006/chart" xmlns:dgm="http://schemas.openxmlformats.org/drawingml/2006/diagram" xmlns:o="urn:schemas-microsoft-com:office:office" xmlns:v="urn:schemas-microsoft-com:vml" xmlns:pvml="urn:schemas-microsoft-com:office:powerpoint" xmlns:com="http://schemas.openxmlformats.org/drawingml/2006/compatibility" xmlns:p15="http://schemas.microsoft.com/office/powerpoint/2012/main" xmlns:ahyp="http://schemas.microsoft.com/office/drawing/2018/hyperlinkcolor">
       <p:transition>
         <p:fade/>
       </p:transition>
@@ -35850,7 +36057,7 @@
         <p:fade/>
       </p:transition>
     </mc:Choice>
-    <mc:Fallback xmlns:ahyp="http://schemas.microsoft.com/office/drawing/2018/hyperlinkcolor" xmlns:p15="http://schemas.microsoft.com/office/powerpoint/2012/main" xmlns:com="http://schemas.openxmlformats.org/drawingml/2006/compatibility" xmlns:pvml="urn:schemas-microsoft-com:office:powerpoint" xmlns:v="urn:schemas-microsoft-com:vml" xmlns:o="urn:schemas-microsoft-com:office:office" xmlns:dgm="http://schemas.openxmlformats.org/drawingml/2006/diagram" xmlns:c="http://schemas.openxmlformats.org/drawingml/2006/chart" xmlns:mv="urn:schemas-microsoft-com:mac:vml" xmlns="">
+    <mc:Fallback xmlns="" xmlns:mv="urn:schemas-microsoft-com:mac:vml" xmlns:c="http://schemas.openxmlformats.org/drawingml/2006/chart" xmlns:dgm="http://schemas.openxmlformats.org/drawingml/2006/diagram" xmlns:o="urn:schemas-microsoft-com:office:office" xmlns:v="urn:schemas-microsoft-com:vml" xmlns:pvml="urn:schemas-microsoft-com:office:powerpoint" xmlns:com="http://schemas.openxmlformats.org/drawingml/2006/compatibility" xmlns:p15="http://schemas.microsoft.com/office/powerpoint/2012/main" xmlns:ahyp="http://schemas.microsoft.com/office/drawing/2018/hyperlinkcolor">
       <p:transition>
         <p:fade/>
       </p:transition>
@@ -36319,7 +36526,7 @@
         <p:fade/>
       </p:transition>
     </mc:Choice>
-    <mc:Fallback xmlns:ahyp="http://schemas.microsoft.com/office/drawing/2018/hyperlinkcolor" xmlns:p15="http://schemas.microsoft.com/office/powerpoint/2012/main" xmlns:com="http://schemas.openxmlformats.org/drawingml/2006/compatibility" xmlns:pvml="urn:schemas-microsoft-com:office:powerpoint" xmlns:v="urn:schemas-microsoft-com:vml" xmlns:o="urn:schemas-microsoft-com:office:office" xmlns:dgm="http://schemas.openxmlformats.org/drawingml/2006/diagram" xmlns:c="http://schemas.openxmlformats.org/drawingml/2006/chart" xmlns:mv="urn:schemas-microsoft-com:mac:vml" xmlns="">
+    <mc:Fallback xmlns="" xmlns:mv="urn:schemas-microsoft-com:mac:vml" xmlns:c="http://schemas.openxmlformats.org/drawingml/2006/chart" xmlns:dgm="http://schemas.openxmlformats.org/drawingml/2006/diagram" xmlns:o="urn:schemas-microsoft-com:office:office" xmlns:v="urn:schemas-microsoft-com:vml" xmlns:pvml="urn:schemas-microsoft-com:office:powerpoint" xmlns:com="http://schemas.openxmlformats.org/drawingml/2006/compatibility" xmlns:p15="http://schemas.microsoft.com/office/powerpoint/2012/main" xmlns:ahyp="http://schemas.microsoft.com/office/drawing/2018/hyperlinkcolor">
       <p:transition>
         <p:fade/>
       </p:transition>
@@ -36762,7 +36969,7 @@
         <p:fade/>
       </p:transition>
     </mc:Choice>
-    <mc:Fallback xmlns:ahyp="http://schemas.microsoft.com/office/drawing/2018/hyperlinkcolor" xmlns:p15="http://schemas.microsoft.com/office/powerpoint/2012/main" xmlns:com="http://schemas.openxmlformats.org/drawingml/2006/compatibility" xmlns:pvml="urn:schemas-microsoft-com:office:powerpoint" xmlns:v="urn:schemas-microsoft-com:vml" xmlns:o="urn:schemas-microsoft-com:office:office" xmlns:dgm="http://schemas.openxmlformats.org/drawingml/2006/diagram" xmlns:c="http://schemas.openxmlformats.org/drawingml/2006/chart" xmlns:mv="urn:schemas-microsoft-com:mac:vml" xmlns="">
+    <mc:Fallback xmlns="" xmlns:mv="urn:schemas-microsoft-com:mac:vml" xmlns:c="http://schemas.openxmlformats.org/drawingml/2006/chart" xmlns:dgm="http://schemas.openxmlformats.org/drawingml/2006/diagram" xmlns:o="urn:schemas-microsoft-com:office:office" xmlns:v="urn:schemas-microsoft-com:vml" xmlns:pvml="urn:schemas-microsoft-com:office:powerpoint" xmlns:com="http://schemas.openxmlformats.org/drawingml/2006/compatibility" xmlns:p15="http://schemas.microsoft.com/office/powerpoint/2012/main" xmlns:ahyp="http://schemas.microsoft.com/office/drawing/2018/hyperlinkcolor">
       <p:transition>
         <p:fade/>
       </p:transition>
@@ -37206,7 +37413,7 @@
         <p:fade/>
       </p:transition>
     </mc:Choice>
-    <mc:Fallback xmlns:ahyp="http://schemas.microsoft.com/office/drawing/2018/hyperlinkcolor" xmlns:p15="http://schemas.microsoft.com/office/powerpoint/2012/main" xmlns:com="http://schemas.openxmlformats.org/drawingml/2006/compatibility" xmlns:pvml="urn:schemas-microsoft-com:office:powerpoint" xmlns:v="urn:schemas-microsoft-com:vml" xmlns:o="urn:schemas-microsoft-com:office:office" xmlns:dgm="http://schemas.openxmlformats.org/drawingml/2006/diagram" xmlns:c="http://schemas.openxmlformats.org/drawingml/2006/chart" xmlns:mv="urn:schemas-microsoft-com:mac:vml" xmlns="">
+    <mc:Fallback xmlns="" xmlns:mv="urn:schemas-microsoft-com:mac:vml" xmlns:c="http://schemas.openxmlformats.org/drawingml/2006/chart" xmlns:dgm="http://schemas.openxmlformats.org/drawingml/2006/diagram" xmlns:o="urn:schemas-microsoft-com:office:office" xmlns:v="urn:schemas-microsoft-com:vml" xmlns:pvml="urn:schemas-microsoft-com:office:powerpoint" xmlns:com="http://schemas.openxmlformats.org/drawingml/2006/compatibility" xmlns:p15="http://schemas.microsoft.com/office/powerpoint/2012/main" xmlns:ahyp="http://schemas.microsoft.com/office/drawing/2018/hyperlinkcolor">
       <p:transition>
         <p:fade/>
       </p:transition>
@@ -37590,7 +37797,7 @@
         <p:fade/>
       </p:transition>
     </mc:Choice>
-    <mc:Fallback xmlns:ahyp="http://schemas.microsoft.com/office/drawing/2018/hyperlinkcolor" xmlns:p15="http://schemas.microsoft.com/office/powerpoint/2012/main" xmlns:com="http://schemas.openxmlformats.org/drawingml/2006/compatibility" xmlns:pvml="urn:schemas-microsoft-com:office:powerpoint" xmlns:v="urn:schemas-microsoft-com:vml" xmlns:o="urn:schemas-microsoft-com:office:office" xmlns:dgm="http://schemas.openxmlformats.org/drawingml/2006/diagram" xmlns:c="http://schemas.openxmlformats.org/drawingml/2006/chart" xmlns:mv="urn:schemas-microsoft-com:mac:vml" xmlns="">
+    <mc:Fallback xmlns="" xmlns:mv="urn:schemas-microsoft-com:mac:vml" xmlns:c="http://schemas.openxmlformats.org/drawingml/2006/chart" xmlns:dgm="http://schemas.openxmlformats.org/drawingml/2006/diagram" xmlns:o="urn:schemas-microsoft-com:office:office" xmlns:v="urn:schemas-microsoft-com:vml" xmlns:pvml="urn:schemas-microsoft-com:office:powerpoint" xmlns:com="http://schemas.openxmlformats.org/drawingml/2006/compatibility" xmlns:p15="http://schemas.microsoft.com/office/powerpoint/2012/main" xmlns:ahyp="http://schemas.microsoft.com/office/drawing/2018/hyperlinkcolor">
       <p:transition>
         <p:fade/>
       </p:transition>
@@ -38051,7 +38258,7 @@
         <p:fade/>
       </p:transition>
     </mc:Choice>
-    <mc:Fallback xmlns:ahyp="http://schemas.microsoft.com/office/drawing/2018/hyperlinkcolor" xmlns:p15="http://schemas.microsoft.com/office/powerpoint/2012/main" xmlns:com="http://schemas.openxmlformats.org/drawingml/2006/compatibility" xmlns:pvml="urn:schemas-microsoft-com:office:powerpoint" xmlns:v="urn:schemas-microsoft-com:vml" xmlns:o="urn:schemas-microsoft-com:office:office" xmlns:dgm="http://schemas.openxmlformats.org/drawingml/2006/diagram" xmlns:c="http://schemas.openxmlformats.org/drawingml/2006/chart" xmlns:mv="urn:schemas-microsoft-com:mac:vml" xmlns="">
+    <mc:Fallback xmlns="" xmlns:mv="urn:schemas-microsoft-com:mac:vml" xmlns:c="http://schemas.openxmlformats.org/drawingml/2006/chart" xmlns:dgm="http://schemas.openxmlformats.org/drawingml/2006/diagram" xmlns:o="urn:schemas-microsoft-com:office:office" xmlns:v="urn:schemas-microsoft-com:vml" xmlns:pvml="urn:schemas-microsoft-com:office:powerpoint" xmlns:com="http://schemas.openxmlformats.org/drawingml/2006/compatibility" xmlns:p15="http://schemas.microsoft.com/office/powerpoint/2012/main" xmlns:ahyp="http://schemas.microsoft.com/office/drawing/2018/hyperlinkcolor">
       <p:transition>
         <p:fade/>
       </p:transition>
@@ -38638,7 +38845,7 @@
         <p:fade/>
       </p:transition>
     </mc:Choice>
-    <mc:Fallback xmlns:ahyp="http://schemas.microsoft.com/office/drawing/2018/hyperlinkcolor" xmlns:p15="http://schemas.microsoft.com/office/powerpoint/2012/main" xmlns:com="http://schemas.openxmlformats.org/drawingml/2006/compatibility" xmlns:pvml="urn:schemas-microsoft-com:office:powerpoint" xmlns:v="urn:schemas-microsoft-com:vml" xmlns:o="urn:schemas-microsoft-com:office:office" xmlns:dgm="http://schemas.openxmlformats.org/drawingml/2006/diagram" xmlns:c="http://schemas.openxmlformats.org/drawingml/2006/chart" xmlns:mv="urn:schemas-microsoft-com:mac:vml" xmlns="">
+    <mc:Fallback xmlns="" xmlns:mv="urn:schemas-microsoft-com:mac:vml" xmlns:c="http://schemas.openxmlformats.org/drawingml/2006/chart" xmlns:dgm="http://schemas.openxmlformats.org/drawingml/2006/diagram" xmlns:o="urn:schemas-microsoft-com:office:office" xmlns:v="urn:schemas-microsoft-com:vml" xmlns:pvml="urn:schemas-microsoft-com:office:powerpoint" xmlns:com="http://schemas.openxmlformats.org/drawingml/2006/compatibility" xmlns:p15="http://schemas.microsoft.com/office/powerpoint/2012/main" xmlns:ahyp="http://schemas.microsoft.com/office/drawing/2018/hyperlinkcolor">
       <p:transition>
         <p:fade/>
       </p:transition>
@@ -38959,7 +39166,7 @@
         <p:fade/>
       </p:transition>
     </mc:Choice>
-    <mc:Fallback xmlns:ahyp="http://schemas.microsoft.com/office/drawing/2018/hyperlinkcolor" xmlns:p15="http://schemas.microsoft.com/office/powerpoint/2012/main" xmlns:com="http://schemas.openxmlformats.org/drawingml/2006/compatibility" xmlns:pvml="urn:schemas-microsoft-com:office:powerpoint" xmlns:v="urn:schemas-microsoft-com:vml" xmlns:o="urn:schemas-microsoft-com:office:office" xmlns:dgm="http://schemas.openxmlformats.org/drawingml/2006/diagram" xmlns:c="http://schemas.openxmlformats.org/drawingml/2006/chart" xmlns:mv="urn:schemas-microsoft-com:mac:vml" xmlns="">
+    <mc:Fallback xmlns="" xmlns:mv="urn:schemas-microsoft-com:mac:vml" xmlns:c="http://schemas.openxmlformats.org/drawingml/2006/chart" xmlns:dgm="http://schemas.openxmlformats.org/drawingml/2006/diagram" xmlns:o="urn:schemas-microsoft-com:office:office" xmlns:v="urn:schemas-microsoft-com:vml" xmlns:pvml="urn:schemas-microsoft-com:office:powerpoint" xmlns:com="http://schemas.openxmlformats.org/drawingml/2006/compatibility" xmlns:p15="http://schemas.microsoft.com/office/powerpoint/2012/main" xmlns:ahyp="http://schemas.microsoft.com/office/drawing/2018/hyperlinkcolor">
       <p:transition>
         <p:fade/>
       </p:transition>
@@ -39203,7 +39410,7 @@
         <p:fade/>
       </p:transition>
     </mc:Choice>
-    <mc:Fallback xmlns:ahyp="http://schemas.microsoft.com/office/drawing/2018/hyperlinkcolor" xmlns:p15="http://schemas.microsoft.com/office/powerpoint/2012/main" xmlns:com="http://schemas.openxmlformats.org/drawingml/2006/compatibility" xmlns:pvml="urn:schemas-microsoft-com:office:powerpoint" xmlns:v="urn:schemas-microsoft-com:vml" xmlns:o="urn:schemas-microsoft-com:office:office" xmlns:dgm="http://schemas.openxmlformats.org/drawingml/2006/diagram" xmlns:c="http://schemas.openxmlformats.org/drawingml/2006/chart" xmlns:mv="urn:schemas-microsoft-com:mac:vml" xmlns="">
+    <mc:Fallback xmlns="" xmlns:mv="urn:schemas-microsoft-com:mac:vml" xmlns:c="http://schemas.openxmlformats.org/drawingml/2006/chart" xmlns:dgm="http://schemas.openxmlformats.org/drawingml/2006/diagram" xmlns:o="urn:schemas-microsoft-com:office:office" xmlns:v="urn:schemas-microsoft-com:vml" xmlns:pvml="urn:schemas-microsoft-com:office:powerpoint" xmlns:com="http://schemas.openxmlformats.org/drawingml/2006/compatibility" xmlns:p15="http://schemas.microsoft.com/office/powerpoint/2012/main" xmlns:ahyp="http://schemas.microsoft.com/office/drawing/2018/hyperlinkcolor">
       <p:transition>
         <p:fade/>
       </p:transition>
@@ -39823,7 +40030,7 @@
         <p:fade/>
       </p:transition>
     </mc:Choice>
-    <mc:Fallback xmlns:ahyp="http://schemas.microsoft.com/office/drawing/2018/hyperlinkcolor" xmlns:p15="http://schemas.microsoft.com/office/powerpoint/2012/main" xmlns:com="http://schemas.openxmlformats.org/drawingml/2006/compatibility" xmlns:pvml="urn:schemas-microsoft-com:office:powerpoint" xmlns:v="urn:schemas-microsoft-com:vml" xmlns:o="urn:schemas-microsoft-com:office:office" xmlns:dgm="http://schemas.openxmlformats.org/drawingml/2006/diagram" xmlns:c="http://schemas.openxmlformats.org/drawingml/2006/chart" xmlns:mv="urn:schemas-microsoft-com:mac:vml" xmlns="">
+    <mc:Fallback xmlns="" xmlns:mv="urn:schemas-microsoft-com:mac:vml" xmlns:c="http://schemas.openxmlformats.org/drawingml/2006/chart" xmlns:dgm="http://schemas.openxmlformats.org/drawingml/2006/diagram" xmlns:o="urn:schemas-microsoft-com:office:office" xmlns:v="urn:schemas-microsoft-com:vml" xmlns:pvml="urn:schemas-microsoft-com:office:powerpoint" xmlns:com="http://schemas.openxmlformats.org/drawingml/2006/compatibility" xmlns:p15="http://schemas.microsoft.com/office/powerpoint/2012/main" xmlns:ahyp="http://schemas.microsoft.com/office/drawing/2018/hyperlinkcolor">
       <p:transition>
         <p:fade/>
       </p:transition>
@@ -42092,7 +42299,7 @@
         <p:fade/>
       </p:transition>
     </mc:Choice>
-    <mc:Fallback xmlns:ahyp="http://schemas.microsoft.com/office/drawing/2018/hyperlinkcolor" xmlns:p15="http://schemas.microsoft.com/office/powerpoint/2012/main" xmlns:com="http://schemas.openxmlformats.org/drawingml/2006/compatibility" xmlns:pvml="urn:schemas-microsoft-com:office:powerpoint" xmlns:v="urn:schemas-microsoft-com:vml" xmlns:o="urn:schemas-microsoft-com:office:office" xmlns:dgm="http://schemas.openxmlformats.org/drawingml/2006/diagram" xmlns:c="http://schemas.openxmlformats.org/drawingml/2006/chart" xmlns:mv="urn:schemas-microsoft-com:mac:vml" xmlns="">
+    <mc:Fallback xmlns="" xmlns:mv="urn:schemas-microsoft-com:mac:vml" xmlns:c="http://schemas.openxmlformats.org/drawingml/2006/chart" xmlns:dgm="http://schemas.openxmlformats.org/drawingml/2006/diagram" xmlns:o="urn:schemas-microsoft-com:office:office" xmlns:v="urn:schemas-microsoft-com:vml" xmlns:pvml="urn:schemas-microsoft-com:office:powerpoint" xmlns:com="http://schemas.openxmlformats.org/drawingml/2006/compatibility" xmlns:p15="http://schemas.microsoft.com/office/powerpoint/2012/main" xmlns:ahyp="http://schemas.microsoft.com/office/drawing/2018/hyperlinkcolor">
       <p:transition>
         <p:fade/>
       </p:transition>
@@ -44278,7 +44485,7 @@
         <p:fade/>
       </p:transition>
     </mc:Choice>
-    <mc:Fallback xmlns:ahyp="http://schemas.microsoft.com/office/drawing/2018/hyperlinkcolor" xmlns:p15="http://schemas.microsoft.com/office/powerpoint/2012/main" xmlns:com="http://schemas.openxmlformats.org/drawingml/2006/compatibility" xmlns:pvml="urn:schemas-microsoft-com:office:powerpoint" xmlns:v="urn:schemas-microsoft-com:vml" xmlns:o="urn:schemas-microsoft-com:office:office" xmlns:dgm="http://schemas.openxmlformats.org/drawingml/2006/diagram" xmlns:c="http://schemas.openxmlformats.org/drawingml/2006/chart" xmlns:mv="urn:schemas-microsoft-com:mac:vml" xmlns="">
+    <mc:Fallback xmlns="" xmlns:mv="urn:schemas-microsoft-com:mac:vml" xmlns:c="http://schemas.openxmlformats.org/drawingml/2006/chart" xmlns:dgm="http://schemas.openxmlformats.org/drawingml/2006/diagram" xmlns:o="urn:schemas-microsoft-com:office:office" xmlns:v="urn:schemas-microsoft-com:vml" xmlns:pvml="urn:schemas-microsoft-com:office:powerpoint" xmlns:com="http://schemas.openxmlformats.org/drawingml/2006/compatibility" xmlns:p15="http://schemas.microsoft.com/office/powerpoint/2012/main" xmlns:ahyp="http://schemas.microsoft.com/office/drawing/2018/hyperlinkcolor">
       <p:transition>
         <p:fade/>
       </p:transition>
@@ -44676,7 +44883,7 @@
         <p:fade/>
       </p:transition>
     </mc:Choice>
-    <mc:Fallback xmlns:ahyp="http://schemas.microsoft.com/office/drawing/2018/hyperlinkcolor" xmlns:p15="http://schemas.microsoft.com/office/powerpoint/2012/main" xmlns:com="http://schemas.openxmlformats.org/drawingml/2006/compatibility" xmlns:pvml="urn:schemas-microsoft-com:office:powerpoint" xmlns:v="urn:schemas-microsoft-com:vml" xmlns:o="urn:schemas-microsoft-com:office:office" xmlns:dgm="http://schemas.openxmlformats.org/drawingml/2006/diagram" xmlns:c="http://schemas.openxmlformats.org/drawingml/2006/chart" xmlns:mv="urn:schemas-microsoft-com:mac:vml" xmlns="">
+    <mc:Fallback xmlns="" xmlns:mv="urn:schemas-microsoft-com:mac:vml" xmlns:c="http://schemas.openxmlformats.org/drawingml/2006/chart" xmlns:dgm="http://schemas.openxmlformats.org/drawingml/2006/diagram" xmlns:o="urn:schemas-microsoft-com:office:office" xmlns:v="urn:schemas-microsoft-com:vml" xmlns:pvml="urn:schemas-microsoft-com:office:powerpoint" xmlns:com="http://schemas.openxmlformats.org/drawingml/2006/compatibility" xmlns:p15="http://schemas.microsoft.com/office/powerpoint/2012/main" xmlns:ahyp="http://schemas.microsoft.com/office/drawing/2018/hyperlinkcolor">
       <p:transition>
         <p:fade/>
       </p:transition>
@@ -45203,7 +45410,7 @@
         <p:fade/>
       </p:transition>
     </mc:Choice>
-    <mc:Fallback xmlns:ahyp="http://schemas.microsoft.com/office/drawing/2018/hyperlinkcolor" xmlns:p15="http://schemas.microsoft.com/office/powerpoint/2012/main" xmlns:com="http://schemas.openxmlformats.org/drawingml/2006/compatibility" xmlns:pvml="urn:schemas-microsoft-com:office:powerpoint" xmlns:v="urn:schemas-microsoft-com:vml" xmlns:o="urn:schemas-microsoft-com:office:office" xmlns:dgm="http://schemas.openxmlformats.org/drawingml/2006/diagram" xmlns:c="http://schemas.openxmlformats.org/drawingml/2006/chart" xmlns:mv="urn:schemas-microsoft-com:mac:vml" xmlns="">
+    <mc:Fallback xmlns="" xmlns:mv="urn:schemas-microsoft-com:mac:vml" xmlns:c="http://schemas.openxmlformats.org/drawingml/2006/chart" xmlns:dgm="http://schemas.openxmlformats.org/drawingml/2006/diagram" xmlns:o="urn:schemas-microsoft-com:office:office" xmlns:v="urn:schemas-microsoft-com:vml" xmlns:pvml="urn:schemas-microsoft-com:office:powerpoint" xmlns:com="http://schemas.openxmlformats.org/drawingml/2006/compatibility" xmlns:p15="http://schemas.microsoft.com/office/powerpoint/2012/main" xmlns:ahyp="http://schemas.microsoft.com/office/drawing/2018/hyperlinkcolor">
       <p:transition>
         <p:fade/>
       </p:transition>
@@ -45487,7 +45694,7 @@
         <p:fade/>
       </p:transition>
     </mc:Choice>
-    <mc:Fallback xmlns:ahyp="http://schemas.microsoft.com/office/drawing/2018/hyperlinkcolor" xmlns:p15="http://schemas.microsoft.com/office/powerpoint/2012/main" xmlns:com="http://schemas.openxmlformats.org/drawingml/2006/compatibility" xmlns:pvml="urn:schemas-microsoft-com:office:powerpoint" xmlns:v="urn:schemas-microsoft-com:vml" xmlns:o="urn:schemas-microsoft-com:office:office" xmlns:dgm="http://schemas.openxmlformats.org/drawingml/2006/diagram" xmlns:c="http://schemas.openxmlformats.org/drawingml/2006/chart" xmlns:mv="urn:schemas-microsoft-com:mac:vml" xmlns="">
+    <mc:Fallback xmlns="" xmlns:mv="urn:schemas-microsoft-com:mac:vml" xmlns:c="http://schemas.openxmlformats.org/drawingml/2006/chart" xmlns:dgm="http://schemas.openxmlformats.org/drawingml/2006/diagram" xmlns:o="urn:schemas-microsoft-com:office:office" xmlns:v="urn:schemas-microsoft-com:vml" xmlns:pvml="urn:schemas-microsoft-com:office:powerpoint" xmlns:com="http://schemas.openxmlformats.org/drawingml/2006/compatibility" xmlns:p15="http://schemas.microsoft.com/office/powerpoint/2012/main" xmlns:ahyp="http://schemas.microsoft.com/office/drawing/2018/hyperlinkcolor">
       <p:transition>
         <p:fade/>
       </p:transition>
@@ -45751,7 +45958,7 @@
         <p:fade/>
       </p:transition>
     </mc:Choice>
-    <mc:Fallback xmlns:ahyp="http://schemas.microsoft.com/office/drawing/2018/hyperlinkcolor" xmlns:p15="http://schemas.microsoft.com/office/powerpoint/2012/main" xmlns:com="http://schemas.openxmlformats.org/drawingml/2006/compatibility" xmlns:pvml="urn:schemas-microsoft-com:office:powerpoint" xmlns:v="urn:schemas-microsoft-com:vml" xmlns:o="urn:schemas-microsoft-com:office:office" xmlns:dgm="http://schemas.openxmlformats.org/drawingml/2006/diagram" xmlns:c="http://schemas.openxmlformats.org/drawingml/2006/chart" xmlns:mv="urn:schemas-microsoft-com:mac:vml" xmlns="">
+    <mc:Fallback xmlns="" xmlns:mv="urn:schemas-microsoft-com:mac:vml" xmlns:c="http://schemas.openxmlformats.org/drawingml/2006/chart" xmlns:dgm="http://schemas.openxmlformats.org/drawingml/2006/diagram" xmlns:o="urn:schemas-microsoft-com:office:office" xmlns:v="urn:schemas-microsoft-com:vml" xmlns:pvml="urn:schemas-microsoft-com:office:powerpoint" xmlns:com="http://schemas.openxmlformats.org/drawingml/2006/compatibility" xmlns:p15="http://schemas.microsoft.com/office/powerpoint/2012/main" xmlns:ahyp="http://schemas.microsoft.com/office/drawing/2018/hyperlinkcolor">
       <p:transition>
         <p:fade/>
       </p:transition>
@@ -46059,7 +46266,7 @@
         <p:fade/>
       </p:transition>
     </mc:Choice>
-    <mc:Fallback xmlns:ahyp="http://schemas.microsoft.com/office/drawing/2018/hyperlinkcolor" xmlns:p15="http://schemas.microsoft.com/office/powerpoint/2012/main" xmlns:com="http://schemas.openxmlformats.org/drawingml/2006/compatibility" xmlns:pvml="urn:schemas-microsoft-com:office:powerpoint" xmlns:v="urn:schemas-microsoft-com:vml" xmlns:o="urn:schemas-microsoft-com:office:office" xmlns:dgm="http://schemas.openxmlformats.org/drawingml/2006/diagram" xmlns:c="http://schemas.openxmlformats.org/drawingml/2006/chart" xmlns:mv="urn:schemas-microsoft-com:mac:vml" xmlns="">
+    <mc:Fallback xmlns="" xmlns:mv="urn:schemas-microsoft-com:mac:vml" xmlns:c="http://schemas.openxmlformats.org/drawingml/2006/chart" xmlns:dgm="http://schemas.openxmlformats.org/drawingml/2006/diagram" xmlns:o="urn:schemas-microsoft-com:office:office" xmlns:v="urn:schemas-microsoft-com:vml" xmlns:pvml="urn:schemas-microsoft-com:office:powerpoint" xmlns:com="http://schemas.openxmlformats.org/drawingml/2006/compatibility" xmlns:p15="http://schemas.microsoft.com/office/powerpoint/2012/main" xmlns:ahyp="http://schemas.microsoft.com/office/drawing/2018/hyperlinkcolor">
       <p:transition>
         <p:fade/>
       </p:transition>
@@ -46383,7 +46590,7 @@
         <p:fade/>
       </p:transition>
     </mc:Choice>
-    <mc:Fallback xmlns:ahyp="http://schemas.microsoft.com/office/drawing/2018/hyperlinkcolor" xmlns:p15="http://schemas.microsoft.com/office/powerpoint/2012/main" xmlns:com="http://schemas.openxmlformats.org/drawingml/2006/compatibility" xmlns:pvml="urn:schemas-microsoft-com:office:powerpoint" xmlns:v="urn:schemas-microsoft-com:vml" xmlns:o="urn:schemas-microsoft-com:office:office" xmlns:dgm="http://schemas.openxmlformats.org/drawingml/2006/diagram" xmlns:c="http://schemas.openxmlformats.org/drawingml/2006/chart" xmlns:mv="urn:schemas-microsoft-com:mac:vml" xmlns="">
+    <mc:Fallback xmlns="" xmlns:mv="urn:schemas-microsoft-com:mac:vml" xmlns:c="http://schemas.openxmlformats.org/drawingml/2006/chart" xmlns:dgm="http://schemas.openxmlformats.org/drawingml/2006/diagram" xmlns:o="urn:schemas-microsoft-com:office:office" xmlns:v="urn:schemas-microsoft-com:vml" xmlns:pvml="urn:schemas-microsoft-com:office:powerpoint" xmlns:com="http://schemas.openxmlformats.org/drawingml/2006/compatibility" xmlns:p15="http://schemas.microsoft.com/office/powerpoint/2012/main" xmlns:ahyp="http://schemas.microsoft.com/office/drawing/2018/hyperlinkcolor">
       <p:transition>
         <p:fade/>
       </p:transition>
@@ -46593,7 +46800,7 @@
         <p:fade/>
       </p:transition>
     </mc:Choice>
-    <mc:Fallback xmlns:ahyp="http://schemas.microsoft.com/office/drawing/2018/hyperlinkcolor" xmlns:p15="http://schemas.microsoft.com/office/powerpoint/2012/main" xmlns:com="http://schemas.openxmlformats.org/drawingml/2006/compatibility" xmlns:pvml="urn:schemas-microsoft-com:office:powerpoint" xmlns:v="urn:schemas-microsoft-com:vml" xmlns:o="urn:schemas-microsoft-com:office:office" xmlns:dgm="http://schemas.openxmlformats.org/drawingml/2006/diagram" xmlns:c="http://schemas.openxmlformats.org/drawingml/2006/chart" xmlns:mv="urn:schemas-microsoft-com:mac:vml" xmlns="">
+    <mc:Fallback xmlns="" xmlns:mv="urn:schemas-microsoft-com:mac:vml" xmlns:c="http://schemas.openxmlformats.org/drawingml/2006/chart" xmlns:dgm="http://schemas.openxmlformats.org/drawingml/2006/diagram" xmlns:o="urn:schemas-microsoft-com:office:office" xmlns:v="urn:schemas-microsoft-com:vml" xmlns:pvml="urn:schemas-microsoft-com:office:powerpoint" xmlns:com="http://schemas.openxmlformats.org/drawingml/2006/compatibility" xmlns:p15="http://schemas.microsoft.com/office/powerpoint/2012/main" xmlns:ahyp="http://schemas.microsoft.com/office/drawing/2018/hyperlinkcolor">
       <p:transition>
         <p:fade/>
       </p:transition>
@@ -46783,7 +46990,7 @@
         <p:fade/>
       </p:transition>
     </mc:Choice>
-    <mc:Fallback xmlns:ahyp="http://schemas.microsoft.com/office/drawing/2018/hyperlinkcolor" xmlns:p15="http://schemas.microsoft.com/office/powerpoint/2012/main" xmlns:com="http://schemas.openxmlformats.org/drawingml/2006/compatibility" xmlns:pvml="urn:schemas-microsoft-com:office:powerpoint" xmlns:v="urn:schemas-microsoft-com:vml" xmlns:o="urn:schemas-microsoft-com:office:office" xmlns:dgm="http://schemas.openxmlformats.org/drawingml/2006/diagram" xmlns:c="http://schemas.openxmlformats.org/drawingml/2006/chart" xmlns:mv="urn:schemas-microsoft-com:mac:vml" xmlns="">
+    <mc:Fallback xmlns="" xmlns:mv="urn:schemas-microsoft-com:mac:vml" xmlns:c="http://schemas.openxmlformats.org/drawingml/2006/chart" xmlns:dgm="http://schemas.openxmlformats.org/drawingml/2006/diagram" xmlns:o="urn:schemas-microsoft-com:office:office" xmlns:v="urn:schemas-microsoft-com:vml" xmlns:pvml="urn:schemas-microsoft-com:office:powerpoint" xmlns:com="http://schemas.openxmlformats.org/drawingml/2006/compatibility" xmlns:p15="http://schemas.microsoft.com/office/powerpoint/2012/main" xmlns:ahyp="http://schemas.microsoft.com/office/drawing/2018/hyperlinkcolor">
       <p:transition>
         <p:fade/>
       </p:transition>
@@ -47091,7 +47298,7 @@
         <p:fade/>
       </p:transition>
     </mc:Choice>
-    <mc:Fallback xmlns:ahyp="http://schemas.microsoft.com/office/drawing/2018/hyperlinkcolor" xmlns:p15="http://schemas.microsoft.com/office/powerpoint/2012/main" xmlns:com="http://schemas.openxmlformats.org/drawingml/2006/compatibility" xmlns:pvml="urn:schemas-microsoft-com:office:powerpoint" xmlns:v="urn:schemas-microsoft-com:vml" xmlns:o="urn:schemas-microsoft-com:office:office" xmlns:dgm="http://schemas.openxmlformats.org/drawingml/2006/diagram" xmlns:c="http://schemas.openxmlformats.org/drawingml/2006/chart" xmlns:mv="urn:schemas-microsoft-com:mac:vml" xmlns="">
+    <mc:Fallback xmlns="" xmlns:mv="urn:schemas-microsoft-com:mac:vml" xmlns:c="http://schemas.openxmlformats.org/drawingml/2006/chart" xmlns:dgm="http://schemas.openxmlformats.org/drawingml/2006/diagram" xmlns:o="urn:schemas-microsoft-com:office:office" xmlns:v="urn:schemas-microsoft-com:vml" xmlns:pvml="urn:schemas-microsoft-com:office:powerpoint" xmlns:com="http://schemas.openxmlformats.org/drawingml/2006/compatibility" xmlns:p15="http://schemas.microsoft.com/office/powerpoint/2012/main" xmlns:ahyp="http://schemas.microsoft.com/office/drawing/2018/hyperlinkcolor">
       <p:transition>
         <p:fade/>
       </p:transition>
@@ -47537,7 +47744,7 @@
         <p:fade/>
       </p:transition>
     </mc:Choice>
-    <mc:Fallback xmlns:ahyp="http://schemas.microsoft.com/office/drawing/2018/hyperlinkcolor" xmlns:p15="http://schemas.microsoft.com/office/powerpoint/2012/main" xmlns:com="http://schemas.openxmlformats.org/drawingml/2006/compatibility" xmlns:pvml="urn:schemas-microsoft-com:office:powerpoint" xmlns:v="urn:schemas-microsoft-com:vml" xmlns:o="urn:schemas-microsoft-com:office:office" xmlns:dgm="http://schemas.openxmlformats.org/drawingml/2006/diagram" xmlns:c="http://schemas.openxmlformats.org/drawingml/2006/chart" xmlns:mv="urn:schemas-microsoft-com:mac:vml" xmlns="">
+    <mc:Fallback xmlns="" xmlns:mv="urn:schemas-microsoft-com:mac:vml" xmlns:c="http://schemas.openxmlformats.org/drawingml/2006/chart" xmlns:dgm="http://schemas.openxmlformats.org/drawingml/2006/diagram" xmlns:o="urn:schemas-microsoft-com:office:office" xmlns:v="urn:schemas-microsoft-com:vml" xmlns:pvml="urn:schemas-microsoft-com:office:powerpoint" xmlns:com="http://schemas.openxmlformats.org/drawingml/2006/compatibility" xmlns:p15="http://schemas.microsoft.com/office/powerpoint/2012/main" xmlns:ahyp="http://schemas.microsoft.com/office/drawing/2018/hyperlinkcolor">
       <p:transition>
         <p:fade/>
       </p:transition>
@@ -47971,7 +48178,7 @@
         <p:fade/>
       </p:transition>
     </mc:Choice>
-    <mc:Fallback xmlns:ahyp="http://schemas.microsoft.com/office/drawing/2018/hyperlinkcolor" xmlns:p15="http://schemas.microsoft.com/office/powerpoint/2012/main" xmlns:com="http://schemas.openxmlformats.org/drawingml/2006/compatibility" xmlns:pvml="urn:schemas-microsoft-com:office:powerpoint" xmlns:v="urn:schemas-microsoft-com:vml" xmlns:o="urn:schemas-microsoft-com:office:office" xmlns:dgm="http://schemas.openxmlformats.org/drawingml/2006/diagram" xmlns:c="http://schemas.openxmlformats.org/drawingml/2006/chart" xmlns:mv="urn:schemas-microsoft-com:mac:vml" xmlns="">
+    <mc:Fallback xmlns="" xmlns:mv="urn:schemas-microsoft-com:mac:vml" xmlns:c="http://schemas.openxmlformats.org/drawingml/2006/chart" xmlns:dgm="http://schemas.openxmlformats.org/drawingml/2006/diagram" xmlns:o="urn:schemas-microsoft-com:office:office" xmlns:v="urn:schemas-microsoft-com:vml" xmlns:pvml="urn:schemas-microsoft-com:office:powerpoint" xmlns:com="http://schemas.openxmlformats.org/drawingml/2006/compatibility" xmlns:p15="http://schemas.microsoft.com/office/powerpoint/2012/main" xmlns:ahyp="http://schemas.microsoft.com/office/drawing/2018/hyperlinkcolor">
       <p:transition>
         <p:fade/>
       </p:transition>
@@ -48515,7 +48722,7 @@
         <p:fade/>
       </p:transition>
     </mc:Choice>
-    <mc:Fallback xmlns:ahyp="http://schemas.microsoft.com/office/drawing/2018/hyperlinkcolor" xmlns:p15="http://schemas.microsoft.com/office/powerpoint/2012/main" xmlns:com="http://schemas.openxmlformats.org/drawingml/2006/compatibility" xmlns:pvml="urn:schemas-microsoft-com:office:powerpoint" xmlns:v="urn:schemas-microsoft-com:vml" xmlns:o="urn:schemas-microsoft-com:office:office" xmlns:dgm="http://schemas.openxmlformats.org/drawingml/2006/diagram" xmlns:c="http://schemas.openxmlformats.org/drawingml/2006/chart" xmlns:mv="urn:schemas-microsoft-com:mac:vml" xmlns="">
+    <mc:Fallback xmlns="" xmlns:mv="urn:schemas-microsoft-com:mac:vml" xmlns:c="http://schemas.openxmlformats.org/drawingml/2006/chart" xmlns:dgm="http://schemas.openxmlformats.org/drawingml/2006/diagram" xmlns:o="urn:schemas-microsoft-com:office:office" xmlns:v="urn:schemas-microsoft-com:vml" xmlns:pvml="urn:schemas-microsoft-com:office:powerpoint" xmlns:com="http://schemas.openxmlformats.org/drawingml/2006/compatibility" xmlns:p15="http://schemas.microsoft.com/office/powerpoint/2012/main" xmlns:ahyp="http://schemas.microsoft.com/office/drawing/2018/hyperlinkcolor">
       <p:transition>
         <p:fade/>
       </p:transition>
@@ -49059,7 +49266,7 @@
         <p:fade/>
       </p:transition>
     </mc:Choice>
-    <mc:Fallback xmlns:ahyp="http://schemas.microsoft.com/office/drawing/2018/hyperlinkcolor" xmlns:p15="http://schemas.microsoft.com/office/powerpoint/2012/main" xmlns:com="http://schemas.openxmlformats.org/drawingml/2006/compatibility" xmlns:pvml="urn:schemas-microsoft-com:office:powerpoint" xmlns:v="urn:schemas-microsoft-com:vml" xmlns:o="urn:schemas-microsoft-com:office:office" xmlns:dgm="http://schemas.openxmlformats.org/drawingml/2006/diagram" xmlns:c="http://schemas.openxmlformats.org/drawingml/2006/chart" xmlns:mv="urn:schemas-microsoft-com:mac:vml" xmlns="">
+    <mc:Fallback xmlns="" xmlns:mv="urn:schemas-microsoft-com:mac:vml" xmlns:c="http://schemas.openxmlformats.org/drawingml/2006/chart" xmlns:dgm="http://schemas.openxmlformats.org/drawingml/2006/diagram" xmlns:o="urn:schemas-microsoft-com:office:office" xmlns:v="urn:schemas-microsoft-com:vml" xmlns:pvml="urn:schemas-microsoft-com:office:powerpoint" xmlns:com="http://schemas.openxmlformats.org/drawingml/2006/compatibility" xmlns:p15="http://schemas.microsoft.com/office/powerpoint/2012/main" xmlns:ahyp="http://schemas.microsoft.com/office/drawing/2018/hyperlinkcolor">
       <p:transition>
         <p:fade/>
       </p:transition>
@@ -49858,7 +50065,7 @@
         <p:fade/>
       </p:transition>
     </mc:Choice>
-    <mc:Fallback xmlns:ahyp="http://schemas.microsoft.com/office/drawing/2018/hyperlinkcolor" xmlns:p15="http://schemas.microsoft.com/office/powerpoint/2012/main" xmlns:com="http://schemas.openxmlformats.org/drawingml/2006/compatibility" xmlns:pvml="urn:schemas-microsoft-com:office:powerpoint" xmlns:v="urn:schemas-microsoft-com:vml" xmlns:o="urn:schemas-microsoft-com:office:office" xmlns:dgm="http://schemas.openxmlformats.org/drawingml/2006/diagram" xmlns:c="http://schemas.openxmlformats.org/drawingml/2006/chart" xmlns:mv="urn:schemas-microsoft-com:mac:vml" xmlns="">
+    <mc:Fallback xmlns="" xmlns:mv="urn:schemas-microsoft-com:mac:vml" xmlns:c="http://schemas.openxmlformats.org/drawingml/2006/chart" xmlns:dgm="http://schemas.openxmlformats.org/drawingml/2006/diagram" xmlns:o="urn:schemas-microsoft-com:office:office" xmlns:v="urn:schemas-microsoft-com:vml" xmlns:pvml="urn:schemas-microsoft-com:office:powerpoint" xmlns:com="http://schemas.openxmlformats.org/drawingml/2006/compatibility" xmlns:p15="http://schemas.microsoft.com/office/powerpoint/2012/main" xmlns:ahyp="http://schemas.microsoft.com/office/drawing/2018/hyperlinkcolor">
       <p:transition>
         <p:fade/>
       </p:transition>
@@ -50678,14 +50885,14 @@
           <p:nvPr>
             <p:extLst>
               <p:ext uri="{D42A27DB-BD31-4B8C-83A1-F6EECF244321}">
-                <p14:modId xmlns:p14="http://schemas.microsoft.com/office/powerpoint/2010/main" val="3335380857"/>
+                <p14:modId xmlns:p14="http://schemas.microsoft.com/office/powerpoint/2010/main" val="2284351807"/>
               </p:ext>
             </p:extLst>
           </p:nvPr>
         </p:nvGraphicFramePr>
         <p:xfrm>
-          <a:off x="4458789" y="139338"/>
-          <a:ext cx="6804286" cy="6505302"/>
+          <a:off x="4458789" y="252550"/>
+          <a:ext cx="6804286" cy="6392090"/>
         </p:xfrm>
         <a:graphic>
           <a:graphicData uri="http://schemas.openxmlformats.org/drawingml/2006/diagram">
@@ -50765,7 +50972,7 @@
         <p:fade/>
       </p:transition>
     </mc:Choice>
-    <mc:Fallback xmlns:ahyp="http://schemas.microsoft.com/office/drawing/2018/hyperlinkcolor" xmlns:p15="http://schemas.microsoft.com/office/powerpoint/2012/main" xmlns:com="http://schemas.openxmlformats.org/drawingml/2006/compatibility" xmlns:pvml="urn:schemas-microsoft-com:office:powerpoint" xmlns:v="urn:schemas-microsoft-com:vml" xmlns:o="urn:schemas-microsoft-com:office:office" xmlns:dgm="http://schemas.openxmlformats.org/drawingml/2006/diagram" xmlns:c="http://schemas.openxmlformats.org/drawingml/2006/chart" xmlns:mv="urn:schemas-microsoft-com:mac:vml" xmlns="">
+    <mc:Fallback xmlns="" xmlns:mv="urn:schemas-microsoft-com:mac:vml" xmlns:c="http://schemas.openxmlformats.org/drawingml/2006/chart" xmlns:dgm="http://schemas.openxmlformats.org/drawingml/2006/diagram" xmlns:o="urn:schemas-microsoft-com:office:office" xmlns:v="urn:schemas-microsoft-com:vml" xmlns:pvml="urn:schemas-microsoft-com:office:powerpoint" xmlns:com="http://schemas.openxmlformats.org/drawingml/2006/compatibility" xmlns:p15="http://schemas.microsoft.com/office/powerpoint/2012/main" xmlns:ahyp="http://schemas.microsoft.com/office/drawing/2018/hyperlinkcolor">
       <p:transition>
         <p:fade/>
       </p:transition>
